--- a/HW9_Harris_BRAM/N06-Tutorial/專案進度報告-Harris_BRAM-吳東穎-20230615.pptx
+++ b/HW9_Harris_BRAM/N06-Tutorial/專案進度報告-Harris_BRAM-吳東穎-20230615.pptx
@@ -26,18 +26,18 @@
     <p:sldId id="1296" r:id="rId14"/>
     <p:sldId id="1294" r:id="rId15"/>
     <p:sldId id="1312" r:id="rId16"/>
-    <p:sldId id="261" r:id="rId17"/>
-    <p:sldId id="1305" r:id="rId18"/>
-    <p:sldId id="1307" r:id="rId19"/>
-    <p:sldId id="1322" r:id="rId20"/>
-    <p:sldId id="1328" r:id="rId21"/>
-    <p:sldId id="1327" r:id="rId22"/>
+    <p:sldId id="1331" r:id="rId17"/>
+    <p:sldId id="261" r:id="rId18"/>
+    <p:sldId id="1322" r:id="rId19"/>
+    <p:sldId id="1328" r:id="rId20"/>
+    <p:sldId id="1305" r:id="rId21"/>
+    <p:sldId id="1307" r:id="rId22"/>
     <p:sldId id="1319" r:id="rId23"/>
-    <p:sldId id="1321" r:id="rId24"/>
-    <p:sldId id="1258" r:id="rId25"/>
-    <p:sldId id="1282" r:id="rId26"/>
-    <p:sldId id="1302" r:id="rId27"/>
-    <p:sldId id="1313" r:id="rId28"/>
+    <p:sldId id="1258" r:id="rId24"/>
+    <p:sldId id="1282" r:id="rId25"/>
+    <p:sldId id="1302" r:id="rId26"/>
+    <p:sldId id="1313" r:id="rId27"/>
+    <p:sldId id="1330" r:id="rId28"/>
     <p:sldId id="271" r:id="rId29"/>
   </p:sldIdLst>
   <p:sldSz cx="12192000" cy="6858000"/>
@@ -185,11 +185,18 @@
             <p14:sldId id="1296"/>
             <p14:sldId id="1294"/>
             <p14:sldId id="1312"/>
+            <p14:sldId id="1331"/>
           </p14:sldIdLst>
         </p14:section>
         <p14:section name="成果展示(2023/6/7)" id="{70DC3051-68F9-4DEC-9A31-AFAFBB0B0227}">
           <p14:sldIdLst>
             <p14:sldId id="261"/>
+          </p14:sldIdLst>
+        </p14:section>
+        <p14:section name="波形轉圖片" id="{AAC2B831-151C-4000-90D8-FE010905DD21}">
+          <p14:sldIdLst>
+            <p14:sldId id="1322"/>
+            <p14:sldId id="1328"/>
           </p14:sldIdLst>
         </p14:section>
         <p14:section name="BRam_FIFO" id="{B297A248-33F4-4505-BBE2-4A66F4E747C9}">
@@ -202,21 +209,9 @@
             <p14:sldId id="1307"/>
           </p14:sldIdLst>
         </p14:section>
-        <p14:section name="波形轉圖片" id="{AAC2B831-151C-4000-90D8-FE010905DD21}">
-          <p14:sldIdLst>
-            <p14:sldId id="1322"/>
-            <p14:sldId id="1328"/>
-          </p14:sldIdLst>
-        </p14:section>
-        <p14:section name="Sobel" id="{EC4CFE80-13D9-41FF-B85C-0027FA1F0371}">
-          <p14:sldIdLst>
-            <p14:sldId id="1327"/>
-          </p14:sldIdLst>
-        </p14:section>
         <p14:section name="BRAM+Harris_warpper 燒錄驗證功能" id="{AACFFD94-4AEA-47C7-B01A-FA31C06436CC}">
           <p14:sldIdLst>
             <p14:sldId id="1319"/>
-            <p14:sldId id="1321"/>
             <p14:sldId id="1258"/>
           </p14:sldIdLst>
         </p14:section>
@@ -225,6 +220,7 @@
             <p14:sldId id="1282"/>
             <p14:sldId id="1302"/>
             <p14:sldId id="1313"/>
+            <p14:sldId id="1330"/>
           </p14:sldIdLst>
         </p14:section>
         <p14:section name="參考資料" id="{45BCF316-EF51-4D48-B1BE-363829FB5D01}">
@@ -330,7 +326,7 @@
               <a:rPr lang="zh-TW" altLang="en-US" smtClean="0">
                 <a:ea typeface="標楷體" panose="03000509000000000000" pitchFamily="65" charset="-120"/>
               </a:rPr>
-              <a:t>2023/6/22</a:t>
+              <a:t>2023/7/4</a:t>
             </a:fld>
             <a:endParaRPr lang="zh-TW" altLang="en-US" dirty="0">
               <a:ea typeface="標楷體" panose="03000509000000000000" pitchFamily="65" charset="-120"/>
@@ -508,7 +504,7 @@
             <a:fld id="{2CB905C5-9D54-40E2-B40C-7996280CAB02}" type="datetimeFigureOut">
               <a:rPr lang="zh-TW" altLang="en-US" smtClean="0"/>
               <a:pPr/>
-              <a:t>2023/6/22</a:t>
+              <a:t>2023/7/4</a:t>
             </a:fld>
             <a:endParaRPr lang="zh-TW" altLang="en-US" dirty="0"/>
           </a:p>
@@ -938,7 +934,7 @@
     </p:spTree>
     <p:extLst>
       <p:ext uri="{BB962C8B-B14F-4D97-AF65-F5344CB8AC3E}">
-        <p14:creationId xmlns:p14="http://schemas.microsoft.com/office/powerpoint/2010/main" val="702336876"/>
+        <p14:creationId xmlns:p14="http://schemas.microsoft.com/office/powerpoint/2010/main" val="2292930631"/>
       </p:ext>
     </p:extLst>
   </p:cSld>
@@ -1022,7 +1018,7 @@
     </p:spTree>
     <p:extLst>
       <p:ext uri="{BB962C8B-B14F-4D97-AF65-F5344CB8AC3E}">
-        <p14:creationId xmlns:p14="http://schemas.microsoft.com/office/powerpoint/2010/main" val="2292930631"/>
+        <p14:creationId xmlns:p14="http://schemas.microsoft.com/office/powerpoint/2010/main" val="3878768041"/>
       </p:ext>
     </p:extLst>
   </p:cSld>
@@ -1181,7 +1177,7 @@
           <a:p>
             <a:fld id="{EF8A6B0B-A5FB-4629-B823-69B1A9EB3A43}" type="slidenum">
               <a:rPr lang="zh-TW" altLang="en-US" smtClean="0"/>
-              <a:t>16</a:t>
+              <a:t>17</a:t>
             </a:fld>
             <a:endParaRPr lang="zh-TW" altLang="en-US"/>
           </a:p>
@@ -1265,7 +1261,7 @@
           <a:p>
             <a:fld id="{EF8A6B0B-A5FB-4629-B823-69B1A9EB3A43}" type="slidenum">
               <a:rPr lang="zh-TW" altLang="en-US" smtClean="0"/>
-              <a:t>17</a:t>
+              <a:t>20</a:t>
             </a:fld>
             <a:endParaRPr lang="zh-TW" altLang="en-US"/>
           </a:p>
@@ -1349,7 +1345,7 @@
           <a:p>
             <a:fld id="{EF8A6B0B-A5FB-4629-B823-69B1A9EB3A43}" type="slidenum">
               <a:rPr lang="zh-TW" altLang="en-US" smtClean="0"/>
-              <a:t>18</a:t>
+              <a:t>21</a:t>
             </a:fld>
             <a:endParaRPr lang="zh-TW" altLang="en-US"/>
           </a:p>
@@ -1526,7 +1522,7 @@
     </p:spTree>
     <p:extLst>
       <p:ext uri="{BB962C8B-B14F-4D97-AF65-F5344CB8AC3E}">
-        <p14:creationId xmlns:p14="http://schemas.microsoft.com/office/powerpoint/2010/main" val="843886258"/>
+        <p14:creationId xmlns:p14="http://schemas.microsoft.com/office/powerpoint/2010/main" val="1813557240"/>
       </p:ext>
     </p:extLst>
   </p:cSld>
@@ -1610,7 +1606,7 @@
     </p:spTree>
     <p:extLst>
       <p:ext uri="{BB962C8B-B14F-4D97-AF65-F5344CB8AC3E}">
-        <p14:creationId xmlns:p14="http://schemas.microsoft.com/office/powerpoint/2010/main" val="1813557240"/>
+        <p14:creationId xmlns:p14="http://schemas.microsoft.com/office/powerpoint/2010/main" val="800052063"/>
       </p:ext>
     </p:extLst>
   </p:cSld>
@@ -1694,7 +1690,7 @@
     </p:spTree>
     <p:extLst>
       <p:ext uri="{BB962C8B-B14F-4D97-AF65-F5344CB8AC3E}">
-        <p14:creationId xmlns:p14="http://schemas.microsoft.com/office/powerpoint/2010/main" val="800052063"/>
+        <p14:creationId xmlns:p14="http://schemas.microsoft.com/office/powerpoint/2010/main" val="702336876"/>
       </p:ext>
     </p:extLst>
   </p:cSld>
@@ -1838,7 +1834,7 @@
           <a:p>
             <a:fld id="{0C0CC965-A63A-473D-BEFB-C8F9714D5269}" type="datetimeFigureOut">
               <a:rPr lang="zh-TW" altLang="en-US" smtClean="0"/>
-              <a:t>2023/6/22</a:t>
+              <a:t>2023/7/4</a:t>
             </a:fld>
             <a:endParaRPr lang="zh-TW" altLang="en-US"/>
           </a:p>
@@ -2006,7 +2002,7 @@
           <a:p>
             <a:fld id="{0C0CC965-A63A-473D-BEFB-C8F9714D5269}" type="datetimeFigureOut">
               <a:rPr lang="zh-TW" altLang="en-US" smtClean="0"/>
-              <a:t>2023/6/22</a:t>
+              <a:t>2023/7/4</a:t>
             </a:fld>
             <a:endParaRPr lang="zh-TW" altLang="en-US"/>
           </a:p>
@@ -2184,7 +2180,7 @@
           <a:p>
             <a:fld id="{0C0CC965-A63A-473D-BEFB-C8F9714D5269}" type="datetimeFigureOut">
               <a:rPr lang="zh-TW" altLang="en-US" smtClean="0"/>
-              <a:t>2023/6/22</a:t>
+              <a:t>2023/7/4</a:t>
             </a:fld>
             <a:endParaRPr lang="zh-TW" altLang="en-US"/>
           </a:p>
@@ -2406,7 +2402,7 @@
           <a:p>
             <a:fld id="{0C0CC965-A63A-473D-BEFB-C8F9714D5269}" type="datetimeFigureOut">
               <a:rPr lang="zh-TW" altLang="en-US" smtClean="0"/>
-              <a:t>2023/6/22</a:t>
+              <a:t>2023/7/4</a:t>
             </a:fld>
             <a:endParaRPr lang="zh-TW" altLang="en-US"/>
           </a:p>
@@ -2601,7 +2597,7 @@
           <a:p>
             <a:fld id="{0C0CC965-A63A-473D-BEFB-C8F9714D5269}" type="datetimeFigureOut">
               <a:rPr lang="zh-TW" altLang="en-US" smtClean="0"/>
-              <a:t>2023/6/22</a:t>
+              <a:t>2023/7/4</a:t>
             </a:fld>
             <a:endParaRPr lang="zh-TW" altLang="en-US"/>
           </a:p>
@@ -2846,7 +2842,7 @@
           <a:p>
             <a:fld id="{0C0CC965-A63A-473D-BEFB-C8F9714D5269}" type="datetimeFigureOut">
               <a:rPr lang="zh-TW" altLang="en-US" smtClean="0"/>
-              <a:t>2023/6/22</a:t>
+              <a:t>2023/7/4</a:t>
             </a:fld>
             <a:endParaRPr lang="zh-TW" altLang="en-US"/>
           </a:p>
@@ -3075,7 +3071,7 @@
           <a:p>
             <a:fld id="{0C0CC965-A63A-473D-BEFB-C8F9714D5269}" type="datetimeFigureOut">
               <a:rPr lang="zh-TW" altLang="en-US" smtClean="0"/>
-              <a:t>2023/6/22</a:t>
+              <a:t>2023/7/4</a:t>
             </a:fld>
             <a:endParaRPr lang="zh-TW" altLang="en-US"/>
           </a:p>
@@ -3439,7 +3435,7 @@
           <a:p>
             <a:fld id="{0C0CC965-A63A-473D-BEFB-C8F9714D5269}" type="datetimeFigureOut">
               <a:rPr lang="zh-TW" altLang="en-US" smtClean="0"/>
-              <a:t>2023/6/22</a:t>
+              <a:t>2023/7/4</a:t>
             </a:fld>
             <a:endParaRPr lang="zh-TW" altLang="en-US"/>
           </a:p>
@@ -3556,7 +3552,7 @@
           <a:p>
             <a:fld id="{0C0CC965-A63A-473D-BEFB-C8F9714D5269}" type="datetimeFigureOut">
               <a:rPr lang="zh-TW" altLang="en-US" smtClean="0"/>
-              <a:t>2023/6/22</a:t>
+              <a:t>2023/7/4</a:t>
             </a:fld>
             <a:endParaRPr lang="zh-TW" altLang="en-US"/>
           </a:p>
@@ -3651,7 +3647,7 @@
           <a:p>
             <a:fld id="{0C0CC965-A63A-473D-BEFB-C8F9714D5269}" type="datetimeFigureOut">
               <a:rPr lang="zh-TW" altLang="en-US" smtClean="0"/>
-              <a:t>2023/6/22</a:t>
+              <a:t>2023/7/4</a:t>
             </a:fld>
             <a:endParaRPr lang="zh-TW" altLang="en-US"/>
           </a:p>
@@ -3926,7 +3922,7 @@
           <a:p>
             <a:fld id="{0C0CC965-A63A-473D-BEFB-C8F9714D5269}" type="datetimeFigureOut">
               <a:rPr lang="zh-TW" altLang="en-US" smtClean="0"/>
-              <a:t>2023/6/22</a:t>
+              <a:t>2023/7/4</a:t>
             </a:fld>
             <a:endParaRPr lang="zh-TW" altLang="en-US"/>
           </a:p>
@@ -4178,7 +4174,7 @@
           <a:p>
             <a:fld id="{0C0CC965-A63A-473D-BEFB-C8F9714D5269}" type="datetimeFigureOut">
               <a:rPr lang="zh-TW" altLang="en-US" smtClean="0"/>
-              <a:t>2023/6/22</a:t>
+              <a:t>2023/7/4</a:t>
             </a:fld>
             <a:endParaRPr lang="zh-TW" altLang="en-US"/>
           </a:p>
@@ -4392,7 +4388,7 @@
             <a:fld id="{0C0CC965-A63A-473D-BEFB-C8F9714D5269}" type="datetimeFigureOut">
               <a:rPr lang="zh-TW" altLang="en-US" smtClean="0"/>
               <a:pPr/>
-              <a:t>2023/6/22</a:t>
+              <a:t>2023/7/4</a:t>
             </a:fld>
             <a:endParaRPr lang="zh-TW" altLang="en-US"/>
           </a:p>
@@ -4995,23 +4991,18 @@
             </a:r>
             <a:r>
               <a:rPr lang="en-US" altLang="zh-TW" dirty="0"/>
-              <a:t>2023/6/</a:t>
+              <a:t>2023/7/4</a:t>
             </a:r>
           </a:p>
           <a:p>
             <a:r>
               <a:rPr lang="zh-TW" altLang="en-US" dirty="0"/>
-              <a:t>開始日期</a:t>
-            </a:r>
-            <a:r>
-              <a:rPr lang="zh-TW" altLang="en-US"/>
-              <a:t>：</a:t>
-            </a:r>
-            <a:r>
-              <a:rPr lang="en-US" altLang="zh-TW"/>
+              <a:t>開始日期：</a:t>
+            </a:r>
+            <a:r>
+              <a:rPr lang="en-US" altLang="zh-TW" dirty="0"/>
               <a:t>2023/6/21</a:t>
             </a:r>
-            <a:endParaRPr lang="en-US" altLang="zh-TW" dirty="0"/>
           </a:p>
           <a:p>
             <a:pPr algn="l"/>
@@ -5141,7 +5132,7 @@
         <p:spPr>
           <a:xfrm>
             <a:off x="1247784" y="1399296"/>
-            <a:ext cx="5978172" cy="2031325"/>
+            <a:ext cx="5978172" cy="1477328"/>
           </a:xfrm>
           <a:prstGeom prst="rect">
             <a:avLst/>
@@ -5180,7 +5171,7 @@
                 <a:latin typeface="Times New Roman" panose="02020603050405020304" pitchFamily="18" charset="0"/>
                 <a:ea typeface="標楷體" panose="03000509000000000000" pitchFamily="65" charset="-120"/>
               </a:rPr>
-              <a:t>將計分結果以閥值區分</a:t>
+              <a:t>將特徵值結果以閥值區分角點、非角點</a:t>
             </a:r>
             <a:endParaRPr lang="en-US" altLang="zh-TW" dirty="0">
               <a:latin typeface="Times New Roman" panose="02020603050405020304" pitchFamily="18" charset="0"/>
@@ -5194,26 +5185,9 @@
             </a:pPr>
             <a:r>
               <a:rPr lang="zh-TW" altLang="en-US" dirty="0">
-                <a:latin typeface="Times New Roman" panose="02020603050405020304" pitchFamily="18" charset="0"/>
-                <a:ea typeface="標楷體" panose="03000509000000000000" pitchFamily="65" charset="-120"/>
-              </a:rPr>
-              <a:t>二值化區分角點、非角點</a:t>
-            </a:r>
-            <a:endParaRPr lang="en-US" altLang="zh-TW" dirty="0">
-              <a:latin typeface="Times New Roman" panose="02020603050405020304" pitchFamily="18" charset="0"/>
-              <a:ea typeface="標楷體" panose="03000509000000000000" pitchFamily="65" charset="-120"/>
-            </a:endParaRPr>
-          </a:p>
-          <a:p>
-            <a:pPr marL="1200150" lvl="2" indent="-285750">
-              <a:buFont typeface="Arial" panose="020B0604020202020204" pitchFamily="34" charset="0"/>
-              <a:buChar char="•"/>
-            </a:pPr>
-            <a:r>
-              <a:rPr lang="zh-TW" altLang="en-US" dirty="0">
-                <a:ea typeface="標楷體" panose="03000509000000000000" pitchFamily="65" charset="-120"/>
-              </a:rPr>
-              <a:t>一個固定視窗在圖像上進行任意方向上的滑動，比較滑動前后，視窗中的灰度變化程度，如果滑動有著較大灰度變化，可以認為該視窗中存在角點</a:t>
+                <a:ea typeface="標楷體" panose="03000509000000000000" pitchFamily="65" charset="-120"/>
+              </a:rPr>
+              <a:t>一個固定視窗在圖像上進行任意方向上的滑動都有著較大灰度變化，可以認為該視窗中存在角點</a:t>
             </a:r>
             <a:endParaRPr lang="zh-TW" altLang="en-US" dirty="0">
               <a:latin typeface="Times New Roman" panose="02020603050405020304" pitchFamily="18" charset="0"/>
@@ -5251,7 +5225,7 @@
           <a:lstStyle/>
           <a:p>
             <a:r>
-              <a:rPr lang="zh-TW" altLang="en-US">
+              <a:rPr lang="zh-TW" altLang="en-US" dirty="0">
                 <a:solidFill>
                   <a:srgbClr val="FF0000"/>
                 </a:solidFill>
@@ -5259,12 +5233,6 @@
               </a:rPr>
               <a:t>區分圖</a:t>
             </a:r>
-            <a:endParaRPr lang="zh-TW" altLang="en-US" dirty="0">
-              <a:solidFill>
-                <a:srgbClr val="FF0000"/>
-              </a:solidFill>
-              <a:latin typeface="Times New Roman" panose="02020603050405020304" pitchFamily="18" charset="0"/>
-            </a:endParaRPr>
           </a:p>
         </p:txBody>
       </p:sp>
@@ -5405,7 +5373,7 @@
             </a:r>
             <a:r>
               <a:rPr lang="en-US" altLang="zh-TW" dirty="0"/>
-              <a:t>(2023/6/20</a:t>
+              <a:t>(2023/6/25</a:t>
             </a:r>
             <a:r>
               <a:rPr lang="zh-TW" altLang="en-US" dirty="0"/>
@@ -5421,10 +5389,10 @@
       </p:sp>
       <p:pic>
         <p:nvPicPr>
-          <p:cNvPr id="1030" name="Picture 6">
+          <p:cNvPr id="2" name="Picture 2">
             <a:extLst>
               <a:ext uri="{FF2B5EF4-FFF2-40B4-BE49-F238E27FC236}">
-                <a16:creationId xmlns:a16="http://schemas.microsoft.com/office/drawing/2014/main" id="{7155E25D-2FDC-4EBE-B112-9B2AA58D1DD0}"/>
+                <a16:creationId xmlns:a16="http://schemas.microsoft.com/office/drawing/2014/main" id="{9B271454-8182-4B05-AEBE-5CF165087127}"/>
               </a:ext>
             </a:extLst>
           </p:cNvPr>
@@ -5448,8 +5416,8 @@
         </p:blipFill>
         <p:spPr bwMode="auto">
           <a:xfrm>
-            <a:off x="157162" y="1782489"/>
-            <a:ext cx="11877675" cy="3829050"/>
+            <a:off x="0" y="2348248"/>
+            <a:ext cx="12192000" cy="3298825"/>
           </a:xfrm>
           <a:prstGeom prst="rect">
             <a:avLst/>
@@ -5466,6 +5434,65 @@
           </a:extLst>
         </p:spPr>
       </p:pic>
+      <p:sp>
+        <p:nvSpPr>
+          <p:cNvPr id="6" name="文字方塊 5">
+            <a:extLst>
+              <a:ext uri="{FF2B5EF4-FFF2-40B4-BE49-F238E27FC236}">
+                <a16:creationId xmlns:a16="http://schemas.microsoft.com/office/drawing/2014/main" id="{9A2B9D65-C105-49C8-BF98-2F99EB815708}"/>
+              </a:ext>
+            </a:extLst>
+          </p:cNvPr>
+          <p:cNvSpPr txBox="1"/>
+          <p:nvPr/>
+        </p:nvSpPr>
+        <p:spPr>
+          <a:xfrm>
+            <a:off x="1098331" y="1535410"/>
+            <a:ext cx="6097314" cy="646331"/>
+          </a:xfrm>
+          <a:prstGeom prst="rect">
+            <a:avLst/>
+          </a:prstGeom>
+          <a:noFill/>
+        </p:spPr>
+        <p:txBody>
+          <a:bodyPr wrap="square">
+            <a:spAutoFit/>
+          </a:bodyPr>
+          <a:lstStyle/>
+          <a:p>
+            <a:pPr marL="742950" lvl="1" indent="-285750">
+              <a:buFont typeface="Arial" panose="020B0604020202020204" pitchFamily="34" charset="0"/>
+              <a:buChar char="•"/>
+            </a:pPr>
+            <a:r>
+              <a:rPr lang="en-US" altLang="zh-TW" dirty="0">
+                <a:latin typeface="Times New Roman" panose="02020603050405020304" pitchFamily="18" charset="0"/>
+                <a:ea typeface="標楷體" panose="03000509000000000000" pitchFamily="65" charset="-120"/>
+              </a:rPr>
+              <a:t>Harris</a:t>
+            </a:r>
+          </a:p>
+          <a:p>
+            <a:pPr marL="1200150" lvl="2" indent="-285750">
+              <a:buFont typeface="Arial" panose="020B0604020202020204" pitchFamily="34" charset="0"/>
+              <a:buChar char="•"/>
+            </a:pPr>
+            <a:r>
+              <a:rPr lang="zh-TW" altLang="en-US" dirty="0">
+                <a:latin typeface="Times New Roman" panose="02020603050405020304" pitchFamily="18" charset="0"/>
+                <a:ea typeface="標楷體" panose="03000509000000000000" pitchFamily="65" charset="-120"/>
+              </a:rPr>
+              <a:t>流程</a:t>
+            </a:r>
+            <a:endParaRPr lang="en-US" altLang="zh-TW" dirty="0">
+              <a:latin typeface="Times New Roman" panose="02020603050405020304" pitchFamily="18" charset="0"/>
+              <a:ea typeface="標楷體" panose="03000509000000000000" pitchFamily="65" charset="-120"/>
+            </a:endParaRPr>
+          </a:p>
+        </p:txBody>
+      </p:sp>
     </p:spTree>
     <p:extLst>
       <p:ext uri="{BB962C8B-B14F-4D97-AF65-F5344CB8AC3E}">
@@ -5532,8 +5559,8 @@
               <a:t> </a:t>
             </a:r>
             <a:r>
-              <a:rPr lang="en-US" altLang="zh-TW"/>
-              <a:t>(2023/6/21</a:t>
+              <a:rPr lang="en-US" altLang="zh-TW" dirty="0"/>
+              <a:t>(2023/6/25</a:t>
             </a:r>
             <a:r>
               <a:rPr lang="zh-TW" altLang="en-US" dirty="0"/>
@@ -5605,10 +5632,10 @@
       </p:sp>
       <p:pic>
         <p:nvPicPr>
-          <p:cNvPr id="2" name="Picture 2">
+          <p:cNvPr id="1026" name="Picture 2">
             <a:extLst>
               <a:ext uri="{FF2B5EF4-FFF2-40B4-BE49-F238E27FC236}">
-                <a16:creationId xmlns:a16="http://schemas.microsoft.com/office/drawing/2014/main" id="{798AB131-7086-450E-A70D-EDE689871A34}"/>
+                <a16:creationId xmlns:a16="http://schemas.microsoft.com/office/drawing/2014/main" id="{6F62ED7B-9F5E-4FD4-B035-C6D3551F1702}"/>
               </a:ext>
             </a:extLst>
           </p:cNvPr>
@@ -5632,8 +5659,8 @@
         </p:blipFill>
         <p:spPr bwMode="auto">
           <a:xfrm>
-            <a:off x="475942" y="1199425"/>
-            <a:ext cx="11240116" cy="5104073"/>
+            <a:off x="986856" y="1397684"/>
+            <a:ext cx="10218287" cy="4652744"/>
           </a:xfrm>
           <a:prstGeom prst="rect">
             <a:avLst/>
@@ -6719,9 +6746,9 @@
         <p:grpSpPr>
           <a:xfrm>
             <a:off x="682751" y="1329662"/>
-            <a:ext cx="11031394" cy="5146829"/>
+            <a:ext cx="11031394" cy="5196523"/>
             <a:chOff x="682751" y="1329662"/>
-            <a:chExt cx="11031394" cy="5146829"/>
+            <a:chExt cx="11031394" cy="5196523"/>
           </a:xfrm>
         </p:grpSpPr>
         <p:sp>
@@ -7538,9 +7565,10 @@
             </a:fontRef>
           </p:style>
           <p:txBody>
-            <a:bodyPr rtlCol="0" anchor="t"/>
+            <a:bodyPr rtlCol="0" anchor="ctr"/>
             <a:lstStyle/>
             <a:p>
+              <a:pPr algn="ctr"/>
               <a:r>
                 <a:rPr lang="en-US" altLang="zh-TW" dirty="0" err="1">
                   <a:ea typeface="標楷體" panose="03000509000000000000" pitchFamily="65" charset="-120"/>
@@ -7555,6 +7583,7 @@
               </a:r>
             </a:p>
             <a:p>
+              <a:pPr algn="ctr"/>
               <a:r>
                 <a:rPr lang="en-US" altLang="zh-TW" dirty="0" err="1">
                   <a:ea typeface="標楷體" panose="03000509000000000000" pitchFamily="65" charset="-120"/>
@@ -7569,6 +7598,7 @@
               </a:r>
             </a:p>
             <a:p>
+              <a:pPr algn="ctr"/>
               <a:r>
                 <a:rPr lang="en-US" altLang="zh-TW" dirty="0">
                   <a:ea typeface="標楷體" panose="03000509000000000000" pitchFamily="65" charset="-120"/>
@@ -7585,13 +7615,8 @@
                 <a:rPr lang="en-US" altLang="zh-TW" dirty="0">
                   <a:ea typeface="標楷體" panose="03000509000000000000" pitchFamily="65" charset="-120"/>
                 </a:rPr>
-                <a:t>[8],</a:t>
+                <a:t>[8]</a:t>
               </a:r>
-            </a:p>
-            <a:p>
-              <a:endParaRPr lang="zh-TW" altLang="en-US" dirty="0">
-                <a:ea typeface="標楷體" panose="03000509000000000000" pitchFamily="65" charset="-120"/>
-              </a:endParaRPr>
             </a:p>
           </p:txBody>
         </p:sp>
@@ -7609,8 +7634,8 @@
           </p:nvSpPr>
           <p:spPr>
             <a:xfrm>
-              <a:off x="3739946" y="4748036"/>
-              <a:ext cx="2374544" cy="696087"/>
+              <a:off x="4002413" y="4748036"/>
+              <a:ext cx="1754523" cy="696087"/>
             </a:xfrm>
             <a:prstGeom prst="roundRect">
               <a:avLst/>
@@ -7911,8 +7936,8 @@
           </p:nvSpPr>
           <p:spPr>
             <a:xfrm>
-              <a:off x="6534091" y="4419447"/>
-              <a:ext cx="1745013" cy="404289"/>
+              <a:off x="6383776" y="4419447"/>
+              <a:ext cx="1919514" cy="404289"/>
             </a:xfrm>
             <a:prstGeom prst="roundRect">
               <a:avLst/>
@@ -7948,7 +7973,23 @@
                   <a:ea typeface="標楷體" panose="03000509000000000000" pitchFamily="65" charset="-120"/>
                   <a:cs typeface="Times New Roman" panose="02020603050405020304" pitchFamily="18" charset="0"/>
                 </a:rPr>
-                <a:t>灰階梯度捲積</a:t>
+                <a:t>灰階梯度</a:t>
+              </a:r>
+              <a:r>
+                <a:rPr lang="zh-TW" altLang="en-US" dirty="0">
+                  <a:latin typeface="Times New Roman" panose="02020603050405020304" pitchFamily="18" charset="0"/>
+                  <a:ea typeface="標楷體" panose="03000509000000000000" pitchFamily="65" charset="-120"/>
+                  <a:cs typeface="Times New Roman" panose="02020603050405020304" pitchFamily="18" charset="0"/>
+                </a:rPr>
+                <a:t>差</a:t>
+              </a:r>
+              <a:r>
+                <a:rPr lang="zh-TW" altLang="en-US" sz="1800" dirty="0">
+                  <a:latin typeface="Times New Roman" panose="02020603050405020304" pitchFamily="18" charset="0"/>
+                  <a:ea typeface="標楷體" panose="03000509000000000000" pitchFamily="65" charset="-120"/>
+                  <a:cs typeface="Times New Roman" panose="02020603050405020304" pitchFamily="18" charset="0"/>
+                </a:rPr>
+                <a:t>捲積</a:t>
               </a:r>
               <a:endParaRPr lang="en-US" altLang="zh-TW" sz="1800" dirty="0">
                 <a:latin typeface="Times New Roman" panose="02020603050405020304" pitchFamily="18" charset="0"/>
@@ -8033,8 +8074,8 @@
           </p:nvSpPr>
           <p:spPr>
             <a:xfrm flipV="1">
-              <a:off x="4758542" y="5465900"/>
-              <a:ext cx="2929520" cy="1010591"/>
+              <a:off x="4758542" y="5461192"/>
+              <a:ext cx="2929520" cy="1064993"/>
             </a:xfrm>
             <a:prstGeom prst="uturnArrow">
               <a:avLst>
@@ -8042,7 +8083,7 @@
                 <a:gd name="adj2" fmla="val 25000"/>
                 <a:gd name="adj3" fmla="val 25000"/>
                 <a:gd name="adj4" fmla="val 43750"/>
-                <a:gd name="adj5" fmla="val 75000"/>
+                <a:gd name="adj5" fmla="val 90865"/>
               </a:avLst>
             </a:prstGeom>
           </p:spPr>
@@ -8372,6 +8413,36 @@
           <a:chExt cx="0" cy="0"/>
         </a:xfrm>
       </p:grpSpPr>
+      <p:pic>
+        <p:nvPicPr>
+          <p:cNvPr id="5" name="圖片 4">
+            <a:extLst>
+              <a:ext uri="{FF2B5EF4-FFF2-40B4-BE49-F238E27FC236}">
+                <a16:creationId xmlns:a16="http://schemas.microsoft.com/office/drawing/2014/main" id="{EF5541D3-EF39-43DB-9471-70A5314B8A3B}"/>
+              </a:ext>
+            </a:extLst>
+          </p:cNvPr>
+          <p:cNvPicPr>
+            <a:picLocks noChangeAspect="1"/>
+          </p:cNvPicPr>
+          <p:nvPr/>
+        </p:nvPicPr>
+        <p:blipFill>
+          <a:blip r:embed="rId2"/>
+          <a:stretch>
+            <a:fillRect/>
+          </a:stretch>
+        </p:blipFill>
+        <p:spPr>
+          <a:xfrm>
+            <a:off x="120343" y="2668721"/>
+            <a:ext cx="11951314" cy="3441877"/>
+          </a:xfrm>
+          <a:prstGeom prst="rect">
+            <a:avLst/>
+          </a:prstGeom>
+        </p:spPr>
+      </p:pic>
       <p:sp>
         <p:nvSpPr>
           <p:cNvPr id="3" name="標題 2"/>
@@ -8443,7 +8514,7 @@
         </p:nvSpPr>
         <p:spPr>
           <a:xfrm>
-            <a:off x="1624615" y="1379160"/>
+            <a:off x="1624615" y="1323979"/>
             <a:ext cx="3808520" cy="1569660"/>
           </a:xfrm>
           <a:prstGeom prst="rect">
@@ -8555,6 +8626,403 @@
                 <a:ea typeface="標楷體" panose="03000509000000000000" pitchFamily="65" charset="-120"/>
               </a:rPr>
               <a:t> (.COE)</a:t>
+            </a:r>
+          </a:p>
+        </p:txBody>
+      </p:sp>
+      <p:pic>
+        <p:nvPicPr>
+          <p:cNvPr id="8" name="圖片 7">
+            <a:extLst>
+              <a:ext uri="{FF2B5EF4-FFF2-40B4-BE49-F238E27FC236}">
+                <a16:creationId xmlns:a16="http://schemas.microsoft.com/office/drawing/2014/main" id="{0CE1B584-442C-4682-8203-BB033110CACE}"/>
+              </a:ext>
+            </a:extLst>
+          </p:cNvPr>
+          <p:cNvPicPr>
+            <a:picLocks noChangeAspect="1"/>
+          </p:cNvPicPr>
+          <p:nvPr/>
+        </p:nvPicPr>
+        <p:blipFill>
+          <a:blip r:embed="rId3"/>
+          <a:stretch>
+            <a:fillRect/>
+          </a:stretch>
+        </p:blipFill>
+        <p:spPr>
+          <a:xfrm rot="5400000" flipH="1">
+            <a:off x="172653" y="1849651"/>
+            <a:ext cx="162090" cy="468581"/>
+          </a:xfrm>
+          <a:prstGeom prst="rect">
+            <a:avLst/>
+          </a:prstGeom>
+        </p:spPr>
+      </p:pic>
+      <p:sp>
+        <p:nvSpPr>
+          <p:cNvPr id="7" name="文字方塊 6">
+            <a:extLst>
+              <a:ext uri="{FF2B5EF4-FFF2-40B4-BE49-F238E27FC236}">
+                <a16:creationId xmlns:a16="http://schemas.microsoft.com/office/drawing/2014/main" id="{6414C650-64EC-4B6F-8D8A-23165979C40A}"/>
+              </a:ext>
+            </a:extLst>
+          </p:cNvPr>
+          <p:cNvSpPr txBox="1"/>
+          <p:nvPr/>
+        </p:nvSpPr>
+        <p:spPr>
+          <a:xfrm>
+            <a:off x="4328975" y="1587204"/>
+            <a:ext cx="6094520" cy="1323439"/>
+          </a:xfrm>
+          <a:prstGeom prst="rect">
+            <a:avLst/>
+          </a:prstGeom>
+          <a:noFill/>
+        </p:spPr>
+        <p:txBody>
+          <a:bodyPr wrap="square">
+            <a:spAutoFit/>
+          </a:bodyPr>
+          <a:lstStyle/>
+          <a:p>
+            <a:pPr marL="1200150" lvl="2" indent="-285750">
+              <a:buFont typeface="Arial" panose="020B0604020202020204" pitchFamily="34" charset="0"/>
+              <a:buChar char="•"/>
+            </a:pPr>
+            <a:r>
+              <a:rPr lang="en-US" altLang="zh-TW" sz="1600" dirty="0" err="1">
+                <a:latin typeface="Times New Roman" panose="02020603050405020304" pitchFamily="18" charset="0"/>
+                <a:ea typeface="標楷體" panose="03000509000000000000" pitchFamily="65" charset="-120"/>
+              </a:rPr>
+              <a:t>Harris_warpper</a:t>
+            </a:r>
+            <a:r>
+              <a:rPr lang="zh-TW" altLang="en-US" sz="1600" dirty="0">
+                <a:latin typeface="Times New Roman" panose="02020603050405020304" pitchFamily="18" charset="0"/>
+                <a:ea typeface="標楷體" panose="03000509000000000000" pitchFamily="65" charset="-120"/>
+              </a:rPr>
+              <a:t> </a:t>
+            </a:r>
+            <a:r>
+              <a:rPr lang="en-US" altLang="zh-TW" sz="1600" dirty="0">
+                <a:latin typeface="Times New Roman" panose="02020603050405020304" pitchFamily="18" charset="0"/>
+                <a:ea typeface="標楷體" panose="03000509000000000000" pitchFamily="65" charset="-120"/>
+              </a:rPr>
+              <a:t>(MATLAB)</a:t>
+            </a:r>
+          </a:p>
+          <a:p>
+            <a:pPr marL="1657350" lvl="3" indent="-285750">
+              <a:buFont typeface="Arial" panose="020B0604020202020204" pitchFamily="34" charset="0"/>
+              <a:buChar char="•"/>
+            </a:pPr>
+            <a:r>
+              <a:rPr lang="en-US" altLang="zh-TW" sz="1600" dirty="0">
+                <a:latin typeface="Times New Roman" panose="02020603050405020304" pitchFamily="18" charset="0"/>
+                <a:ea typeface="標楷體" panose="03000509000000000000" pitchFamily="65" charset="-120"/>
+              </a:rPr>
+              <a:t>line buffer</a:t>
+            </a:r>
+          </a:p>
+          <a:p>
+            <a:pPr marL="1657350" lvl="3" indent="-285750">
+              <a:buFont typeface="Arial" panose="020B0604020202020204" pitchFamily="34" charset="0"/>
+              <a:buChar char="•"/>
+            </a:pPr>
+            <a:r>
+              <a:rPr lang="en-US" altLang="zh-TW" sz="1600" dirty="0">
+                <a:latin typeface="Times New Roman" panose="02020603050405020304" pitchFamily="18" charset="0"/>
+                <a:ea typeface="標楷體" panose="03000509000000000000" pitchFamily="65" charset="-120"/>
+              </a:rPr>
+              <a:t>padding</a:t>
+            </a:r>
+          </a:p>
+          <a:p>
+            <a:pPr marL="1657350" lvl="3" indent="-285750">
+              <a:buFont typeface="Arial" panose="020B0604020202020204" pitchFamily="34" charset="0"/>
+              <a:buChar char="•"/>
+            </a:pPr>
+            <a:r>
+              <a:rPr lang="en-US" altLang="zh-TW" sz="1600" dirty="0" err="1">
+                <a:latin typeface="Times New Roman" panose="02020603050405020304" pitchFamily="18" charset="0"/>
+                <a:ea typeface="標楷體" panose="03000509000000000000" pitchFamily="65" charset="-120"/>
+              </a:rPr>
+              <a:t>Harris_corner</a:t>
+            </a:r>
+            <a:r>
+              <a:rPr lang="en-US" altLang="zh-TW" sz="1600" dirty="0">
+                <a:latin typeface="Times New Roman" panose="02020603050405020304" pitchFamily="18" charset="0"/>
+                <a:ea typeface="標楷體" panose="03000509000000000000" pitchFamily="65" charset="-120"/>
+              </a:rPr>
+              <a:t> algorithm</a:t>
+            </a:r>
+          </a:p>
+          <a:p>
+            <a:pPr marL="1200150" lvl="2" indent="-285750">
+              <a:buFont typeface="Arial" panose="020B0604020202020204" pitchFamily="34" charset="0"/>
+              <a:buChar char="•"/>
+            </a:pPr>
+            <a:r>
+              <a:rPr lang="en-US" altLang="zh-TW" sz="1600" dirty="0" err="1">
+                <a:latin typeface="Times New Roman" panose="02020603050405020304" pitchFamily="18" charset="0"/>
+                <a:ea typeface="標楷體" panose="03000509000000000000" pitchFamily="65" charset="-120"/>
+              </a:rPr>
+              <a:t>sync_to_porch</a:t>
+            </a:r>
+            <a:endParaRPr lang="en-US" altLang="zh-TW" sz="1600" dirty="0">
+              <a:latin typeface="Times New Roman" panose="02020603050405020304" pitchFamily="18" charset="0"/>
+              <a:ea typeface="標楷體" panose="03000509000000000000" pitchFamily="65" charset="-120"/>
+            </a:endParaRPr>
+          </a:p>
+        </p:txBody>
+      </p:sp>
+    </p:spTree>
+    <p:extLst>
+      <p:ext uri="{BB962C8B-B14F-4D97-AF65-F5344CB8AC3E}">
+        <p14:creationId xmlns:p14="http://schemas.microsoft.com/office/powerpoint/2010/main" val="1739964483"/>
+      </p:ext>
+    </p:extLst>
+  </p:cSld>
+  <p:clrMapOvr>
+    <a:masterClrMapping/>
+  </p:clrMapOvr>
+</p:sld>
+</file>
+
+<file path=ppt/slides/slide16.xml><?xml version="1.0" encoding="utf-8"?>
+<p:sld xmlns:a="http://schemas.openxmlformats.org/drawingml/2006/main" xmlns:r="http://schemas.openxmlformats.org/officeDocument/2006/relationships" xmlns:p="http://schemas.openxmlformats.org/presentationml/2006/main">
+  <p:cSld>
+    <p:spTree>
+      <p:nvGrpSpPr>
+        <p:cNvPr id="1" name=""/>
+        <p:cNvGrpSpPr/>
+        <p:nvPr/>
+      </p:nvGrpSpPr>
+      <p:grpSpPr>
+        <a:xfrm>
+          <a:off x="0" y="0"/>
+          <a:ext cx="0" cy="0"/>
+          <a:chOff x="0" y="0"/>
+          <a:chExt cx="0" cy="0"/>
+        </a:xfrm>
+      </p:grpSpPr>
+      <p:sp>
+        <p:nvSpPr>
+          <p:cNvPr id="3" name="標題 2"/>
+          <p:cNvSpPr>
+            <a:spLocks noGrp="1"/>
+          </p:cNvSpPr>
+          <p:nvPr>
+            <p:ph type="title"/>
+          </p:nvPr>
+        </p:nvSpPr>
+        <p:spPr>
+          <a:xfrm>
+            <a:off x="838200" y="329614"/>
+            <a:ext cx="10515600" cy="720000"/>
+          </a:xfrm>
+        </p:spPr>
+        <p:txBody>
+          <a:bodyPr>
+            <a:normAutofit/>
+          </a:bodyPr>
+          <a:lstStyle/>
+          <a:p>
+            <a:r>
+              <a:rPr lang="zh-TW" altLang="en-US" sz="4000" dirty="0"/>
+              <a:t>專案架構圖 </a:t>
+            </a:r>
+            <a:r>
+              <a:rPr lang="en-US" altLang="zh-TW" sz="4000" dirty="0"/>
+              <a:t>–</a:t>
+            </a:r>
+            <a:r>
+              <a:rPr lang="zh-TW" altLang="en-US" sz="4000" dirty="0"/>
+              <a:t> </a:t>
+            </a:r>
+            <a:r>
+              <a:rPr lang="zh-TW" altLang="en-US" sz="4000" dirty="0">
+                <a:latin typeface="標楷體" panose="03000509000000000000" pitchFamily="65" charset="-120"/>
+                <a:ea typeface="標楷體" panose="03000509000000000000" pitchFamily="65" charset="-120"/>
+              </a:rPr>
+              <a:t>方塊圖</a:t>
+            </a:r>
+            <a:r>
+              <a:rPr lang="en-US" altLang="zh-TW" sz="4000"/>
+              <a:t>(2023/6/22</a:t>
+            </a:r>
+            <a:r>
+              <a:rPr lang="zh-TW" altLang="en-US" sz="4000" dirty="0"/>
+              <a:t>更新</a:t>
+            </a:r>
+            <a:r>
+              <a:rPr lang="en-US" altLang="zh-TW" sz="4000" dirty="0"/>
+              <a:t>)</a:t>
+            </a:r>
+            <a:endParaRPr lang="zh-TW" altLang="en-US" sz="4000" dirty="0"/>
+          </a:p>
+        </p:txBody>
+      </p:sp>
+      <p:sp>
+        <p:nvSpPr>
+          <p:cNvPr id="4" name="文字方塊 3">
+            <a:extLst>
+              <a:ext uri="{FF2B5EF4-FFF2-40B4-BE49-F238E27FC236}">
+                <a16:creationId xmlns:a16="http://schemas.microsoft.com/office/drawing/2014/main" id="{3B666394-AEC8-471C-8F95-8308C72E30DF}"/>
+              </a:ext>
+            </a:extLst>
+          </p:cNvPr>
+          <p:cNvSpPr txBox="1"/>
+          <p:nvPr/>
+        </p:nvSpPr>
+        <p:spPr>
+          <a:xfrm>
+            <a:off x="1768505" y="1299111"/>
+            <a:ext cx="4488362" cy="1815882"/>
+          </a:xfrm>
+          <a:prstGeom prst="rect">
+            <a:avLst/>
+          </a:prstGeom>
+          <a:noFill/>
+        </p:spPr>
+        <p:txBody>
+          <a:bodyPr wrap="square" rtlCol="0">
+            <a:spAutoFit/>
+          </a:bodyPr>
+          <a:lstStyle/>
+          <a:p>
+            <a:pPr marL="742950" lvl="1" indent="-285750">
+              <a:buFont typeface="Arial" panose="020B0604020202020204" pitchFamily="34" charset="0"/>
+              <a:buChar char="•"/>
+            </a:pPr>
+            <a:r>
+              <a:rPr lang="en-US" altLang="zh-TW" sz="1600" dirty="0">
+                <a:latin typeface="Times New Roman" panose="02020603050405020304" pitchFamily="18" charset="0"/>
+                <a:ea typeface="標楷體" panose="03000509000000000000" pitchFamily="65" charset="-120"/>
+              </a:rPr>
+              <a:t>RTL</a:t>
+            </a:r>
+          </a:p>
+          <a:p>
+            <a:pPr marL="1200150" lvl="2" indent="-285750">
+              <a:buFont typeface="Arial" panose="020B0604020202020204" pitchFamily="34" charset="0"/>
+              <a:buChar char="•"/>
+            </a:pPr>
+            <a:r>
+              <a:rPr lang="en-US" altLang="zh-TW" sz="1600" dirty="0" err="1">
+                <a:latin typeface="Times New Roman" panose="02020603050405020304" pitchFamily="18" charset="0"/>
+                <a:ea typeface="標楷體" panose="03000509000000000000" pitchFamily="65" charset="-120"/>
+              </a:rPr>
+              <a:t>Harris_warpper</a:t>
+            </a:r>
+            <a:r>
+              <a:rPr lang="zh-TW" altLang="en-US" sz="1600" dirty="0">
+                <a:latin typeface="Times New Roman" panose="02020603050405020304" pitchFamily="18" charset="0"/>
+                <a:ea typeface="標楷體" panose="03000509000000000000" pitchFamily="65" charset="-120"/>
+              </a:rPr>
+              <a:t> </a:t>
+            </a:r>
+            <a:r>
+              <a:rPr lang="en-US" altLang="zh-TW" sz="1600" dirty="0">
+                <a:latin typeface="Times New Roman" panose="02020603050405020304" pitchFamily="18" charset="0"/>
+                <a:ea typeface="標楷體" panose="03000509000000000000" pitchFamily="65" charset="-120"/>
+              </a:rPr>
+              <a:t>(</a:t>
+            </a:r>
+            <a:r>
+              <a:rPr lang="zh-TW" altLang="en-US" sz="1600" dirty="0">
+                <a:latin typeface="Times New Roman" panose="02020603050405020304" pitchFamily="18" charset="0"/>
+                <a:ea typeface="標楷體" panose="03000509000000000000" pitchFamily="65" charset="-120"/>
+              </a:rPr>
+              <a:t>實驗室</a:t>
+            </a:r>
+            <a:r>
+              <a:rPr lang="en-US" altLang="zh-TW" sz="1600" dirty="0">
+                <a:latin typeface="Times New Roman" panose="02020603050405020304" pitchFamily="18" charset="0"/>
+                <a:ea typeface="標楷體" panose="03000509000000000000" pitchFamily="65" charset="-120"/>
+              </a:rPr>
+              <a:t>)</a:t>
+            </a:r>
+            <a:endParaRPr lang="en-US" altLang="zh-TW" sz="1600" dirty="0"/>
+          </a:p>
+          <a:p>
+            <a:pPr marL="1657350" lvl="3" indent="-285750">
+              <a:buFont typeface="Arial" panose="020B0604020202020204" pitchFamily="34" charset="0"/>
+              <a:buChar char="•"/>
+            </a:pPr>
+            <a:r>
+              <a:rPr lang="en-US" altLang="zh-TW" sz="1600" dirty="0">
+                <a:latin typeface="Times New Roman" panose="02020603050405020304" pitchFamily="18" charset="0"/>
+                <a:ea typeface="標楷體" panose="03000509000000000000" pitchFamily="65" charset="-120"/>
+              </a:rPr>
+              <a:t>RGB2Bin</a:t>
+            </a:r>
+          </a:p>
+          <a:p>
+            <a:pPr marL="1657350" lvl="3" indent="-285750">
+              <a:buFont typeface="Arial" panose="020B0604020202020204" pitchFamily="34" charset="0"/>
+              <a:buChar char="•"/>
+            </a:pPr>
+            <a:r>
+              <a:rPr lang="en-US" altLang="zh-TW" sz="1600" dirty="0" err="1">
+                <a:latin typeface="Times New Roman" panose="02020603050405020304" pitchFamily="18" charset="0"/>
+                <a:ea typeface="標楷體" panose="03000509000000000000" pitchFamily="65" charset="-120"/>
+              </a:rPr>
+              <a:t>Corner_Detector</a:t>
+            </a:r>
+            <a:endParaRPr lang="en-US" altLang="zh-TW" sz="1600" dirty="0">
+              <a:latin typeface="Times New Roman" panose="02020603050405020304" pitchFamily="18" charset="0"/>
+              <a:ea typeface="標楷體" panose="03000509000000000000" pitchFamily="65" charset="-120"/>
+            </a:endParaRPr>
+          </a:p>
+          <a:p>
+            <a:pPr marL="1657350" lvl="3" indent="-285750">
+              <a:buFont typeface="Arial" panose="020B0604020202020204" pitchFamily="34" charset="0"/>
+              <a:buChar char="•"/>
+            </a:pPr>
+            <a:r>
+              <a:rPr lang="en-US" altLang="zh-TW" sz="1600" dirty="0" err="1">
+                <a:latin typeface="Times New Roman" panose="02020603050405020304" pitchFamily="18" charset="0"/>
+                <a:ea typeface="標楷體" panose="03000509000000000000" pitchFamily="65" charset="-120"/>
+              </a:rPr>
+              <a:t>Convert_Levels</a:t>
+            </a:r>
+            <a:endParaRPr lang="en-US" altLang="zh-TW" sz="1600" dirty="0">
+              <a:latin typeface="Times New Roman" panose="02020603050405020304" pitchFamily="18" charset="0"/>
+              <a:ea typeface="標楷體" panose="03000509000000000000" pitchFamily="65" charset="-120"/>
+            </a:endParaRPr>
+          </a:p>
+          <a:p>
+            <a:pPr marL="1657350" lvl="3" indent="-285750">
+              <a:buFont typeface="Arial" panose="020B0604020202020204" pitchFamily="34" charset="0"/>
+              <a:buChar char="•"/>
+            </a:pPr>
+            <a:r>
+              <a:rPr lang="en-US" altLang="zh-TW" sz="1600" dirty="0" err="1">
+                <a:latin typeface="Times New Roman" panose="02020603050405020304" pitchFamily="18" charset="0"/>
+                <a:ea typeface="標楷體" panose="03000509000000000000" pitchFamily="65" charset="-120"/>
+              </a:rPr>
+              <a:t>Pixel_Stream_Aligner</a:t>
+            </a:r>
+            <a:endParaRPr lang="en-US" altLang="zh-TW" sz="1600" dirty="0">
+              <a:latin typeface="Times New Roman" panose="02020603050405020304" pitchFamily="18" charset="0"/>
+              <a:ea typeface="標楷體" panose="03000509000000000000" pitchFamily="65" charset="-120"/>
+            </a:endParaRPr>
+          </a:p>
+          <a:p>
+            <a:pPr marL="1657350" lvl="3" indent="-285750">
+              <a:buFont typeface="Arial" panose="020B0604020202020204" pitchFamily="34" charset="0"/>
+              <a:buChar char="•"/>
+            </a:pPr>
+            <a:r>
+              <a:rPr lang="en-US" altLang="zh-TW" sz="1600" dirty="0">
+                <a:latin typeface="Times New Roman" panose="02020603050405020304" pitchFamily="18" charset="0"/>
+                <a:ea typeface="標楷體" panose="03000509000000000000" pitchFamily="65" charset="-120"/>
+              </a:rPr>
+              <a:t>Overlay</a:t>
             </a:r>
           </a:p>
         </p:txBody>
@@ -8589,142 +9057,10 @@
           </a:prstGeom>
         </p:spPr>
       </p:pic>
-      <p:sp>
-        <p:nvSpPr>
-          <p:cNvPr id="7" name="文字方塊 6">
-            <a:extLst>
-              <a:ext uri="{FF2B5EF4-FFF2-40B4-BE49-F238E27FC236}">
-                <a16:creationId xmlns:a16="http://schemas.microsoft.com/office/drawing/2014/main" id="{6414C650-64EC-4B6F-8D8A-23165979C40A}"/>
-              </a:ext>
-            </a:extLst>
-          </p:cNvPr>
-          <p:cNvSpPr txBox="1"/>
-          <p:nvPr/>
-        </p:nvSpPr>
-        <p:spPr>
-          <a:xfrm>
-            <a:off x="4328975" y="1642385"/>
-            <a:ext cx="6094520" cy="1323439"/>
-          </a:xfrm>
-          <a:prstGeom prst="rect">
-            <a:avLst/>
-          </a:prstGeom>
-          <a:noFill/>
-        </p:spPr>
-        <p:txBody>
-          <a:bodyPr wrap="square">
-            <a:spAutoFit/>
-          </a:bodyPr>
-          <a:lstStyle/>
-          <a:p>
-            <a:pPr marL="1200150" lvl="2" indent="-285750">
-              <a:buFont typeface="Arial" panose="020B0604020202020204" pitchFamily="34" charset="0"/>
-              <a:buChar char="•"/>
-            </a:pPr>
-            <a:r>
-              <a:rPr lang="en-US" altLang="zh-TW" sz="1600" dirty="0" err="1">
-                <a:latin typeface="Times New Roman" panose="02020603050405020304" pitchFamily="18" charset="0"/>
-                <a:ea typeface="標楷體" panose="03000509000000000000" pitchFamily="65" charset="-120"/>
-              </a:rPr>
-              <a:t>Harris_warpper</a:t>
-            </a:r>
-            <a:endParaRPr lang="en-US" altLang="zh-TW" sz="1600" dirty="0">
-              <a:latin typeface="Times New Roman" panose="02020603050405020304" pitchFamily="18" charset="0"/>
-              <a:ea typeface="標楷體" panose="03000509000000000000" pitchFamily="65" charset="-120"/>
-            </a:endParaRPr>
-          </a:p>
-          <a:p>
-            <a:pPr marL="1657350" lvl="3" indent="-285750">
-              <a:buFont typeface="Arial" panose="020B0604020202020204" pitchFamily="34" charset="0"/>
-              <a:buChar char="•"/>
-            </a:pPr>
-            <a:r>
-              <a:rPr lang="en-US" altLang="zh-TW" sz="1600" dirty="0">
-                <a:latin typeface="Times New Roman" panose="02020603050405020304" pitchFamily="18" charset="0"/>
-                <a:ea typeface="標楷體" panose="03000509000000000000" pitchFamily="65" charset="-120"/>
-              </a:rPr>
-              <a:t>line buffer</a:t>
-            </a:r>
-          </a:p>
-          <a:p>
-            <a:pPr marL="1657350" lvl="3" indent="-285750">
-              <a:buFont typeface="Arial" panose="020B0604020202020204" pitchFamily="34" charset="0"/>
-              <a:buChar char="•"/>
-            </a:pPr>
-            <a:r>
-              <a:rPr lang="en-US" altLang="zh-TW" sz="1600" dirty="0">
-                <a:latin typeface="Times New Roman" panose="02020603050405020304" pitchFamily="18" charset="0"/>
-                <a:ea typeface="標楷體" panose="03000509000000000000" pitchFamily="65" charset="-120"/>
-              </a:rPr>
-              <a:t>padding</a:t>
-            </a:r>
-          </a:p>
-          <a:p>
-            <a:pPr marL="1657350" lvl="3" indent="-285750">
-              <a:buFont typeface="Arial" panose="020B0604020202020204" pitchFamily="34" charset="0"/>
-              <a:buChar char="•"/>
-            </a:pPr>
-            <a:r>
-              <a:rPr lang="en-US" altLang="zh-TW" sz="1600" dirty="0">
-                <a:latin typeface="Times New Roman" panose="02020603050405020304" pitchFamily="18" charset="0"/>
-                <a:ea typeface="標楷體" panose="03000509000000000000" pitchFamily="65" charset="-120"/>
-              </a:rPr>
-              <a:t>corner algorithm</a:t>
-            </a:r>
-          </a:p>
-          <a:p>
-            <a:pPr marL="1200150" lvl="2" indent="-285750">
-              <a:buFont typeface="Arial" panose="020B0604020202020204" pitchFamily="34" charset="0"/>
-              <a:buChar char="•"/>
-            </a:pPr>
-            <a:r>
-              <a:rPr lang="en-US" altLang="zh-TW" sz="1600" dirty="0" err="1">
-                <a:latin typeface="Times New Roman" panose="02020603050405020304" pitchFamily="18" charset="0"/>
-                <a:ea typeface="標楷體" panose="03000509000000000000" pitchFamily="65" charset="-120"/>
-              </a:rPr>
-              <a:t>sync_to_porch</a:t>
-            </a:r>
-            <a:endParaRPr lang="en-US" altLang="zh-TW" sz="1600" dirty="0">
-              <a:latin typeface="Times New Roman" panose="02020603050405020304" pitchFamily="18" charset="0"/>
-              <a:ea typeface="標楷體" panose="03000509000000000000" pitchFamily="65" charset="-120"/>
-            </a:endParaRPr>
-          </a:p>
-        </p:txBody>
-      </p:sp>
-      <p:pic>
-        <p:nvPicPr>
-          <p:cNvPr id="9" name="圖片 8">
-            <a:extLst>
-              <a:ext uri="{FF2B5EF4-FFF2-40B4-BE49-F238E27FC236}">
-                <a16:creationId xmlns:a16="http://schemas.microsoft.com/office/drawing/2014/main" id="{9FC06AFF-575B-47E6-B91B-4800B957A8F9}"/>
-              </a:ext>
-            </a:extLst>
-          </p:cNvPr>
-          <p:cNvPicPr>
-            <a:picLocks noChangeAspect="1"/>
-          </p:cNvPicPr>
-          <p:nvPr/>
-        </p:nvPicPr>
-        <p:blipFill>
-          <a:blip r:embed="rId3"/>
-          <a:stretch>
-            <a:fillRect/>
-          </a:stretch>
-        </p:blipFill>
-        <p:spPr>
-          <a:xfrm>
-            <a:off x="260050" y="2915960"/>
-            <a:ext cx="11671900" cy="2444876"/>
-          </a:xfrm>
-          <a:prstGeom prst="rect">
-            <a:avLst/>
-          </a:prstGeom>
-        </p:spPr>
-      </p:pic>
     </p:spTree>
     <p:extLst>
       <p:ext uri="{BB962C8B-B14F-4D97-AF65-F5344CB8AC3E}">
-        <p14:creationId xmlns:p14="http://schemas.microsoft.com/office/powerpoint/2010/main" val="1739964483"/>
+        <p14:creationId xmlns:p14="http://schemas.microsoft.com/office/powerpoint/2010/main" val="2654919991"/>
       </p:ext>
     </p:extLst>
   </p:cSld>
@@ -8734,7 +9070,7 @@
 </p:sld>
 </file>
 
-<file path=ppt/slides/slide16.xml><?xml version="1.0" encoding="utf-8"?>
+<file path=ppt/slides/slide17.xml><?xml version="1.0" encoding="utf-8"?>
 <p:sld xmlns:a="http://schemas.openxmlformats.org/drawingml/2006/main" xmlns:r="http://schemas.openxmlformats.org/officeDocument/2006/relationships" xmlns:p="http://schemas.openxmlformats.org/presentationml/2006/main">
   <p:cSld>
     <p:spTree>
@@ -8767,8 +9103,8 @@
         </p:nvSpPr>
         <p:spPr>
           <a:xfrm>
-            <a:off x="3081131" y="1728030"/>
-            <a:ext cx="9110869" cy="4342569"/>
+            <a:off x="3081130" y="1728030"/>
+            <a:ext cx="11821644" cy="4342569"/>
           </a:xfrm>
           <a:prstGeom prst="rect">
             <a:avLst/>
@@ -8945,7 +9281,7 @@
           <a:p>
             <a:pPr marL="285750" lvl="1" indent="-285750"/>
             <a:r>
-              <a:rPr lang="en-US" altLang="zh-TW" sz="1800" b="1">
+              <a:rPr lang="en-US" altLang="zh-TW" sz="1800" b="1" dirty="0">
                 <a:solidFill>
                   <a:schemeClr val="accent6">
                     <a:lumMod val="75000"/>
@@ -8958,17 +9294,6 @@
               <a:t>2023</a:t>
             </a:r>
             <a:r>
-              <a:rPr lang="en-US" altLang="zh-TW" sz="1800" b="1">
-                <a:solidFill>
-                  <a:schemeClr val="accent6">
-                    <a:lumMod val="75000"/>
-                  </a:schemeClr>
-                </a:solidFill>
-                <a:latin typeface="標楷體" panose="03000509000000000000" pitchFamily="65" charset="-120"/>
-              </a:rPr>
-              <a:t>/6/21~6/28</a:t>
-            </a:r>
-            <a:r>
               <a:rPr lang="en-US" altLang="zh-TW" sz="1800" b="1" dirty="0">
                 <a:solidFill>
                   <a:schemeClr val="accent6">
@@ -8976,6 +9301,17 @@
                   </a:schemeClr>
                 </a:solidFill>
                 <a:latin typeface="標楷體" panose="03000509000000000000" pitchFamily="65" charset="-120"/>
+              </a:rPr>
+              <a:t>/6/28~7/5</a:t>
+            </a:r>
+            <a:r>
+              <a:rPr lang="en-US" altLang="zh-TW" sz="1800" b="1" dirty="0">
+                <a:solidFill>
+                  <a:schemeClr val="accent6">
+                    <a:lumMod val="75000"/>
+                  </a:schemeClr>
+                </a:solidFill>
+                <a:latin typeface="標楷體" panose="03000509000000000000" pitchFamily="65" charset="-120"/>
                 <a:ea typeface="標楷體" panose="03000509000000000000" pitchFamily="65" charset="-120"/>
               </a:rPr>
               <a:t>:</a:t>
@@ -8983,78 +9319,175 @@
             <a:endParaRPr lang="en-US" altLang="zh-TW" sz="1800" dirty="0"/>
           </a:p>
           <a:p>
-            <a:pPr marL="285750" lvl="1" indent="-285750"/>
-            <a:r>
-              <a:rPr lang="zh-TW" altLang="en-US" sz="1800" dirty="0"/>
-              <a:t>單元測試</a:t>
-            </a:r>
-            <a:r>
-              <a:rPr lang="en-US" altLang="zh-TW" sz="1800" dirty="0"/>
-              <a:t>: </a:t>
-            </a:r>
-            <a:r>
-              <a:rPr lang="en-US" altLang="zh-TW" sz="1800" dirty="0" err="1"/>
-              <a:t>line_buffer_block</a:t>
-            </a:r>
-            <a:endParaRPr lang="en-US" altLang="zh-TW" sz="1800" dirty="0"/>
-          </a:p>
-          <a:p>
-            <a:pPr marL="742950" lvl="2" indent="-285750"/>
-            <a:r>
-              <a:rPr lang="en-US" altLang="zh-TW" sz="1800" dirty="0"/>
-              <a:t>line buffer</a:t>
-            </a:r>
-          </a:p>
-          <a:p>
-            <a:pPr marL="742950" lvl="2" indent="-285750"/>
-            <a:r>
-              <a:rPr lang="en-US" altLang="zh-TW" sz="1800" dirty="0"/>
-              <a:t>padding</a:t>
-            </a:r>
-          </a:p>
-          <a:p>
-            <a:pPr marL="0" lvl="1" indent="0">
-              <a:buNone/>
+            <a:pPr fontAlgn="base">
+              <a:spcBef>
+                <a:spcPts val="300"/>
+              </a:spcBef>
+              <a:buFont typeface="Arial" panose="020B0604020202020204" pitchFamily="34" charset="0"/>
+              <a:buChar char="•"/>
             </a:pPr>
-            <a:endParaRPr lang="en-US" altLang="zh-TW" sz="1800" dirty="0"/>
-          </a:p>
-          <a:p>
-            <a:pPr marL="285750" lvl="1" indent="-285750"/>
-            <a:r>
-              <a:rPr lang="en-US" altLang="zh-TW" sz="1800" dirty="0"/>
-              <a:t>filter + Harris</a:t>
+            <a:r>
+              <a:rPr lang="zh-TW" altLang="en-US" sz="1800" dirty="0">
+                <a:latin typeface="Times New Roman" panose="02020603050405020304" pitchFamily="18" charset="0"/>
+                <a:ea typeface="標楷體" panose="03000509000000000000" pitchFamily="65" charset="-120"/>
+                <a:cs typeface="Times New Roman" panose="02020603050405020304" pitchFamily="18" charset="0"/>
+              </a:rPr>
+              <a:t>使用實驗室的</a:t>
+            </a:r>
+            <a:r>
+              <a:rPr lang="en-US" altLang="zh-TW" sz="1800" dirty="0">
+                <a:latin typeface="Times New Roman" panose="02020603050405020304" pitchFamily="18" charset="0"/>
+                <a:ea typeface="標楷體" panose="03000509000000000000" pitchFamily="65" charset="-120"/>
+                <a:cs typeface="Times New Roman" panose="02020603050405020304" pitchFamily="18" charset="0"/>
+              </a:rPr>
+              <a:t>Harris IP</a:t>
+            </a:r>
+          </a:p>
+          <a:p>
+            <a:pPr lvl="1" fontAlgn="base"/>
+            <a:r>
+              <a:rPr lang="en-US" altLang="zh-TW" sz="1800" dirty="0" err="1">
+                <a:latin typeface="Times New Roman" panose="02020603050405020304" pitchFamily="18" charset="0"/>
+                <a:ea typeface="標楷體" panose="03000509000000000000" pitchFamily="65" charset="-120"/>
+                <a:cs typeface="Times New Roman" panose="02020603050405020304" pitchFamily="18" charset="0"/>
+              </a:rPr>
+              <a:t>HDL_Corner_Algorithm</a:t>
+            </a:r>
+            <a:r>
+              <a:rPr lang="en-US" altLang="zh-TW" sz="1800" dirty="0">
+                <a:latin typeface="Times New Roman" panose="02020603050405020304" pitchFamily="18" charset="0"/>
+                <a:ea typeface="標楷體" panose="03000509000000000000" pitchFamily="65" charset="-120"/>
+                <a:cs typeface="Times New Roman" panose="02020603050405020304" pitchFamily="18" charset="0"/>
+              </a:rPr>
+              <a:t> </a:t>
+            </a:r>
+            <a:r>
+              <a:rPr lang="zh-TW" altLang="en-US" sz="1800" dirty="0">
+                <a:latin typeface="Times New Roman" panose="02020603050405020304" pitchFamily="18" charset="0"/>
+                <a:ea typeface="標楷體" panose="03000509000000000000" pitchFamily="65" charset="-120"/>
+                <a:cs typeface="Times New Roman" panose="02020603050405020304" pitchFamily="18" charset="0"/>
+              </a:rPr>
+              <a:t>波型模擬</a:t>
+            </a:r>
+            <a:endParaRPr lang="en-US" altLang="zh-TW" sz="1800" dirty="0">
+              <a:latin typeface="Times New Roman" panose="02020603050405020304" pitchFamily="18" charset="0"/>
+              <a:ea typeface="標楷體" panose="03000509000000000000" pitchFamily="65" charset="-120"/>
+              <a:cs typeface="Times New Roman" panose="02020603050405020304" pitchFamily="18" charset="0"/>
+            </a:endParaRPr>
+          </a:p>
+          <a:p>
+            <a:pPr lvl="1" fontAlgn="base"/>
+            <a:r>
+              <a:rPr lang="en-US" altLang="zh-TW" sz="1800" dirty="0">
+                <a:latin typeface="Times New Roman" panose="02020603050405020304" pitchFamily="18" charset="0"/>
+                <a:ea typeface="標楷體" panose="03000509000000000000" pitchFamily="65" charset="-120"/>
+                <a:cs typeface="Times New Roman" panose="02020603050405020304" pitchFamily="18" charset="0"/>
+              </a:rPr>
+              <a:t>BRAM(640x480) + </a:t>
+            </a:r>
+            <a:r>
+              <a:rPr lang="en-US" altLang="zh-TW" sz="1800" dirty="0" err="1">
+                <a:latin typeface="Times New Roman" panose="02020603050405020304" pitchFamily="18" charset="0"/>
+                <a:ea typeface="標楷體" panose="03000509000000000000" pitchFamily="65" charset="-120"/>
+                <a:cs typeface="Times New Roman" panose="02020603050405020304" pitchFamily="18" charset="0"/>
+              </a:rPr>
+              <a:t>HDL_Corner_Algorithm</a:t>
+            </a:r>
+            <a:r>
+              <a:rPr lang="zh-TW" altLang="en-US" sz="1800" dirty="0">
+                <a:latin typeface="Times New Roman" panose="02020603050405020304" pitchFamily="18" charset="0"/>
+                <a:ea typeface="標楷體" panose="03000509000000000000" pitchFamily="65" charset="-120"/>
+                <a:cs typeface="Times New Roman" panose="02020603050405020304" pitchFamily="18" charset="0"/>
+              </a:rPr>
+              <a:t> 波形</a:t>
+            </a:r>
+            <a:endParaRPr lang="en-US" altLang="zh-TW" sz="1800" dirty="0">
+              <a:latin typeface="Times New Roman" panose="02020603050405020304" pitchFamily="18" charset="0"/>
+              <a:ea typeface="標楷體" panose="03000509000000000000" pitchFamily="65" charset="-120"/>
+              <a:cs typeface="Times New Roman" panose="02020603050405020304" pitchFamily="18" charset="0"/>
+            </a:endParaRPr>
+          </a:p>
+          <a:p>
+            <a:pPr lvl="1" fontAlgn="base"/>
+            <a:r>
+              <a:rPr lang="zh-TW" altLang="en-US" sz="1800" dirty="0">
+                <a:latin typeface="Times New Roman" panose="02020603050405020304" pitchFamily="18" charset="0"/>
+                <a:ea typeface="標楷體" panose="03000509000000000000" pitchFamily="65" charset="-120"/>
+                <a:cs typeface="Times New Roman" panose="02020603050405020304" pitchFamily="18" charset="0"/>
+              </a:rPr>
+              <a:t>加上手繪矩形，以</a:t>
+            </a:r>
+            <a:r>
+              <a:rPr lang="en-US" altLang="zh-TW" sz="1800" dirty="0" err="1">
+                <a:latin typeface="Times New Roman" panose="02020603050405020304" pitchFamily="18" charset="0"/>
+                <a:ea typeface="標楷體" panose="03000509000000000000" pitchFamily="65" charset="-120"/>
+                <a:cs typeface="Times New Roman" panose="02020603050405020304" pitchFamily="18" charset="0"/>
+              </a:rPr>
+              <a:t>SW_img</a:t>
+            </a:r>
+            <a:r>
+              <a:rPr lang="zh-TW" altLang="en-US" sz="1800" dirty="0">
+                <a:latin typeface="Times New Roman" panose="02020603050405020304" pitchFamily="18" charset="0"/>
+                <a:ea typeface="標楷體" panose="03000509000000000000" pitchFamily="65" charset="-120"/>
+                <a:cs typeface="Times New Roman" panose="02020603050405020304" pitchFamily="18" charset="0"/>
+              </a:rPr>
+              <a:t>切換圖案、矩形</a:t>
+            </a:r>
+          </a:p>
+          <a:p>
+            <a:pPr lvl="1" fontAlgn="base"/>
+            <a:r>
+              <a:rPr lang="en-US" altLang="zh-TW" sz="1800" dirty="0" err="1">
+                <a:cs typeface="Times New Roman" panose="02020603050405020304" pitchFamily="18" charset="0"/>
+              </a:rPr>
+              <a:t>Harris_warpper</a:t>
+            </a:r>
+            <a:r>
+              <a:rPr lang="en-US" altLang="zh-TW" sz="1800" dirty="0">
+                <a:cs typeface="Times New Roman" panose="02020603050405020304" pitchFamily="18" charset="0"/>
+              </a:rPr>
+              <a:t> + </a:t>
+            </a:r>
+            <a:r>
+              <a:rPr lang="en-US" altLang="zh-TW" sz="1800" dirty="0" err="1">
+                <a:cs typeface="Times New Roman" panose="02020603050405020304" pitchFamily="18" charset="0"/>
+              </a:rPr>
+              <a:t>VGA_out</a:t>
+            </a:r>
+            <a:r>
+              <a:rPr lang="en-US" altLang="zh-TW" sz="1800" dirty="0">
+                <a:cs typeface="Times New Roman" panose="02020603050405020304" pitchFamily="18" charset="0"/>
+              </a:rPr>
+              <a:t> </a:t>
             </a:r>
             <a:r>
               <a:rPr lang="zh-TW" altLang="en-US" sz="1800" dirty="0">
                 <a:latin typeface="標楷體" panose="03000509000000000000" pitchFamily="65" charset="-120"/>
-              </a:rPr>
-              <a:t>燒錄驗證功能</a:t>
-            </a:r>
-            <a:endParaRPr lang="en-US" altLang="zh-TW" sz="1800" dirty="0"/>
-          </a:p>
-          <a:p>
-            <a:pPr marL="285750" lvl="1" indent="-285750"/>
-            <a:r>
-              <a:rPr lang="en-US" altLang="zh-TW" sz="1800" dirty="0" err="1">
-                <a:cs typeface="Times New Roman" panose="02020603050405020304" pitchFamily="18" charset="0"/>
-              </a:rPr>
-              <a:t>Harris_warpper</a:t>
+                <a:ea typeface="標楷體" panose="03000509000000000000" pitchFamily="65" charset="-120"/>
+              </a:rPr>
+              <a:t>燒錄，以</a:t>
             </a:r>
             <a:r>
               <a:rPr lang="en-US" altLang="zh-TW" sz="1800" dirty="0">
                 <a:cs typeface="Times New Roman" panose="02020603050405020304" pitchFamily="18" charset="0"/>
               </a:rPr>
-              <a:t> + </a:t>
-            </a:r>
-            <a:r>
-              <a:rPr lang="en-US" altLang="zh-TW" sz="1800" dirty="0" err="1">
-                <a:cs typeface="Times New Roman" panose="02020603050405020304" pitchFamily="18" charset="0"/>
-              </a:rPr>
-              <a:t>VGA_out</a:t>
+              <a:t>VGA</a:t>
+            </a:r>
+            <a:r>
+              <a:rPr lang="zh-TW" altLang="en-US" sz="1800" dirty="0">
+                <a:latin typeface="標楷體" panose="03000509000000000000" pitchFamily="65" charset="-120"/>
+                <a:ea typeface="標楷體" panose="03000509000000000000" pitchFamily="65" charset="-120"/>
+              </a:rPr>
+              <a:t>畫面驗證</a:t>
             </a:r>
             <a:endParaRPr lang="en-US" altLang="zh-TW" sz="1800" dirty="0">
+              <a:ea typeface="標楷體" panose="03000509000000000000" pitchFamily="65" charset="-120"/>
               <a:cs typeface="Times New Roman" panose="02020603050405020304" pitchFamily="18" charset="0"/>
             </a:endParaRPr>
+          </a:p>
+          <a:p>
+            <a:pPr marL="285750" lvl="1" indent="-285750"/>
+            <a:endParaRPr lang="en-US" altLang="zh-TW" sz="1800" dirty="0"/>
           </a:p>
           <a:p>
             <a:pPr marL="285750" lvl="1" indent="-285750"/>
@@ -9131,7 +9564,7 @@
 </p:sld>
 </file>
 
-<file path=ppt/slides/slide17.xml><?xml version="1.0" encoding="utf-8"?>
+<file path=ppt/slides/slide18.xml><?xml version="1.0" encoding="utf-8"?>
 <p:sld xmlns:a="http://schemas.openxmlformats.org/drawingml/2006/main" xmlns:r="http://schemas.openxmlformats.org/officeDocument/2006/relationships" xmlns:p="http://schemas.openxmlformats.org/presentationml/2006/main">
   <p:cSld>
     <p:spTree>
@@ -9150,6 +9583,846 @@
       </p:grpSpPr>
       <p:sp>
         <p:nvSpPr>
+          <p:cNvPr id="2" name="標題 2">
+            <a:extLst>
+              <a:ext uri="{FF2B5EF4-FFF2-40B4-BE49-F238E27FC236}">
+                <a16:creationId xmlns:a16="http://schemas.microsoft.com/office/drawing/2014/main" id="{D83F534B-C865-43D4-8E4B-B5AF82C94365}"/>
+              </a:ext>
+            </a:extLst>
+          </p:cNvPr>
+          <p:cNvSpPr>
+            <a:spLocks noGrp="1"/>
+          </p:cNvSpPr>
+          <p:nvPr>
+            <p:ph type="title"/>
+          </p:nvPr>
+        </p:nvSpPr>
+        <p:spPr>
+          <a:xfrm>
+            <a:off x="838200" y="365125"/>
+            <a:ext cx="10515600" cy="720000"/>
+          </a:xfrm>
+        </p:spPr>
+        <p:txBody>
+          <a:bodyPr>
+            <a:noAutofit/>
+          </a:bodyPr>
+          <a:lstStyle/>
+          <a:p>
+            <a:r>
+              <a:rPr lang="zh-TW" altLang="en-US" sz="3200" dirty="0"/>
+              <a:t>成果展示 </a:t>
+            </a:r>
+            <a:r>
+              <a:rPr lang="en-US" altLang="zh-TW" sz="3200" dirty="0"/>
+              <a:t>–</a:t>
+            </a:r>
+            <a:r>
+              <a:rPr lang="zh-TW" altLang="en-US" sz="3200" dirty="0">
+                <a:latin typeface="標楷體" panose="03000509000000000000" pitchFamily="65" charset="-120"/>
+              </a:rPr>
+              <a:t>以圖形輸入波形模擬</a:t>
+            </a:r>
+            <a:endParaRPr lang="zh-TW" altLang="en-US" sz="3200" dirty="0"/>
+          </a:p>
+        </p:txBody>
+      </p:sp>
+      <p:sp>
+        <p:nvSpPr>
+          <p:cNvPr id="3" name="文字方塊 2">
+            <a:extLst>
+              <a:ext uri="{FF2B5EF4-FFF2-40B4-BE49-F238E27FC236}">
+                <a16:creationId xmlns:a16="http://schemas.microsoft.com/office/drawing/2014/main" id="{6043862E-4499-44A8-B0D0-FD672965D609}"/>
+              </a:ext>
+            </a:extLst>
+          </p:cNvPr>
+          <p:cNvSpPr txBox="1"/>
+          <p:nvPr/>
+        </p:nvSpPr>
+        <p:spPr>
+          <a:xfrm>
+            <a:off x="1463152" y="1152036"/>
+            <a:ext cx="9089024" cy="923330"/>
+          </a:xfrm>
+          <a:prstGeom prst="rect">
+            <a:avLst/>
+          </a:prstGeom>
+          <a:noFill/>
+        </p:spPr>
+        <p:txBody>
+          <a:bodyPr wrap="square">
+            <a:spAutoFit/>
+          </a:bodyPr>
+          <a:lstStyle/>
+          <a:p>
+            <a:pPr marL="285750" indent="-285750">
+              <a:buFont typeface="Arial" panose="020B0604020202020204" pitchFamily="34" charset="0"/>
+              <a:buChar char="•"/>
+            </a:pPr>
+            <a:r>
+              <a:rPr lang="zh-TW" altLang="en-US" dirty="0">
+                <a:latin typeface="標楷體" panose="03000509000000000000" pitchFamily="65" charset="-120"/>
+                <a:ea typeface="標楷體" panose="03000509000000000000" pitchFamily="65" charset="-120"/>
+              </a:rPr>
+              <a:t>將圖型波形以 </a:t>
+            </a:r>
+            <a:r>
+              <a:rPr lang="en-US" altLang="zh-TW" dirty="0">
+                <a:latin typeface="Times New Roman" panose="02020603050405020304" pitchFamily="18" charset="0"/>
+                <a:ea typeface="Tahoma" panose="020B0604030504040204" pitchFamily="34" charset="0"/>
+              </a:rPr>
+              <a:t>use </a:t>
+            </a:r>
+            <a:r>
+              <a:rPr lang="en-US" altLang="zh-TW" dirty="0" err="1">
+                <a:latin typeface="Times New Roman" panose="02020603050405020304" pitchFamily="18" charset="0"/>
+                <a:ea typeface="Tahoma" panose="020B0604030504040204" pitchFamily="34" charset="0"/>
+              </a:rPr>
+              <a:t>STD.textio.ALL</a:t>
+            </a:r>
+            <a:r>
+              <a:rPr lang="zh-TW" altLang="en-US" dirty="0">
+                <a:latin typeface="標楷體" panose="03000509000000000000" pitchFamily="65" charset="-120"/>
+                <a:ea typeface="標楷體" panose="03000509000000000000" pitchFamily="65" charset="-120"/>
+              </a:rPr>
+              <a:t>程式庫裡的函式，將波形訊號撰寫至指定文件檔</a:t>
+            </a:r>
+            <a:r>
+              <a:rPr lang="en-US" altLang="zh-TW" dirty="0">
+                <a:latin typeface="標楷體" panose="03000509000000000000" pitchFamily="65" charset="-120"/>
+                <a:ea typeface="標楷體" panose="03000509000000000000" pitchFamily="65" charset="-120"/>
+              </a:rPr>
+              <a:t>(</a:t>
+            </a:r>
+            <a:r>
+              <a:rPr lang="en-US" altLang="zh-TW" dirty="0">
+                <a:latin typeface="Times New Roman" panose="02020603050405020304" pitchFamily="18" charset="0"/>
+                <a:ea typeface="標楷體" panose="03000509000000000000" pitchFamily="65" charset="-120"/>
+                <a:cs typeface="Times New Roman" panose="02020603050405020304" pitchFamily="18" charset="0"/>
+              </a:rPr>
+              <a:t>txt</a:t>
+            </a:r>
+            <a:r>
+              <a:rPr lang="en-US" altLang="zh-TW" dirty="0">
+                <a:latin typeface="標楷體" panose="03000509000000000000" pitchFamily="65" charset="-120"/>
+                <a:ea typeface="標楷體" panose="03000509000000000000" pitchFamily="65" charset="-120"/>
+              </a:rPr>
+              <a:t>)</a:t>
+            </a:r>
+          </a:p>
+          <a:p>
+            <a:pPr marL="742950" lvl="1" indent="-285750">
+              <a:buFont typeface="Arial" panose="020B0604020202020204" pitchFamily="34" charset="0"/>
+              <a:buChar char="•"/>
+            </a:pPr>
+            <a:r>
+              <a:rPr lang="zh-TW" altLang="en-US" dirty="0">
+                <a:latin typeface="標楷體" panose="03000509000000000000" pitchFamily="65" charset="-120"/>
+                <a:ea typeface="標楷體" panose="03000509000000000000" pitchFamily="65" charset="-120"/>
+              </a:rPr>
+              <a:t>撰寫</a:t>
+            </a:r>
+            <a:r>
+              <a:rPr lang="en-US" altLang="zh-TW" dirty="0">
+                <a:latin typeface="Times New Roman" panose="02020603050405020304" pitchFamily="18" charset="0"/>
+                <a:ea typeface="標楷體" panose="03000509000000000000" pitchFamily="65" charset="-120"/>
+              </a:rPr>
+              <a:t>python</a:t>
+            </a:r>
+            <a:r>
+              <a:rPr lang="zh-TW" altLang="en-US" dirty="0">
+                <a:latin typeface="標楷體" panose="03000509000000000000" pitchFamily="65" charset="-120"/>
+                <a:ea typeface="標楷體" panose="03000509000000000000" pitchFamily="65" charset="-120"/>
+              </a:rPr>
+              <a:t>檔將圖片滾動撰寫成</a:t>
+            </a:r>
+            <a:r>
+              <a:rPr lang="en-US" altLang="zh-TW" dirty="0">
+                <a:latin typeface="Times New Roman" panose="02020603050405020304" pitchFamily="18" charset="0"/>
+                <a:ea typeface="標楷體" panose="03000509000000000000" pitchFamily="65" charset="-120"/>
+                <a:cs typeface="Times New Roman" panose="02020603050405020304" pitchFamily="18" charset="0"/>
+              </a:rPr>
+              <a:t>txt</a:t>
+            </a:r>
+            <a:r>
+              <a:rPr lang="zh-TW" altLang="en-US" dirty="0">
+                <a:latin typeface="標楷體" panose="03000509000000000000" pitchFamily="65" charset="-120"/>
+                <a:ea typeface="標楷體" panose="03000509000000000000" pitchFamily="65" charset="-120"/>
+              </a:rPr>
+              <a:t>檔</a:t>
+            </a:r>
+            <a:r>
+              <a:rPr lang="en-US" altLang="zh-TW" dirty="0">
+                <a:latin typeface="標楷體" panose="03000509000000000000" pitchFamily="65" charset="-120"/>
+                <a:ea typeface="標楷體" panose="03000509000000000000" pitchFamily="65" charset="-120"/>
+              </a:rPr>
+              <a:t>(</a:t>
+            </a:r>
+            <a:r>
+              <a:rPr lang="zh-TW" altLang="en-US" dirty="0">
+                <a:latin typeface="標楷體" panose="03000509000000000000" pitchFamily="65" charset="-120"/>
+                <a:ea typeface="標楷體" panose="03000509000000000000" pitchFamily="65" charset="-120"/>
+              </a:rPr>
+              <a:t>整數</a:t>
+            </a:r>
+            <a:r>
+              <a:rPr lang="en-US" altLang="zh-TW" dirty="0">
+                <a:latin typeface="標楷體" panose="03000509000000000000" pitchFamily="65" charset="-120"/>
+                <a:ea typeface="標楷體" panose="03000509000000000000" pitchFamily="65" charset="-120"/>
+              </a:rPr>
+              <a:t>)</a:t>
+            </a:r>
+          </a:p>
+          <a:p>
+            <a:pPr marL="742950" lvl="1" indent="-285750">
+              <a:buFont typeface="Arial" panose="020B0604020202020204" pitchFamily="34" charset="0"/>
+              <a:buChar char="•"/>
+            </a:pPr>
+            <a:r>
+              <a:rPr lang="zh-TW" altLang="en-US" dirty="0">
+                <a:latin typeface="Times New Roman" panose="02020603050405020304" pitchFamily="18" charset="0"/>
+                <a:ea typeface="標楷體" panose="03000509000000000000" pitchFamily="65" charset="-120"/>
+              </a:rPr>
+              <a:t>在</a:t>
+            </a:r>
+            <a:r>
+              <a:rPr lang="en-US" altLang="zh-TW" dirty="0" err="1">
+                <a:latin typeface="Times New Roman" panose="02020603050405020304" pitchFamily="18" charset="0"/>
+                <a:ea typeface="標楷體" panose="03000509000000000000" pitchFamily="65" charset="-120"/>
+              </a:rPr>
+              <a:t>Vivado</a:t>
+            </a:r>
+            <a:r>
+              <a:rPr lang="zh-TW" altLang="en-US" dirty="0">
+                <a:latin typeface="Times New Roman" panose="02020603050405020304" pitchFamily="18" charset="0"/>
+                <a:ea typeface="標楷體" panose="03000509000000000000" pitchFamily="65" charset="-120"/>
+              </a:rPr>
+              <a:t>以</a:t>
+            </a:r>
+            <a:r>
+              <a:rPr lang="en-US" altLang="zh-TW" dirty="0" err="1">
+                <a:latin typeface="Times New Roman" panose="02020603050405020304" pitchFamily="18" charset="0"/>
+                <a:ea typeface="標楷體" panose="03000509000000000000" pitchFamily="65" charset="-120"/>
+              </a:rPr>
+              <a:t>readline</a:t>
+            </a:r>
+            <a:r>
+              <a:rPr lang="en-US" altLang="zh-TW" dirty="0">
+                <a:latin typeface="Times New Roman" panose="02020603050405020304" pitchFamily="18" charset="0"/>
+                <a:ea typeface="標楷體" panose="03000509000000000000" pitchFamily="65" charset="-120"/>
+              </a:rPr>
+              <a:t>()</a:t>
+            </a:r>
+            <a:r>
+              <a:rPr lang="zh-TW" altLang="en-US" dirty="0">
+                <a:latin typeface="Times New Roman" panose="02020603050405020304" pitchFamily="18" charset="0"/>
+                <a:ea typeface="標楷體" panose="03000509000000000000" pitchFamily="65" charset="-120"/>
+              </a:rPr>
+              <a:t>、</a:t>
+            </a:r>
+            <a:r>
+              <a:rPr lang="en-US" altLang="zh-TW" dirty="0">
+                <a:latin typeface="Times New Roman" panose="02020603050405020304" pitchFamily="18" charset="0"/>
+                <a:ea typeface="標楷體" panose="03000509000000000000" pitchFamily="65" charset="-120"/>
+              </a:rPr>
+              <a:t>read()</a:t>
+            </a:r>
+            <a:r>
+              <a:rPr lang="zh-TW" altLang="en-US" dirty="0">
+                <a:latin typeface="Times New Roman" panose="02020603050405020304" pitchFamily="18" charset="0"/>
+                <a:ea typeface="標楷體" panose="03000509000000000000" pitchFamily="65" charset="-120"/>
+              </a:rPr>
+              <a:t>讓數值隨著週期時脈輸入訊號</a:t>
+            </a:r>
+            <a:endParaRPr lang="en-US" altLang="zh-TW" dirty="0">
+              <a:latin typeface="Times New Roman" panose="02020603050405020304" pitchFamily="18" charset="0"/>
+              <a:ea typeface="Tahoma" panose="020B0604030504040204" pitchFamily="34" charset="0"/>
+            </a:endParaRPr>
+          </a:p>
+        </p:txBody>
+      </p:sp>
+      <p:sp>
+        <p:nvSpPr>
+          <p:cNvPr id="12" name="文字方塊 11">
+            <a:extLst>
+              <a:ext uri="{FF2B5EF4-FFF2-40B4-BE49-F238E27FC236}">
+                <a16:creationId xmlns:a16="http://schemas.microsoft.com/office/drawing/2014/main" id="{0660B24A-3CFC-4556-8D2D-0195419FE8DC}"/>
+              </a:ext>
+            </a:extLst>
+          </p:cNvPr>
+          <p:cNvSpPr txBox="1"/>
+          <p:nvPr/>
+        </p:nvSpPr>
+        <p:spPr>
+          <a:xfrm>
+            <a:off x="1646163" y="5829740"/>
+            <a:ext cx="2339092" cy="369332"/>
+          </a:xfrm>
+          <a:prstGeom prst="rect">
+            <a:avLst/>
+          </a:prstGeom>
+          <a:noFill/>
+        </p:spPr>
+        <p:txBody>
+          <a:bodyPr wrap="square">
+            <a:spAutoFit/>
+          </a:bodyPr>
+          <a:lstStyle/>
+          <a:p>
+            <a:r>
+              <a:rPr lang="zh-TW" altLang="en-US" dirty="0">
+                <a:latin typeface="標楷體" panose="03000509000000000000" pitchFamily="65" charset="-120"/>
+                <a:ea typeface="標楷體" panose="03000509000000000000" pitchFamily="65" charset="-120"/>
+              </a:rPr>
+              <a:t>圖</a:t>
+            </a:r>
+            <a:r>
+              <a:rPr lang="en-US" altLang="zh-TW" dirty="0">
+                <a:latin typeface="標楷體" panose="03000509000000000000" pitchFamily="65" charset="-120"/>
+                <a:ea typeface="標楷體" panose="03000509000000000000" pitchFamily="65" charset="-120"/>
+              </a:rPr>
+              <a:t>1.</a:t>
+            </a:r>
+            <a:r>
+              <a:rPr lang="en-US" altLang="zh-TW" dirty="0">
+                <a:latin typeface="Times New Roman" panose="02020603050405020304" pitchFamily="18" charset="0"/>
+                <a:ea typeface="標楷體" panose="03000509000000000000" pitchFamily="65" charset="-120"/>
+              </a:rPr>
+              <a:t>VGA_TB.vhd</a:t>
+            </a:r>
+            <a:endParaRPr lang="zh-TW" altLang="en-US" dirty="0">
+              <a:latin typeface="標楷體" panose="03000509000000000000" pitchFamily="65" charset="-120"/>
+              <a:ea typeface="標楷體" panose="03000509000000000000" pitchFamily="65" charset="-120"/>
+            </a:endParaRPr>
+          </a:p>
+        </p:txBody>
+      </p:sp>
+    </p:spTree>
+    <p:extLst>
+      <p:ext uri="{BB962C8B-B14F-4D97-AF65-F5344CB8AC3E}">
+        <p14:creationId xmlns:p14="http://schemas.microsoft.com/office/powerpoint/2010/main" val="4256003355"/>
+      </p:ext>
+    </p:extLst>
+  </p:cSld>
+  <p:clrMapOvr>
+    <a:masterClrMapping/>
+  </p:clrMapOvr>
+</p:sld>
+</file>
+
+<file path=ppt/slides/slide19.xml><?xml version="1.0" encoding="utf-8"?>
+<p:sld xmlns:a="http://schemas.openxmlformats.org/drawingml/2006/main" xmlns:r="http://schemas.openxmlformats.org/officeDocument/2006/relationships" xmlns:p="http://schemas.openxmlformats.org/presentationml/2006/main">
+  <p:cSld>
+    <p:spTree>
+      <p:nvGrpSpPr>
+        <p:cNvPr id="1" name=""/>
+        <p:cNvGrpSpPr/>
+        <p:nvPr/>
+      </p:nvGrpSpPr>
+      <p:grpSpPr>
+        <a:xfrm>
+          <a:off x="0" y="0"/>
+          <a:ext cx="0" cy="0"/>
+          <a:chOff x="0" y="0"/>
+          <a:chExt cx="0" cy="0"/>
+        </a:xfrm>
+      </p:grpSpPr>
+      <p:sp>
+        <p:nvSpPr>
+          <p:cNvPr id="2" name="標題 2">
+            <a:extLst>
+              <a:ext uri="{FF2B5EF4-FFF2-40B4-BE49-F238E27FC236}">
+                <a16:creationId xmlns:a16="http://schemas.microsoft.com/office/drawing/2014/main" id="{D83F534B-C865-43D4-8E4B-B5AF82C94365}"/>
+              </a:ext>
+            </a:extLst>
+          </p:cNvPr>
+          <p:cNvSpPr>
+            <a:spLocks noGrp="1"/>
+          </p:cNvSpPr>
+          <p:nvPr>
+            <p:ph type="title"/>
+          </p:nvPr>
+        </p:nvSpPr>
+        <p:spPr>
+          <a:xfrm>
+            <a:off x="838200" y="365125"/>
+            <a:ext cx="10515600" cy="720000"/>
+          </a:xfrm>
+        </p:spPr>
+        <p:txBody>
+          <a:bodyPr>
+            <a:noAutofit/>
+          </a:bodyPr>
+          <a:lstStyle/>
+          <a:p>
+            <a:r>
+              <a:rPr lang="zh-TW" altLang="en-US" sz="3200" dirty="0"/>
+              <a:t>成果展示 </a:t>
+            </a:r>
+            <a:r>
+              <a:rPr lang="en-US" altLang="zh-TW" sz="3200" dirty="0"/>
+              <a:t>–</a:t>
+            </a:r>
+            <a:r>
+              <a:rPr lang="zh-TW" altLang="en-US" sz="3200" dirty="0">
+                <a:latin typeface="標楷體" panose="03000509000000000000" pitchFamily="65" charset="-120"/>
+              </a:rPr>
+              <a:t>波形模擬以圖形輸出</a:t>
+            </a:r>
+            <a:endParaRPr lang="zh-TW" altLang="en-US" sz="3200" dirty="0"/>
+          </a:p>
+        </p:txBody>
+      </p:sp>
+      <p:sp>
+        <p:nvSpPr>
+          <p:cNvPr id="3" name="文字方塊 2">
+            <a:extLst>
+              <a:ext uri="{FF2B5EF4-FFF2-40B4-BE49-F238E27FC236}">
+                <a16:creationId xmlns:a16="http://schemas.microsoft.com/office/drawing/2014/main" id="{6043862E-4499-44A8-B0D0-FD672965D609}"/>
+              </a:ext>
+            </a:extLst>
+          </p:cNvPr>
+          <p:cNvSpPr txBox="1"/>
+          <p:nvPr/>
+        </p:nvSpPr>
+        <p:spPr>
+          <a:xfrm>
+            <a:off x="1463152" y="1298340"/>
+            <a:ext cx="9296814" cy="923330"/>
+          </a:xfrm>
+          <a:prstGeom prst="rect">
+            <a:avLst/>
+          </a:prstGeom>
+          <a:noFill/>
+        </p:spPr>
+        <p:txBody>
+          <a:bodyPr wrap="square">
+            <a:spAutoFit/>
+          </a:bodyPr>
+          <a:lstStyle/>
+          <a:p>
+            <a:pPr marL="285750" indent="-285750">
+              <a:buFont typeface="Arial" panose="020B0604020202020204" pitchFamily="34" charset="0"/>
+              <a:buChar char="•"/>
+            </a:pPr>
+            <a:r>
+              <a:rPr lang="zh-TW" altLang="en-US" dirty="0">
+                <a:latin typeface="標楷體" panose="03000509000000000000" pitchFamily="65" charset="-120"/>
+                <a:ea typeface="標楷體" panose="03000509000000000000" pitchFamily="65" charset="-120"/>
+              </a:rPr>
+              <a:t>將圖型波形以 </a:t>
+            </a:r>
+            <a:r>
+              <a:rPr lang="en-US" altLang="zh-TW" dirty="0">
+                <a:latin typeface="Times New Roman" panose="02020603050405020304" pitchFamily="18" charset="0"/>
+                <a:ea typeface="Tahoma" panose="020B0604030504040204" pitchFamily="34" charset="0"/>
+              </a:rPr>
+              <a:t>use </a:t>
+            </a:r>
+            <a:r>
+              <a:rPr lang="en-US" altLang="zh-TW" dirty="0" err="1">
+                <a:latin typeface="Times New Roman" panose="02020603050405020304" pitchFamily="18" charset="0"/>
+                <a:ea typeface="Tahoma" panose="020B0604030504040204" pitchFamily="34" charset="0"/>
+              </a:rPr>
+              <a:t>STD.textio.ALL</a:t>
+            </a:r>
+            <a:r>
+              <a:rPr lang="zh-TW" altLang="en-US" dirty="0">
+                <a:latin typeface="標楷體" panose="03000509000000000000" pitchFamily="65" charset="-120"/>
+                <a:ea typeface="標楷體" panose="03000509000000000000" pitchFamily="65" charset="-120"/>
+              </a:rPr>
+              <a:t>程式庫裡的函式，將波形訊號撰寫至指定文件檔</a:t>
+            </a:r>
+            <a:r>
+              <a:rPr lang="en-US" altLang="zh-TW" dirty="0">
+                <a:latin typeface="標楷體" panose="03000509000000000000" pitchFamily="65" charset="-120"/>
+                <a:ea typeface="標楷體" panose="03000509000000000000" pitchFamily="65" charset="-120"/>
+              </a:rPr>
+              <a:t>(</a:t>
+            </a:r>
+            <a:r>
+              <a:rPr lang="en-US" altLang="zh-TW" dirty="0">
+                <a:latin typeface="Times New Roman" panose="02020603050405020304" pitchFamily="18" charset="0"/>
+                <a:ea typeface="標楷體" panose="03000509000000000000" pitchFamily="65" charset="-120"/>
+                <a:cs typeface="Times New Roman" panose="02020603050405020304" pitchFamily="18" charset="0"/>
+              </a:rPr>
+              <a:t>txt</a:t>
+            </a:r>
+            <a:r>
+              <a:rPr lang="en-US" altLang="zh-TW" dirty="0">
+                <a:latin typeface="標楷體" panose="03000509000000000000" pitchFamily="65" charset="-120"/>
+                <a:ea typeface="標楷體" panose="03000509000000000000" pitchFamily="65" charset="-120"/>
+              </a:rPr>
+              <a:t>)</a:t>
+            </a:r>
+          </a:p>
+          <a:p>
+            <a:pPr marL="742950" lvl="1" indent="-285750">
+              <a:buFont typeface="Arial" panose="020B0604020202020204" pitchFamily="34" charset="0"/>
+              <a:buChar char="•"/>
+            </a:pPr>
+            <a:r>
+              <a:rPr lang="zh-TW" altLang="en-US" dirty="0">
+                <a:latin typeface="標楷體" panose="03000509000000000000" pitchFamily="65" charset="-120"/>
+                <a:ea typeface="標楷體" panose="03000509000000000000" pitchFamily="65" charset="-120"/>
+              </a:rPr>
+              <a:t>波形訊號</a:t>
+            </a:r>
+            <a:r>
+              <a:rPr lang="en-US" altLang="zh-TW" dirty="0">
+                <a:latin typeface="標楷體" panose="03000509000000000000" pitchFamily="65" charset="-120"/>
+                <a:ea typeface="標楷體" panose="03000509000000000000" pitchFamily="65" charset="-120"/>
+              </a:rPr>
+              <a:t>(</a:t>
+            </a:r>
+            <a:r>
+              <a:rPr lang="en-US" altLang="zh-TW" dirty="0">
+                <a:latin typeface="Times New Roman" panose="02020603050405020304" pitchFamily="18" charset="0"/>
+                <a:ea typeface="標楷體" panose="03000509000000000000" pitchFamily="65" charset="-120"/>
+                <a:cs typeface="Times New Roman" panose="02020603050405020304" pitchFamily="18" charset="0"/>
+              </a:rPr>
+              <a:t>txt</a:t>
+            </a:r>
+            <a:r>
+              <a:rPr lang="en-US" altLang="zh-TW" dirty="0">
+                <a:latin typeface="標楷體" panose="03000509000000000000" pitchFamily="65" charset="-120"/>
+                <a:ea typeface="標楷體" panose="03000509000000000000" pitchFamily="65" charset="-120"/>
+              </a:rPr>
+              <a:t>)</a:t>
+            </a:r>
+            <a:r>
+              <a:rPr lang="zh-TW" altLang="en-US" dirty="0">
+                <a:latin typeface="標楷體" panose="03000509000000000000" pitchFamily="65" charset="-120"/>
+                <a:ea typeface="標楷體" panose="03000509000000000000" pitchFamily="65" charset="-120"/>
+              </a:rPr>
+              <a:t>重組的圖片</a:t>
+            </a:r>
+            <a:r>
+              <a:rPr lang="en-US" altLang="zh-TW" dirty="0">
+                <a:latin typeface="標楷體" panose="03000509000000000000" pitchFamily="65" charset="-120"/>
+                <a:ea typeface="標楷體" panose="03000509000000000000" pitchFamily="65" charset="-120"/>
+              </a:rPr>
+              <a:t>(</a:t>
+            </a:r>
+            <a:r>
+              <a:rPr lang="en-US" altLang="zh-TW" dirty="0" err="1">
+                <a:latin typeface="Times New Roman" panose="02020603050405020304" pitchFamily="18" charset="0"/>
+                <a:ea typeface="標楷體" panose="03000509000000000000" pitchFamily="65" charset="-120"/>
+              </a:rPr>
+              <a:t>png</a:t>
+            </a:r>
+            <a:r>
+              <a:rPr lang="en-US" altLang="zh-TW" dirty="0">
+                <a:latin typeface="標楷體" panose="03000509000000000000" pitchFamily="65" charset="-120"/>
+                <a:ea typeface="標楷體" panose="03000509000000000000" pitchFamily="65" charset="-120"/>
+              </a:rPr>
+              <a:t>)</a:t>
+            </a:r>
+          </a:p>
+          <a:p>
+            <a:pPr marL="285750" indent="-285750">
+              <a:buFont typeface="Arial" panose="020B0604020202020204" pitchFamily="34" charset="0"/>
+              <a:buChar char="•"/>
+            </a:pPr>
+            <a:endParaRPr lang="en-US" altLang="zh-TW" dirty="0">
+              <a:latin typeface="Times New Roman" panose="02020603050405020304" pitchFamily="18" charset="0"/>
+              <a:ea typeface="Tahoma" panose="020B0604030504040204" pitchFamily="34" charset="0"/>
+            </a:endParaRPr>
+          </a:p>
+        </p:txBody>
+      </p:sp>
+      <p:sp>
+        <p:nvSpPr>
+          <p:cNvPr id="5" name="文字方塊 4">
+            <a:extLst>
+              <a:ext uri="{FF2B5EF4-FFF2-40B4-BE49-F238E27FC236}">
+                <a16:creationId xmlns:a16="http://schemas.microsoft.com/office/drawing/2014/main" id="{665A5E92-659A-436D-A26E-02FCA809CF84}"/>
+              </a:ext>
+            </a:extLst>
+          </p:cNvPr>
+          <p:cNvSpPr txBox="1"/>
+          <p:nvPr/>
+        </p:nvSpPr>
+        <p:spPr>
+          <a:xfrm>
+            <a:off x="1180034" y="5791239"/>
+            <a:ext cx="2339092" cy="369332"/>
+          </a:xfrm>
+          <a:prstGeom prst="rect">
+            <a:avLst/>
+          </a:prstGeom>
+          <a:noFill/>
+        </p:spPr>
+        <p:txBody>
+          <a:bodyPr wrap="square">
+            <a:spAutoFit/>
+          </a:bodyPr>
+          <a:lstStyle/>
+          <a:p>
+            <a:r>
+              <a:rPr lang="zh-TW" altLang="en-US" dirty="0">
+                <a:latin typeface="標楷體" panose="03000509000000000000" pitchFamily="65" charset="-120"/>
+                <a:ea typeface="標楷體" panose="03000509000000000000" pitchFamily="65" charset="-120"/>
+              </a:rPr>
+              <a:t>圖</a:t>
+            </a:r>
+            <a:r>
+              <a:rPr lang="en-US" altLang="zh-TW" dirty="0">
+                <a:latin typeface="標楷體" panose="03000509000000000000" pitchFamily="65" charset="-120"/>
+                <a:ea typeface="標楷體" panose="03000509000000000000" pitchFamily="65" charset="-120"/>
+              </a:rPr>
+              <a:t>2.</a:t>
+            </a:r>
+            <a:r>
+              <a:rPr lang="en-US" altLang="zh-TW" dirty="0">
+                <a:latin typeface="Times New Roman" panose="02020603050405020304" pitchFamily="18" charset="0"/>
+                <a:ea typeface="標楷體" panose="03000509000000000000" pitchFamily="65" charset="-120"/>
+              </a:rPr>
+              <a:t>VGA_TB.vhd</a:t>
+            </a:r>
+            <a:endParaRPr lang="zh-TW" altLang="en-US" dirty="0">
+              <a:latin typeface="標楷體" panose="03000509000000000000" pitchFamily="65" charset="-120"/>
+              <a:ea typeface="標楷體" panose="03000509000000000000" pitchFamily="65" charset="-120"/>
+            </a:endParaRPr>
+          </a:p>
+        </p:txBody>
+      </p:sp>
+    </p:spTree>
+    <p:extLst>
+      <p:ext uri="{BB962C8B-B14F-4D97-AF65-F5344CB8AC3E}">
+        <p14:creationId xmlns:p14="http://schemas.microsoft.com/office/powerpoint/2010/main" val="1182708771"/>
+      </p:ext>
+    </p:extLst>
+  </p:cSld>
+  <p:clrMapOvr>
+    <a:masterClrMapping/>
+  </p:clrMapOvr>
+</p:sld>
+</file>
+
+<file path=ppt/slides/slide2.xml><?xml version="1.0" encoding="utf-8"?>
+<p:sld xmlns:a="http://schemas.openxmlformats.org/drawingml/2006/main" xmlns:r="http://schemas.openxmlformats.org/officeDocument/2006/relationships" xmlns:p="http://schemas.openxmlformats.org/presentationml/2006/main">
+  <p:cSld>
+    <p:spTree>
+      <p:nvGrpSpPr>
+        <p:cNvPr id="1" name=""/>
+        <p:cNvGrpSpPr/>
+        <p:nvPr/>
+      </p:nvGrpSpPr>
+      <p:grpSpPr>
+        <a:xfrm>
+          <a:off x="0" y="0"/>
+          <a:ext cx="0" cy="0"/>
+          <a:chOff x="0" y="0"/>
+          <a:chExt cx="0" cy="0"/>
+        </a:xfrm>
+      </p:grpSpPr>
+      <p:sp>
+        <p:nvSpPr>
+          <p:cNvPr id="3" name="標題 2"/>
+          <p:cNvSpPr>
+            <a:spLocks noGrp="1"/>
+          </p:cNvSpPr>
+          <p:nvPr>
+            <p:ph type="title"/>
+          </p:nvPr>
+        </p:nvSpPr>
+        <p:spPr/>
+        <p:txBody>
+          <a:bodyPr/>
+          <a:lstStyle/>
+          <a:p>
+            <a:r>
+              <a:rPr lang="zh-TW" altLang="en-US" dirty="0"/>
+              <a:t>控管記錄 </a:t>
+            </a:r>
+            <a:r>
+              <a:rPr lang="en-US" altLang="zh-TW" dirty="0"/>
+              <a:t>–</a:t>
+            </a:r>
+            <a:r>
+              <a:rPr lang="zh-TW" altLang="en-US" dirty="0"/>
+              <a:t> </a:t>
+            </a:r>
+            <a:r>
+              <a:rPr lang="en-US" altLang="zh-TW" dirty="0"/>
+              <a:t>NAS</a:t>
+            </a:r>
+            <a:r>
+              <a:rPr lang="zh-TW" altLang="en-US" dirty="0"/>
+              <a:t> </a:t>
+            </a:r>
+            <a:r>
+              <a:rPr lang="en-US" altLang="zh-TW"/>
+              <a:t>(</a:t>
+            </a:r>
+            <a:r>
+              <a:rPr lang="en-US" altLang="zh-TW" sz="4400"/>
+              <a:t>2023/6/24</a:t>
+            </a:r>
+            <a:r>
+              <a:rPr lang="en-US" altLang="zh-TW" dirty="0"/>
+              <a:t>)</a:t>
+            </a:r>
+            <a:endParaRPr lang="zh-TW" altLang="en-US" dirty="0"/>
+          </a:p>
+        </p:txBody>
+      </p:sp>
+      <p:sp>
+        <p:nvSpPr>
+          <p:cNvPr id="9" name="矩形 8">
+            <a:extLst>
+              <a:ext uri="{FF2B5EF4-FFF2-40B4-BE49-F238E27FC236}">
+                <a16:creationId xmlns:a16="http://schemas.microsoft.com/office/drawing/2014/main" id="{1F596EB5-194B-41DD-9405-83C981B5180E}"/>
+              </a:ext>
+            </a:extLst>
+          </p:cNvPr>
+          <p:cNvSpPr/>
+          <p:nvPr/>
+        </p:nvSpPr>
+        <p:spPr>
+          <a:xfrm>
+            <a:off x="92279" y="1235933"/>
+            <a:ext cx="3120704" cy="1323439"/>
+          </a:xfrm>
+          <a:prstGeom prst="rect">
+            <a:avLst/>
+          </a:prstGeom>
+        </p:spPr>
+        <p:txBody>
+          <a:bodyPr wrap="square">
+            <a:spAutoFit/>
+          </a:bodyPr>
+          <a:lstStyle/>
+          <a:p>
+            <a:pPr marL="285750" lvl="1" indent="-285750"/>
+            <a:r>
+              <a:rPr lang="zh-TW" altLang="en-US" sz="2000" dirty="0">
+                <a:latin typeface="Times New Roman" panose="02020603050405020304" pitchFamily="18" charset="0"/>
+                <a:ea typeface="標楷體" panose="03000509000000000000" pitchFamily="65" charset="-120"/>
+              </a:rPr>
+              <a:t>本週更新：</a:t>
+            </a:r>
+            <a:endParaRPr lang="en-US" altLang="zh-TW" sz="2000" dirty="0">
+              <a:latin typeface="Times New Roman" panose="02020603050405020304" pitchFamily="18" charset="0"/>
+              <a:ea typeface="標楷體" panose="03000509000000000000" pitchFamily="65" charset="-120"/>
+            </a:endParaRPr>
+          </a:p>
+          <a:p>
+            <a:pPr marL="285750" lvl="1" indent="-285750"/>
+            <a:r>
+              <a:rPr lang="en-US" altLang="zh-TW" sz="2000" dirty="0">
+                <a:latin typeface="Times New Roman" panose="02020603050405020304" pitchFamily="18" charset="0"/>
+                <a:ea typeface="標楷體" panose="03000509000000000000" pitchFamily="65" charset="-120"/>
+              </a:rPr>
+              <a:t>N02-Architecture</a:t>
+            </a:r>
+          </a:p>
+          <a:p>
+            <a:pPr marL="285750" lvl="1" indent="-285750"/>
+            <a:r>
+              <a:rPr lang="en-US" altLang="zh-TW" sz="2000" dirty="0">
+                <a:latin typeface="Times New Roman" panose="02020603050405020304" pitchFamily="18" charset="0"/>
+                <a:ea typeface="標楷體" panose="03000509000000000000" pitchFamily="65" charset="-120"/>
+              </a:rPr>
+              <a:t>N06-Demo&amp;ppt</a:t>
+            </a:r>
+          </a:p>
+          <a:p>
+            <a:pPr marL="285750" lvl="1" indent="-285750"/>
+            <a:endParaRPr lang="en-US" altLang="zh-TW" sz="2000" dirty="0">
+              <a:latin typeface="Times New Roman" panose="02020603050405020304" pitchFamily="18" charset="0"/>
+              <a:ea typeface="標楷體" panose="03000509000000000000" pitchFamily="65" charset="-120"/>
+            </a:endParaRPr>
+          </a:p>
+        </p:txBody>
+      </p:sp>
+      <p:sp>
+        <p:nvSpPr>
+          <p:cNvPr id="6" name="矩形 5">
+            <a:extLst>
+              <a:ext uri="{FF2B5EF4-FFF2-40B4-BE49-F238E27FC236}">
+                <a16:creationId xmlns:a16="http://schemas.microsoft.com/office/drawing/2014/main" id="{1C382610-EE97-421B-BB15-05C940BF4AD3}"/>
+              </a:ext>
+            </a:extLst>
+          </p:cNvPr>
+          <p:cNvSpPr/>
+          <p:nvPr/>
+        </p:nvSpPr>
+        <p:spPr>
+          <a:xfrm>
+            <a:off x="4747582" y="1669363"/>
+            <a:ext cx="1134166" cy="228289"/>
+          </a:xfrm>
+          <a:prstGeom prst="rect">
+            <a:avLst/>
+          </a:prstGeom>
+          <a:noFill/>
+          <a:ln w="28575">
+            <a:solidFill>
+              <a:srgbClr val="FF0000"/>
+            </a:solidFill>
+          </a:ln>
+        </p:spPr>
+        <p:style>
+          <a:lnRef idx="2">
+            <a:schemeClr val="accent1">
+              <a:shade val="50000"/>
+            </a:schemeClr>
+          </a:lnRef>
+          <a:fillRef idx="1">
+            <a:schemeClr val="accent1"/>
+          </a:fillRef>
+          <a:effectRef idx="0">
+            <a:schemeClr val="accent1"/>
+          </a:effectRef>
+          <a:fontRef idx="minor">
+            <a:schemeClr val="lt1"/>
+          </a:fontRef>
+        </p:style>
+        <p:txBody>
+          <a:bodyPr rtlCol="0" anchor="ctr"/>
+          <a:lstStyle/>
+          <a:p>
+            <a:pPr algn="ctr"/>
+            <a:endParaRPr lang="zh-TW" altLang="en-US" dirty="0">
+              <a:noFill/>
+            </a:endParaRPr>
+          </a:p>
+        </p:txBody>
+      </p:sp>
+    </p:spTree>
+    <p:extLst>
+      <p:ext uri="{BB962C8B-B14F-4D97-AF65-F5344CB8AC3E}">
+        <p14:creationId xmlns:p14="http://schemas.microsoft.com/office/powerpoint/2010/main" val="3556275576"/>
+      </p:ext>
+    </p:extLst>
+  </p:cSld>
+  <p:clrMapOvr>
+    <a:masterClrMapping/>
+  </p:clrMapOvr>
+</p:sld>
+</file>
+
+<file path=ppt/slides/slide20.xml><?xml version="1.0" encoding="utf-8"?>
+<p:sld xmlns:a="http://schemas.openxmlformats.org/drawingml/2006/main" xmlns:r="http://schemas.openxmlformats.org/officeDocument/2006/relationships" xmlns:p="http://schemas.openxmlformats.org/presentationml/2006/main">
+  <p:cSld>
+    <p:spTree>
+      <p:nvGrpSpPr>
+        <p:cNvPr id="1" name=""/>
+        <p:cNvGrpSpPr/>
+        <p:nvPr/>
+      </p:nvGrpSpPr>
+      <p:grpSpPr>
+        <a:xfrm>
+          <a:off x="0" y="0"/>
+          <a:ext cx="0" cy="0"/>
+          <a:chOff x="0" y="0"/>
+          <a:chExt cx="0" cy="0"/>
+        </a:xfrm>
+      </p:grpSpPr>
+      <p:sp>
+        <p:nvSpPr>
           <p:cNvPr id="3" name="標題 2"/>
           <p:cNvSpPr>
             <a:spLocks noGrp="1"/>
@@ -9386,7 +10659,7 @@
 </p:sld>
 </file>
 
-<file path=ppt/slides/slide18.xml><?xml version="1.0" encoding="utf-8"?>
+<file path=ppt/slides/slide21.xml><?xml version="1.0" encoding="utf-8"?>
 <p:sld xmlns:a="http://schemas.openxmlformats.org/drawingml/2006/main" xmlns:r="http://schemas.openxmlformats.org/officeDocument/2006/relationships" xmlns:p="http://schemas.openxmlformats.org/presentationml/2006/main">
   <p:cSld>
     <p:spTree>
@@ -9635,1046 +10908,6 @@
 </p:sld>
 </file>
 
-<file path=ppt/slides/slide19.xml><?xml version="1.0" encoding="utf-8"?>
-<p:sld xmlns:a="http://schemas.openxmlformats.org/drawingml/2006/main" xmlns:r="http://schemas.openxmlformats.org/officeDocument/2006/relationships" xmlns:p="http://schemas.openxmlformats.org/presentationml/2006/main">
-  <p:cSld>
-    <p:spTree>
-      <p:nvGrpSpPr>
-        <p:cNvPr id="1" name=""/>
-        <p:cNvGrpSpPr/>
-        <p:nvPr/>
-      </p:nvGrpSpPr>
-      <p:grpSpPr>
-        <a:xfrm>
-          <a:off x="0" y="0"/>
-          <a:ext cx="0" cy="0"/>
-          <a:chOff x="0" y="0"/>
-          <a:chExt cx="0" cy="0"/>
-        </a:xfrm>
-      </p:grpSpPr>
-      <p:sp>
-        <p:nvSpPr>
-          <p:cNvPr id="2" name="標題 2">
-            <a:extLst>
-              <a:ext uri="{FF2B5EF4-FFF2-40B4-BE49-F238E27FC236}">
-                <a16:creationId xmlns:a16="http://schemas.microsoft.com/office/drawing/2014/main" id="{D83F534B-C865-43D4-8E4B-B5AF82C94365}"/>
-              </a:ext>
-            </a:extLst>
-          </p:cNvPr>
-          <p:cNvSpPr>
-            <a:spLocks noGrp="1"/>
-          </p:cNvSpPr>
-          <p:nvPr>
-            <p:ph type="title"/>
-          </p:nvPr>
-        </p:nvSpPr>
-        <p:spPr>
-          <a:xfrm>
-            <a:off x="838200" y="365125"/>
-            <a:ext cx="10515600" cy="720000"/>
-          </a:xfrm>
-        </p:spPr>
-        <p:txBody>
-          <a:bodyPr>
-            <a:noAutofit/>
-          </a:bodyPr>
-          <a:lstStyle/>
-          <a:p>
-            <a:r>
-              <a:rPr lang="zh-TW" altLang="en-US" sz="3200" dirty="0"/>
-              <a:t>成果展示 </a:t>
-            </a:r>
-            <a:r>
-              <a:rPr lang="en-US" altLang="zh-TW" sz="3200" dirty="0"/>
-              <a:t>–</a:t>
-            </a:r>
-            <a:r>
-              <a:rPr lang="zh-TW" altLang="en-US" sz="3200" dirty="0">
-                <a:latin typeface="標楷體" panose="03000509000000000000" pitchFamily="65" charset="-120"/>
-              </a:rPr>
-              <a:t>以圖形輸入波形模擬</a:t>
-            </a:r>
-            <a:endParaRPr lang="zh-TW" altLang="en-US" sz="3200" dirty="0"/>
-          </a:p>
-        </p:txBody>
-      </p:sp>
-      <p:sp>
-        <p:nvSpPr>
-          <p:cNvPr id="3" name="文字方塊 2">
-            <a:extLst>
-              <a:ext uri="{FF2B5EF4-FFF2-40B4-BE49-F238E27FC236}">
-                <a16:creationId xmlns:a16="http://schemas.microsoft.com/office/drawing/2014/main" id="{6043862E-4499-44A8-B0D0-FD672965D609}"/>
-              </a:ext>
-            </a:extLst>
-          </p:cNvPr>
-          <p:cNvSpPr txBox="1"/>
-          <p:nvPr/>
-        </p:nvSpPr>
-        <p:spPr>
-          <a:xfrm>
-            <a:off x="1463152" y="1152036"/>
-            <a:ext cx="9089024" cy="923330"/>
-          </a:xfrm>
-          <a:prstGeom prst="rect">
-            <a:avLst/>
-          </a:prstGeom>
-          <a:noFill/>
-        </p:spPr>
-        <p:txBody>
-          <a:bodyPr wrap="square">
-            <a:spAutoFit/>
-          </a:bodyPr>
-          <a:lstStyle/>
-          <a:p>
-            <a:pPr marL="285750" indent="-285750">
-              <a:buFont typeface="Arial" panose="020B0604020202020204" pitchFamily="34" charset="0"/>
-              <a:buChar char="•"/>
-            </a:pPr>
-            <a:r>
-              <a:rPr lang="zh-TW" altLang="en-US" dirty="0">
-                <a:latin typeface="標楷體" panose="03000509000000000000" pitchFamily="65" charset="-120"/>
-                <a:ea typeface="標楷體" panose="03000509000000000000" pitchFamily="65" charset="-120"/>
-              </a:rPr>
-              <a:t>將圖型波形以 </a:t>
-            </a:r>
-            <a:r>
-              <a:rPr lang="en-US" altLang="zh-TW" dirty="0">
-                <a:latin typeface="Times New Roman" panose="02020603050405020304" pitchFamily="18" charset="0"/>
-                <a:ea typeface="Tahoma" panose="020B0604030504040204" pitchFamily="34" charset="0"/>
-              </a:rPr>
-              <a:t>use </a:t>
-            </a:r>
-            <a:r>
-              <a:rPr lang="en-US" altLang="zh-TW" dirty="0" err="1">
-                <a:latin typeface="Times New Roman" panose="02020603050405020304" pitchFamily="18" charset="0"/>
-                <a:ea typeface="Tahoma" panose="020B0604030504040204" pitchFamily="34" charset="0"/>
-              </a:rPr>
-              <a:t>STD.textio.ALL</a:t>
-            </a:r>
-            <a:r>
-              <a:rPr lang="zh-TW" altLang="en-US" dirty="0">
-                <a:latin typeface="標楷體" panose="03000509000000000000" pitchFamily="65" charset="-120"/>
-                <a:ea typeface="標楷體" panose="03000509000000000000" pitchFamily="65" charset="-120"/>
-              </a:rPr>
-              <a:t>程式庫裡的函式，打印波形訊號至指定文件檔</a:t>
-            </a:r>
-            <a:r>
-              <a:rPr lang="en-US" altLang="zh-TW" dirty="0">
-                <a:latin typeface="標楷體" panose="03000509000000000000" pitchFamily="65" charset="-120"/>
-                <a:ea typeface="標楷體" panose="03000509000000000000" pitchFamily="65" charset="-120"/>
-              </a:rPr>
-              <a:t>(txt)</a:t>
-            </a:r>
-          </a:p>
-          <a:p>
-            <a:pPr marL="742950" lvl="1" indent="-285750">
-              <a:buFont typeface="Arial" panose="020B0604020202020204" pitchFamily="34" charset="0"/>
-              <a:buChar char="•"/>
-            </a:pPr>
-            <a:r>
-              <a:rPr lang="zh-TW" altLang="en-US" dirty="0">
-                <a:latin typeface="標楷體" panose="03000509000000000000" pitchFamily="65" charset="-120"/>
-                <a:ea typeface="標楷體" panose="03000509000000000000" pitchFamily="65" charset="-120"/>
-              </a:rPr>
-              <a:t>撰寫</a:t>
-            </a:r>
-            <a:r>
-              <a:rPr lang="en-US" altLang="zh-TW" dirty="0">
-                <a:latin typeface="Times New Roman" panose="02020603050405020304" pitchFamily="18" charset="0"/>
-                <a:ea typeface="標楷體" panose="03000509000000000000" pitchFamily="65" charset="-120"/>
-              </a:rPr>
-              <a:t>python</a:t>
-            </a:r>
-            <a:r>
-              <a:rPr lang="zh-TW" altLang="en-US" dirty="0">
-                <a:latin typeface="標楷體" panose="03000509000000000000" pitchFamily="65" charset="-120"/>
-                <a:ea typeface="標楷體" panose="03000509000000000000" pitchFamily="65" charset="-120"/>
-              </a:rPr>
-              <a:t>檔將圖片滾動打印成</a:t>
-            </a:r>
-            <a:r>
-              <a:rPr lang="en-US" altLang="zh-TW" dirty="0">
-                <a:latin typeface="標楷體" panose="03000509000000000000" pitchFamily="65" charset="-120"/>
-                <a:ea typeface="標楷體" panose="03000509000000000000" pitchFamily="65" charset="-120"/>
-              </a:rPr>
-              <a:t>txt</a:t>
-            </a:r>
-            <a:r>
-              <a:rPr lang="zh-TW" altLang="en-US" dirty="0">
-                <a:latin typeface="標楷體" panose="03000509000000000000" pitchFamily="65" charset="-120"/>
-                <a:ea typeface="標楷體" panose="03000509000000000000" pitchFamily="65" charset="-120"/>
-              </a:rPr>
-              <a:t>檔</a:t>
-            </a:r>
-            <a:r>
-              <a:rPr lang="en-US" altLang="zh-TW" dirty="0">
-                <a:latin typeface="標楷體" panose="03000509000000000000" pitchFamily="65" charset="-120"/>
-                <a:ea typeface="標楷體" panose="03000509000000000000" pitchFamily="65" charset="-120"/>
-              </a:rPr>
-              <a:t>(</a:t>
-            </a:r>
-            <a:r>
-              <a:rPr lang="zh-TW" altLang="en-US" dirty="0">
-                <a:latin typeface="標楷體" panose="03000509000000000000" pitchFamily="65" charset="-120"/>
-                <a:ea typeface="標楷體" panose="03000509000000000000" pitchFamily="65" charset="-120"/>
-              </a:rPr>
-              <a:t>整數</a:t>
-            </a:r>
-            <a:r>
-              <a:rPr lang="en-US" altLang="zh-TW" dirty="0">
-                <a:latin typeface="標楷體" panose="03000509000000000000" pitchFamily="65" charset="-120"/>
-                <a:ea typeface="標楷體" panose="03000509000000000000" pitchFamily="65" charset="-120"/>
-              </a:rPr>
-              <a:t>)</a:t>
-            </a:r>
-          </a:p>
-          <a:p>
-            <a:pPr marL="742950" lvl="1" indent="-285750">
-              <a:buFont typeface="Arial" panose="020B0604020202020204" pitchFamily="34" charset="0"/>
-              <a:buChar char="•"/>
-            </a:pPr>
-            <a:r>
-              <a:rPr lang="zh-TW" altLang="en-US" dirty="0">
-                <a:latin typeface="Times New Roman" panose="02020603050405020304" pitchFamily="18" charset="0"/>
-                <a:ea typeface="標楷體" panose="03000509000000000000" pitchFamily="65" charset="-120"/>
-              </a:rPr>
-              <a:t>在</a:t>
-            </a:r>
-            <a:r>
-              <a:rPr lang="en-US" altLang="zh-TW" dirty="0" err="1">
-                <a:latin typeface="Times New Roman" panose="02020603050405020304" pitchFamily="18" charset="0"/>
-                <a:ea typeface="標楷體" panose="03000509000000000000" pitchFamily="65" charset="-120"/>
-              </a:rPr>
-              <a:t>Vivado</a:t>
-            </a:r>
-            <a:r>
-              <a:rPr lang="zh-TW" altLang="en-US" dirty="0">
-                <a:latin typeface="Times New Roman" panose="02020603050405020304" pitchFamily="18" charset="0"/>
-                <a:ea typeface="標楷體" panose="03000509000000000000" pitchFamily="65" charset="-120"/>
-              </a:rPr>
-              <a:t>以</a:t>
-            </a:r>
-            <a:r>
-              <a:rPr lang="en-US" altLang="zh-TW" dirty="0" err="1">
-                <a:latin typeface="Times New Roman" panose="02020603050405020304" pitchFamily="18" charset="0"/>
-                <a:ea typeface="標楷體" panose="03000509000000000000" pitchFamily="65" charset="-120"/>
-              </a:rPr>
-              <a:t>readline</a:t>
-            </a:r>
-            <a:r>
-              <a:rPr lang="en-US" altLang="zh-TW" dirty="0">
-                <a:latin typeface="Times New Roman" panose="02020603050405020304" pitchFamily="18" charset="0"/>
-                <a:ea typeface="標楷體" panose="03000509000000000000" pitchFamily="65" charset="-120"/>
-              </a:rPr>
-              <a:t>()</a:t>
-            </a:r>
-            <a:r>
-              <a:rPr lang="zh-TW" altLang="en-US" dirty="0">
-                <a:latin typeface="Times New Roman" panose="02020603050405020304" pitchFamily="18" charset="0"/>
-                <a:ea typeface="標楷體" panose="03000509000000000000" pitchFamily="65" charset="-120"/>
-              </a:rPr>
-              <a:t>、</a:t>
-            </a:r>
-            <a:r>
-              <a:rPr lang="en-US" altLang="zh-TW" dirty="0">
-                <a:latin typeface="Times New Roman" panose="02020603050405020304" pitchFamily="18" charset="0"/>
-                <a:ea typeface="標楷體" panose="03000509000000000000" pitchFamily="65" charset="-120"/>
-              </a:rPr>
-              <a:t>read()</a:t>
-            </a:r>
-            <a:r>
-              <a:rPr lang="zh-TW" altLang="en-US" dirty="0">
-                <a:latin typeface="Times New Roman" panose="02020603050405020304" pitchFamily="18" charset="0"/>
-                <a:ea typeface="標楷體" panose="03000509000000000000" pitchFamily="65" charset="-120"/>
-              </a:rPr>
-              <a:t>讓數值隨著週期時脈輸入訊號</a:t>
-            </a:r>
-            <a:endParaRPr lang="en-US" altLang="zh-TW" dirty="0">
-              <a:latin typeface="Times New Roman" panose="02020603050405020304" pitchFamily="18" charset="0"/>
-              <a:ea typeface="Tahoma" panose="020B0604030504040204" pitchFamily="34" charset="0"/>
-            </a:endParaRPr>
-          </a:p>
-        </p:txBody>
-      </p:sp>
-      <p:sp>
-        <p:nvSpPr>
-          <p:cNvPr id="12" name="文字方塊 11">
-            <a:extLst>
-              <a:ext uri="{FF2B5EF4-FFF2-40B4-BE49-F238E27FC236}">
-                <a16:creationId xmlns:a16="http://schemas.microsoft.com/office/drawing/2014/main" id="{0660B24A-3CFC-4556-8D2D-0195419FE8DC}"/>
-              </a:ext>
-            </a:extLst>
-          </p:cNvPr>
-          <p:cNvSpPr txBox="1"/>
-          <p:nvPr/>
-        </p:nvSpPr>
-        <p:spPr>
-          <a:xfrm>
-            <a:off x="1646163" y="5829740"/>
-            <a:ext cx="2339092" cy="369332"/>
-          </a:xfrm>
-          <a:prstGeom prst="rect">
-            <a:avLst/>
-          </a:prstGeom>
-          <a:noFill/>
-        </p:spPr>
-        <p:txBody>
-          <a:bodyPr wrap="square">
-            <a:spAutoFit/>
-          </a:bodyPr>
-          <a:lstStyle/>
-          <a:p>
-            <a:r>
-              <a:rPr lang="zh-TW" altLang="en-US" dirty="0">
-                <a:latin typeface="標楷體" panose="03000509000000000000" pitchFamily="65" charset="-120"/>
-                <a:ea typeface="標楷體" panose="03000509000000000000" pitchFamily="65" charset="-120"/>
-              </a:rPr>
-              <a:t>圖</a:t>
-            </a:r>
-            <a:r>
-              <a:rPr lang="en-US" altLang="zh-TW" dirty="0">
-                <a:latin typeface="標楷體" panose="03000509000000000000" pitchFamily="65" charset="-120"/>
-                <a:ea typeface="標楷體" panose="03000509000000000000" pitchFamily="65" charset="-120"/>
-              </a:rPr>
-              <a:t>1.</a:t>
-            </a:r>
-            <a:r>
-              <a:rPr lang="en-US" altLang="zh-TW" dirty="0">
-                <a:latin typeface="Times New Roman" panose="02020603050405020304" pitchFamily="18" charset="0"/>
-                <a:ea typeface="標楷體" panose="03000509000000000000" pitchFamily="65" charset="-120"/>
-              </a:rPr>
-              <a:t>VGA_TB.vhd</a:t>
-            </a:r>
-            <a:endParaRPr lang="zh-TW" altLang="en-US" dirty="0">
-              <a:latin typeface="標楷體" panose="03000509000000000000" pitchFamily="65" charset="-120"/>
-              <a:ea typeface="標楷體" panose="03000509000000000000" pitchFamily="65" charset="-120"/>
-            </a:endParaRPr>
-          </a:p>
-        </p:txBody>
-      </p:sp>
-    </p:spTree>
-    <p:extLst>
-      <p:ext uri="{BB962C8B-B14F-4D97-AF65-F5344CB8AC3E}">
-        <p14:creationId xmlns:p14="http://schemas.microsoft.com/office/powerpoint/2010/main" val="4256003355"/>
-      </p:ext>
-    </p:extLst>
-  </p:cSld>
-  <p:clrMapOvr>
-    <a:masterClrMapping/>
-  </p:clrMapOvr>
-</p:sld>
-</file>
-
-<file path=ppt/slides/slide2.xml><?xml version="1.0" encoding="utf-8"?>
-<p:sld xmlns:a="http://schemas.openxmlformats.org/drawingml/2006/main" xmlns:r="http://schemas.openxmlformats.org/officeDocument/2006/relationships" xmlns:p="http://schemas.openxmlformats.org/presentationml/2006/main">
-  <p:cSld>
-    <p:spTree>
-      <p:nvGrpSpPr>
-        <p:cNvPr id="1" name=""/>
-        <p:cNvGrpSpPr/>
-        <p:nvPr/>
-      </p:nvGrpSpPr>
-      <p:grpSpPr>
-        <a:xfrm>
-          <a:off x="0" y="0"/>
-          <a:ext cx="0" cy="0"/>
-          <a:chOff x="0" y="0"/>
-          <a:chExt cx="0" cy="0"/>
-        </a:xfrm>
-      </p:grpSpPr>
-      <p:sp>
-        <p:nvSpPr>
-          <p:cNvPr id="3" name="標題 2"/>
-          <p:cNvSpPr>
-            <a:spLocks noGrp="1"/>
-          </p:cNvSpPr>
-          <p:nvPr>
-            <p:ph type="title"/>
-          </p:nvPr>
-        </p:nvSpPr>
-        <p:spPr/>
-        <p:txBody>
-          <a:bodyPr/>
-          <a:lstStyle/>
-          <a:p>
-            <a:r>
-              <a:rPr lang="zh-TW" altLang="en-US" dirty="0"/>
-              <a:t>控管記錄 </a:t>
-            </a:r>
-            <a:r>
-              <a:rPr lang="en-US" altLang="zh-TW" dirty="0"/>
-              <a:t>–</a:t>
-            </a:r>
-            <a:r>
-              <a:rPr lang="zh-TW" altLang="en-US" dirty="0"/>
-              <a:t> </a:t>
-            </a:r>
-            <a:r>
-              <a:rPr lang="en-US" altLang="zh-TW" dirty="0"/>
-              <a:t>NAS</a:t>
-            </a:r>
-            <a:r>
-              <a:rPr lang="zh-TW" altLang="en-US" dirty="0"/>
-              <a:t> </a:t>
-            </a:r>
-            <a:r>
-              <a:rPr lang="en-US" altLang="zh-TW"/>
-              <a:t>(</a:t>
-            </a:r>
-            <a:r>
-              <a:rPr lang="en-US" altLang="zh-TW" sz="4400"/>
-              <a:t>2023/6/24</a:t>
-            </a:r>
-            <a:r>
-              <a:rPr lang="en-US" altLang="zh-TW" dirty="0"/>
-              <a:t>)</a:t>
-            </a:r>
-            <a:endParaRPr lang="zh-TW" altLang="en-US" dirty="0"/>
-          </a:p>
-        </p:txBody>
-      </p:sp>
-      <p:sp>
-        <p:nvSpPr>
-          <p:cNvPr id="9" name="矩形 8">
-            <a:extLst>
-              <a:ext uri="{FF2B5EF4-FFF2-40B4-BE49-F238E27FC236}">
-                <a16:creationId xmlns:a16="http://schemas.microsoft.com/office/drawing/2014/main" id="{1F596EB5-194B-41DD-9405-83C981B5180E}"/>
-              </a:ext>
-            </a:extLst>
-          </p:cNvPr>
-          <p:cNvSpPr/>
-          <p:nvPr/>
-        </p:nvSpPr>
-        <p:spPr>
-          <a:xfrm>
-            <a:off x="92279" y="1235933"/>
-            <a:ext cx="3120704" cy="1323439"/>
-          </a:xfrm>
-          <a:prstGeom prst="rect">
-            <a:avLst/>
-          </a:prstGeom>
-        </p:spPr>
-        <p:txBody>
-          <a:bodyPr wrap="square">
-            <a:spAutoFit/>
-          </a:bodyPr>
-          <a:lstStyle/>
-          <a:p>
-            <a:pPr marL="285750" lvl="1" indent="-285750"/>
-            <a:r>
-              <a:rPr lang="zh-TW" altLang="en-US" sz="2000" dirty="0">
-                <a:latin typeface="Times New Roman" panose="02020603050405020304" pitchFamily="18" charset="0"/>
-                <a:ea typeface="標楷體" panose="03000509000000000000" pitchFamily="65" charset="-120"/>
-              </a:rPr>
-              <a:t>本週更新：</a:t>
-            </a:r>
-            <a:endParaRPr lang="en-US" altLang="zh-TW" sz="2000" dirty="0">
-              <a:latin typeface="Times New Roman" panose="02020603050405020304" pitchFamily="18" charset="0"/>
-              <a:ea typeface="標楷體" panose="03000509000000000000" pitchFamily="65" charset="-120"/>
-            </a:endParaRPr>
-          </a:p>
-          <a:p>
-            <a:pPr marL="285750" lvl="1" indent="-285750"/>
-            <a:r>
-              <a:rPr lang="en-US" altLang="zh-TW" sz="2000" dirty="0">
-                <a:latin typeface="Times New Roman" panose="02020603050405020304" pitchFamily="18" charset="0"/>
-                <a:ea typeface="標楷體" panose="03000509000000000000" pitchFamily="65" charset="-120"/>
-              </a:rPr>
-              <a:t>N02-Architecture</a:t>
-            </a:r>
-          </a:p>
-          <a:p>
-            <a:pPr marL="285750" lvl="1" indent="-285750"/>
-            <a:r>
-              <a:rPr lang="en-US" altLang="zh-TW" sz="2000" dirty="0">
-                <a:latin typeface="Times New Roman" panose="02020603050405020304" pitchFamily="18" charset="0"/>
-                <a:ea typeface="標楷體" panose="03000509000000000000" pitchFamily="65" charset="-120"/>
-              </a:rPr>
-              <a:t>N06-Demo&amp;ppt</a:t>
-            </a:r>
-          </a:p>
-          <a:p>
-            <a:pPr marL="285750" lvl="1" indent="-285750"/>
-            <a:endParaRPr lang="en-US" altLang="zh-TW" sz="2000" dirty="0">
-              <a:latin typeface="Times New Roman" panose="02020603050405020304" pitchFamily="18" charset="0"/>
-              <a:ea typeface="標楷體" panose="03000509000000000000" pitchFamily="65" charset="-120"/>
-            </a:endParaRPr>
-          </a:p>
-        </p:txBody>
-      </p:sp>
-      <p:sp>
-        <p:nvSpPr>
-          <p:cNvPr id="6" name="矩形 5">
-            <a:extLst>
-              <a:ext uri="{FF2B5EF4-FFF2-40B4-BE49-F238E27FC236}">
-                <a16:creationId xmlns:a16="http://schemas.microsoft.com/office/drawing/2014/main" id="{1C382610-EE97-421B-BB15-05C940BF4AD3}"/>
-              </a:ext>
-            </a:extLst>
-          </p:cNvPr>
-          <p:cNvSpPr/>
-          <p:nvPr/>
-        </p:nvSpPr>
-        <p:spPr>
-          <a:xfrm>
-            <a:off x="4747582" y="1669363"/>
-            <a:ext cx="1134166" cy="228289"/>
-          </a:xfrm>
-          <a:prstGeom prst="rect">
-            <a:avLst/>
-          </a:prstGeom>
-          <a:noFill/>
-          <a:ln w="28575">
-            <a:solidFill>
-              <a:srgbClr val="FF0000"/>
-            </a:solidFill>
-          </a:ln>
-        </p:spPr>
-        <p:style>
-          <a:lnRef idx="2">
-            <a:schemeClr val="accent1">
-              <a:shade val="50000"/>
-            </a:schemeClr>
-          </a:lnRef>
-          <a:fillRef idx="1">
-            <a:schemeClr val="accent1"/>
-          </a:fillRef>
-          <a:effectRef idx="0">
-            <a:schemeClr val="accent1"/>
-          </a:effectRef>
-          <a:fontRef idx="minor">
-            <a:schemeClr val="lt1"/>
-          </a:fontRef>
-        </p:style>
-        <p:txBody>
-          <a:bodyPr rtlCol="0" anchor="ctr"/>
-          <a:lstStyle/>
-          <a:p>
-            <a:pPr algn="ctr"/>
-            <a:endParaRPr lang="zh-TW" altLang="en-US" dirty="0">
-              <a:noFill/>
-            </a:endParaRPr>
-          </a:p>
-        </p:txBody>
-      </p:sp>
-    </p:spTree>
-    <p:extLst>
-      <p:ext uri="{BB962C8B-B14F-4D97-AF65-F5344CB8AC3E}">
-        <p14:creationId xmlns:p14="http://schemas.microsoft.com/office/powerpoint/2010/main" val="3556275576"/>
-      </p:ext>
-    </p:extLst>
-  </p:cSld>
-  <p:clrMapOvr>
-    <a:masterClrMapping/>
-  </p:clrMapOvr>
-</p:sld>
-</file>
-
-<file path=ppt/slides/slide20.xml><?xml version="1.0" encoding="utf-8"?>
-<p:sld xmlns:a="http://schemas.openxmlformats.org/drawingml/2006/main" xmlns:r="http://schemas.openxmlformats.org/officeDocument/2006/relationships" xmlns:p="http://schemas.openxmlformats.org/presentationml/2006/main">
-  <p:cSld>
-    <p:spTree>
-      <p:nvGrpSpPr>
-        <p:cNvPr id="1" name=""/>
-        <p:cNvGrpSpPr/>
-        <p:nvPr/>
-      </p:nvGrpSpPr>
-      <p:grpSpPr>
-        <a:xfrm>
-          <a:off x="0" y="0"/>
-          <a:ext cx="0" cy="0"/>
-          <a:chOff x="0" y="0"/>
-          <a:chExt cx="0" cy="0"/>
-        </a:xfrm>
-      </p:grpSpPr>
-      <p:sp>
-        <p:nvSpPr>
-          <p:cNvPr id="2" name="標題 2">
-            <a:extLst>
-              <a:ext uri="{FF2B5EF4-FFF2-40B4-BE49-F238E27FC236}">
-                <a16:creationId xmlns:a16="http://schemas.microsoft.com/office/drawing/2014/main" id="{D83F534B-C865-43D4-8E4B-B5AF82C94365}"/>
-              </a:ext>
-            </a:extLst>
-          </p:cNvPr>
-          <p:cNvSpPr>
-            <a:spLocks noGrp="1"/>
-          </p:cNvSpPr>
-          <p:nvPr>
-            <p:ph type="title"/>
-          </p:nvPr>
-        </p:nvSpPr>
-        <p:spPr>
-          <a:xfrm>
-            <a:off x="838200" y="365125"/>
-            <a:ext cx="10515600" cy="720000"/>
-          </a:xfrm>
-        </p:spPr>
-        <p:txBody>
-          <a:bodyPr>
-            <a:noAutofit/>
-          </a:bodyPr>
-          <a:lstStyle/>
-          <a:p>
-            <a:r>
-              <a:rPr lang="zh-TW" altLang="en-US" sz="3200" dirty="0"/>
-              <a:t>成果展示 </a:t>
-            </a:r>
-            <a:r>
-              <a:rPr lang="en-US" altLang="zh-TW" sz="3200" dirty="0"/>
-              <a:t>–</a:t>
-            </a:r>
-            <a:r>
-              <a:rPr lang="zh-TW" altLang="en-US" sz="3200" dirty="0">
-                <a:latin typeface="標楷體" panose="03000509000000000000" pitchFamily="65" charset="-120"/>
-              </a:rPr>
-              <a:t>波形模擬以圖形輸出</a:t>
-            </a:r>
-            <a:endParaRPr lang="zh-TW" altLang="en-US" sz="3200" dirty="0"/>
-          </a:p>
-        </p:txBody>
-      </p:sp>
-      <p:sp>
-        <p:nvSpPr>
-          <p:cNvPr id="3" name="文字方塊 2">
-            <a:extLst>
-              <a:ext uri="{FF2B5EF4-FFF2-40B4-BE49-F238E27FC236}">
-                <a16:creationId xmlns:a16="http://schemas.microsoft.com/office/drawing/2014/main" id="{6043862E-4499-44A8-B0D0-FD672965D609}"/>
-              </a:ext>
-            </a:extLst>
-          </p:cNvPr>
-          <p:cNvSpPr txBox="1"/>
-          <p:nvPr/>
-        </p:nvSpPr>
-        <p:spPr>
-          <a:xfrm>
-            <a:off x="1463152" y="1298340"/>
-            <a:ext cx="8657392" cy="1200329"/>
-          </a:xfrm>
-          <a:prstGeom prst="rect">
-            <a:avLst/>
-          </a:prstGeom>
-          <a:noFill/>
-        </p:spPr>
-        <p:txBody>
-          <a:bodyPr wrap="square">
-            <a:spAutoFit/>
-          </a:bodyPr>
-          <a:lstStyle/>
-          <a:p>
-            <a:pPr marL="285750" indent="-285750">
-              <a:buFont typeface="Arial" panose="020B0604020202020204" pitchFamily="34" charset="0"/>
-              <a:buChar char="•"/>
-            </a:pPr>
-            <a:r>
-              <a:rPr lang="zh-TW" altLang="en-US" dirty="0">
-                <a:latin typeface="標楷體" panose="03000509000000000000" pitchFamily="65" charset="-120"/>
-                <a:ea typeface="標楷體" panose="03000509000000000000" pitchFamily="65" charset="-120"/>
-              </a:rPr>
-              <a:t>將圖型波形以 </a:t>
-            </a:r>
-            <a:r>
-              <a:rPr lang="en-US" altLang="zh-TW" dirty="0">
-                <a:latin typeface="Times New Roman" panose="02020603050405020304" pitchFamily="18" charset="0"/>
-                <a:ea typeface="Tahoma" panose="020B0604030504040204" pitchFamily="34" charset="0"/>
-              </a:rPr>
-              <a:t>use </a:t>
-            </a:r>
-            <a:r>
-              <a:rPr lang="en-US" altLang="zh-TW" dirty="0" err="1">
-                <a:latin typeface="Times New Roman" panose="02020603050405020304" pitchFamily="18" charset="0"/>
-                <a:ea typeface="Tahoma" panose="020B0604030504040204" pitchFamily="34" charset="0"/>
-              </a:rPr>
-              <a:t>STD.textio.ALL</a:t>
-            </a:r>
-            <a:r>
-              <a:rPr lang="zh-TW" altLang="en-US" dirty="0">
-                <a:latin typeface="標楷體" panose="03000509000000000000" pitchFamily="65" charset="-120"/>
-                <a:ea typeface="標楷體" panose="03000509000000000000" pitchFamily="65" charset="-120"/>
-              </a:rPr>
-              <a:t>程式庫裡的函式，打印波形訊號至指定文件檔</a:t>
-            </a:r>
-            <a:r>
-              <a:rPr lang="en-US" altLang="zh-TW" dirty="0">
-                <a:latin typeface="標楷體" panose="03000509000000000000" pitchFamily="65" charset="-120"/>
-                <a:ea typeface="標楷體" panose="03000509000000000000" pitchFamily="65" charset="-120"/>
-              </a:rPr>
-              <a:t>(</a:t>
-            </a:r>
-            <a:r>
-              <a:rPr lang="en-US" altLang="zh-TW" dirty="0">
-                <a:latin typeface="Times New Roman" panose="02020603050405020304" pitchFamily="18" charset="0"/>
-                <a:ea typeface="標楷體" panose="03000509000000000000" pitchFamily="65" charset="-120"/>
-                <a:cs typeface="Times New Roman" panose="02020603050405020304" pitchFamily="18" charset="0"/>
-              </a:rPr>
-              <a:t>txt</a:t>
-            </a:r>
-            <a:r>
-              <a:rPr lang="en-US" altLang="zh-TW" dirty="0">
-                <a:latin typeface="標楷體" panose="03000509000000000000" pitchFamily="65" charset="-120"/>
-                <a:ea typeface="標楷體" panose="03000509000000000000" pitchFamily="65" charset="-120"/>
-              </a:rPr>
-              <a:t>)</a:t>
-            </a:r>
-          </a:p>
-          <a:p>
-            <a:pPr marL="742950" lvl="1" indent="-285750">
-              <a:buFont typeface="Arial" panose="020B0604020202020204" pitchFamily="34" charset="0"/>
-              <a:buChar char="•"/>
-            </a:pPr>
-            <a:r>
-              <a:rPr lang="zh-TW" altLang="en-US" dirty="0">
-                <a:latin typeface="標楷體" panose="03000509000000000000" pitchFamily="65" charset="-120"/>
-                <a:ea typeface="標楷體" panose="03000509000000000000" pitchFamily="65" charset="-120"/>
-              </a:rPr>
-              <a:t>撰寫</a:t>
-            </a:r>
-            <a:r>
-              <a:rPr lang="en-US" altLang="zh-TW" dirty="0">
-                <a:latin typeface="Times New Roman" panose="02020603050405020304" pitchFamily="18" charset="0"/>
-                <a:ea typeface="標楷體" panose="03000509000000000000" pitchFamily="65" charset="-120"/>
-              </a:rPr>
-              <a:t>python</a:t>
-            </a:r>
-            <a:r>
-              <a:rPr lang="zh-TW" altLang="en-US" dirty="0">
-                <a:latin typeface="標楷體" panose="03000509000000000000" pitchFamily="65" charset="-120"/>
-                <a:ea typeface="標楷體" panose="03000509000000000000" pitchFamily="65" charset="-120"/>
-              </a:rPr>
-              <a:t>檔將波形訊號</a:t>
-            </a:r>
-            <a:r>
-              <a:rPr lang="en-US" altLang="zh-TW" dirty="0">
-                <a:latin typeface="標楷體" panose="03000509000000000000" pitchFamily="65" charset="-120"/>
-                <a:ea typeface="標楷體" panose="03000509000000000000" pitchFamily="65" charset="-120"/>
-              </a:rPr>
-              <a:t>(</a:t>
-            </a:r>
-            <a:r>
-              <a:rPr lang="en-US" altLang="zh-TW" dirty="0">
-                <a:latin typeface="Times New Roman" panose="02020603050405020304" pitchFamily="18" charset="0"/>
-                <a:ea typeface="標楷體" panose="03000509000000000000" pitchFamily="65" charset="-120"/>
-                <a:cs typeface="Times New Roman" panose="02020603050405020304" pitchFamily="18" charset="0"/>
-              </a:rPr>
-              <a:t>txt</a:t>
-            </a:r>
-            <a:r>
-              <a:rPr lang="en-US" altLang="zh-TW" dirty="0">
-                <a:latin typeface="標楷體" panose="03000509000000000000" pitchFamily="65" charset="-120"/>
-                <a:ea typeface="標楷體" panose="03000509000000000000" pitchFamily="65" charset="-120"/>
-              </a:rPr>
-              <a:t>)</a:t>
-            </a:r>
-            <a:r>
-              <a:rPr lang="zh-TW" altLang="en-US" dirty="0">
-                <a:latin typeface="標楷體" panose="03000509000000000000" pitchFamily="65" charset="-120"/>
-                <a:ea typeface="標楷體" panose="03000509000000000000" pitchFamily="65" charset="-120"/>
-              </a:rPr>
-              <a:t>重組成圖片</a:t>
-            </a:r>
-            <a:r>
-              <a:rPr lang="en-US" altLang="zh-TW" dirty="0">
-                <a:latin typeface="標楷體" panose="03000509000000000000" pitchFamily="65" charset="-120"/>
-                <a:ea typeface="標楷體" panose="03000509000000000000" pitchFamily="65" charset="-120"/>
-              </a:rPr>
-              <a:t>(</a:t>
-            </a:r>
-            <a:r>
-              <a:rPr lang="en-US" altLang="zh-TW" dirty="0" err="1">
-                <a:latin typeface="Times New Roman" panose="02020603050405020304" pitchFamily="18" charset="0"/>
-                <a:ea typeface="標楷體" panose="03000509000000000000" pitchFamily="65" charset="-120"/>
-              </a:rPr>
-              <a:t>png</a:t>
-            </a:r>
-            <a:r>
-              <a:rPr lang="en-US" altLang="zh-TW" dirty="0">
-                <a:latin typeface="標楷體" panose="03000509000000000000" pitchFamily="65" charset="-120"/>
-                <a:ea typeface="標楷體" panose="03000509000000000000" pitchFamily="65" charset="-120"/>
-              </a:rPr>
-              <a:t>)</a:t>
-            </a:r>
-          </a:p>
-          <a:p>
-            <a:pPr marL="285750" indent="-285750">
-              <a:buFont typeface="Arial" panose="020B0604020202020204" pitchFamily="34" charset="0"/>
-              <a:buChar char="•"/>
-            </a:pPr>
-            <a:endParaRPr lang="en-US" altLang="zh-TW" dirty="0">
-              <a:latin typeface="Times New Roman" panose="02020603050405020304" pitchFamily="18" charset="0"/>
-              <a:ea typeface="Tahoma" panose="020B0604030504040204" pitchFamily="34" charset="0"/>
-            </a:endParaRPr>
-          </a:p>
-        </p:txBody>
-      </p:sp>
-      <p:sp>
-        <p:nvSpPr>
-          <p:cNvPr id="5" name="文字方塊 4">
-            <a:extLst>
-              <a:ext uri="{FF2B5EF4-FFF2-40B4-BE49-F238E27FC236}">
-                <a16:creationId xmlns:a16="http://schemas.microsoft.com/office/drawing/2014/main" id="{665A5E92-659A-436D-A26E-02FCA809CF84}"/>
-              </a:ext>
-            </a:extLst>
-          </p:cNvPr>
-          <p:cNvSpPr txBox="1"/>
-          <p:nvPr/>
-        </p:nvSpPr>
-        <p:spPr>
-          <a:xfrm>
-            <a:off x="1180034" y="5791239"/>
-            <a:ext cx="2339092" cy="369332"/>
-          </a:xfrm>
-          <a:prstGeom prst="rect">
-            <a:avLst/>
-          </a:prstGeom>
-          <a:noFill/>
-        </p:spPr>
-        <p:txBody>
-          <a:bodyPr wrap="square">
-            <a:spAutoFit/>
-          </a:bodyPr>
-          <a:lstStyle/>
-          <a:p>
-            <a:r>
-              <a:rPr lang="zh-TW" altLang="en-US" dirty="0">
-                <a:latin typeface="標楷體" panose="03000509000000000000" pitchFamily="65" charset="-120"/>
-                <a:ea typeface="標楷體" panose="03000509000000000000" pitchFamily="65" charset="-120"/>
-              </a:rPr>
-              <a:t>圖</a:t>
-            </a:r>
-            <a:r>
-              <a:rPr lang="en-US" altLang="zh-TW" dirty="0">
-                <a:latin typeface="標楷體" panose="03000509000000000000" pitchFamily="65" charset="-120"/>
-                <a:ea typeface="標楷體" panose="03000509000000000000" pitchFamily="65" charset="-120"/>
-              </a:rPr>
-              <a:t>2.</a:t>
-            </a:r>
-            <a:r>
-              <a:rPr lang="en-US" altLang="zh-TW" dirty="0">
-                <a:latin typeface="Times New Roman" panose="02020603050405020304" pitchFamily="18" charset="0"/>
-                <a:ea typeface="標楷體" panose="03000509000000000000" pitchFamily="65" charset="-120"/>
-              </a:rPr>
-              <a:t>VGA_TB.vhd</a:t>
-            </a:r>
-            <a:endParaRPr lang="zh-TW" altLang="en-US" dirty="0">
-              <a:latin typeface="標楷體" panose="03000509000000000000" pitchFamily="65" charset="-120"/>
-              <a:ea typeface="標楷體" panose="03000509000000000000" pitchFamily="65" charset="-120"/>
-            </a:endParaRPr>
-          </a:p>
-        </p:txBody>
-      </p:sp>
-    </p:spTree>
-    <p:extLst>
-      <p:ext uri="{BB962C8B-B14F-4D97-AF65-F5344CB8AC3E}">
-        <p14:creationId xmlns:p14="http://schemas.microsoft.com/office/powerpoint/2010/main" val="1182708771"/>
-      </p:ext>
-    </p:extLst>
-  </p:cSld>
-  <p:clrMapOvr>
-    <a:masterClrMapping/>
-  </p:clrMapOvr>
-</p:sld>
-</file>
-
-<file path=ppt/slides/slide21.xml><?xml version="1.0" encoding="utf-8"?>
-<p:sld xmlns:a="http://schemas.openxmlformats.org/drawingml/2006/main" xmlns:r="http://schemas.openxmlformats.org/officeDocument/2006/relationships" xmlns:p="http://schemas.openxmlformats.org/presentationml/2006/main">
-  <p:cSld>
-    <p:spTree>
-      <p:nvGrpSpPr>
-        <p:cNvPr id="1" name=""/>
-        <p:cNvGrpSpPr/>
-        <p:nvPr/>
-      </p:nvGrpSpPr>
-      <p:grpSpPr>
-        <a:xfrm>
-          <a:off x="0" y="0"/>
-          <a:ext cx="0" cy="0"/>
-          <a:chOff x="0" y="0"/>
-          <a:chExt cx="0" cy="0"/>
-        </a:xfrm>
-      </p:grpSpPr>
-      <p:sp>
-        <p:nvSpPr>
-          <p:cNvPr id="2" name="標題 2">
-            <a:extLst>
-              <a:ext uri="{FF2B5EF4-FFF2-40B4-BE49-F238E27FC236}">
-                <a16:creationId xmlns:a16="http://schemas.microsoft.com/office/drawing/2014/main" id="{D83F534B-C865-43D4-8E4B-B5AF82C94365}"/>
-              </a:ext>
-            </a:extLst>
-          </p:cNvPr>
-          <p:cNvSpPr>
-            <a:spLocks noGrp="1"/>
-          </p:cNvSpPr>
-          <p:nvPr>
-            <p:ph type="title"/>
-          </p:nvPr>
-        </p:nvSpPr>
-        <p:spPr>
-          <a:xfrm>
-            <a:off x="838200" y="365125"/>
-            <a:ext cx="10515600" cy="720000"/>
-          </a:xfrm>
-        </p:spPr>
-        <p:txBody>
-          <a:bodyPr>
-            <a:noAutofit/>
-          </a:bodyPr>
-          <a:lstStyle/>
-          <a:p>
-            <a:r>
-              <a:rPr lang="zh-TW" altLang="en-US" sz="3200" dirty="0"/>
-              <a:t>成果展示 </a:t>
-            </a:r>
-            <a:r>
-              <a:rPr lang="en-US" altLang="zh-TW" sz="3200" dirty="0"/>
-              <a:t>– Sobel</a:t>
-            </a:r>
-            <a:r>
-              <a:rPr lang="zh-TW" altLang="en-US" sz="3200" dirty="0">
-                <a:latin typeface="標楷體" panose="03000509000000000000" pitchFamily="65" charset="-120"/>
-              </a:rPr>
-              <a:t>波形模擬轉圖片</a:t>
-            </a:r>
-            <a:endParaRPr lang="zh-TW" altLang="en-US" sz="3200" dirty="0"/>
-          </a:p>
-        </p:txBody>
-      </p:sp>
-      <p:sp>
-        <p:nvSpPr>
-          <p:cNvPr id="3" name="文字方塊 2">
-            <a:extLst>
-              <a:ext uri="{FF2B5EF4-FFF2-40B4-BE49-F238E27FC236}">
-                <a16:creationId xmlns:a16="http://schemas.microsoft.com/office/drawing/2014/main" id="{6043862E-4499-44A8-B0D0-FD672965D609}"/>
-              </a:ext>
-            </a:extLst>
-          </p:cNvPr>
-          <p:cNvSpPr txBox="1"/>
-          <p:nvPr/>
-        </p:nvSpPr>
-        <p:spPr>
-          <a:xfrm>
-            <a:off x="1622950" y="1413749"/>
-            <a:ext cx="6872979" cy="646331"/>
-          </a:xfrm>
-          <a:prstGeom prst="rect">
-            <a:avLst/>
-          </a:prstGeom>
-          <a:noFill/>
-        </p:spPr>
-        <p:txBody>
-          <a:bodyPr wrap="square">
-            <a:spAutoFit/>
-          </a:bodyPr>
-          <a:lstStyle/>
-          <a:p>
-            <a:pPr marL="285750" indent="-285750">
-              <a:buFont typeface="Arial" panose="020B0604020202020204" pitchFamily="34" charset="0"/>
-              <a:buChar char="•"/>
-            </a:pPr>
-            <a:r>
-              <a:rPr lang="zh-TW" altLang="en-US" dirty="0">
-                <a:latin typeface="標楷體" panose="03000509000000000000" pitchFamily="65" charset="-120"/>
-                <a:ea typeface="標楷體" panose="03000509000000000000" pitchFamily="65" charset="-120"/>
-              </a:rPr>
-              <a:t>波形模擬結果轉圖片輸出</a:t>
-            </a:r>
-            <a:r>
-              <a:rPr lang="en-US" altLang="zh-TW" dirty="0">
-                <a:latin typeface="標楷體" panose="03000509000000000000" pitchFamily="65" charset="-120"/>
-                <a:ea typeface="標楷體" panose="03000509000000000000" pitchFamily="65" charset="-120"/>
-              </a:rPr>
-              <a:t>:</a:t>
-            </a:r>
-          </a:p>
-          <a:p>
-            <a:pPr marL="742950" lvl="1" indent="-285750">
-              <a:buFont typeface="Arial" panose="020B0604020202020204" pitchFamily="34" charset="0"/>
-              <a:buChar char="•"/>
-            </a:pPr>
-            <a:r>
-              <a:rPr lang="zh-TW" altLang="en-US" dirty="0">
-                <a:latin typeface="標楷體" panose="03000509000000000000" pitchFamily="65" charset="-120"/>
-                <a:ea typeface="標楷體" panose="03000509000000000000" pitchFamily="65" charset="-120"/>
-              </a:rPr>
-              <a:t>單元測試</a:t>
-            </a:r>
-            <a:r>
-              <a:rPr lang="en-US" altLang="zh-TW" dirty="0">
-                <a:latin typeface="標楷體" panose="03000509000000000000" pitchFamily="65" charset="-120"/>
-                <a:ea typeface="標楷體" panose="03000509000000000000" pitchFamily="65" charset="-120"/>
-              </a:rPr>
-              <a:t>: </a:t>
-            </a:r>
-            <a:r>
-              <a:rPr lang="en-US" altLang="zh-TW" dirty="0">
-                <a:latin typeface="Times New Roman" panose="02020603050405020304" pitchFamily="18" charset="0"/>
-                <a:ea typeface="標楷體" panose="03000509000000000000" pitchFamily="65" charset="-120"/>
-                <a:cs typeface="Times New Roman" panose="02020603050405020304" pitchFamily="18" charset="0"/>
-              </a:rPr>
-              <a:t>Sobel</a:t>
-            </a:r>
-          </a:p>
-        </p:txBody>
-      </p:sp>
-      <p:sp>
-        <p:nvSpPr>
-          <p:cNvPr id="8" name="文字方塊 7">
-            <a:extLst>
-              <a:ext uri="{FF2B5EF4-FFF2-40B4-BE49-F238E27FC236}">
-                <a16:creationId xmlns:a16="http://schemas.microsoft.com/office/drawing/2014/main" id="{98BED391-0C65-4522-8C3A-B907468F915C}"/>
-              </a:ext>
-            </a:extLst>
-          </p:cNvPr>
-          <p:cNvSpPr txBox="1"/>
-          <p:nvPr/>
-        </p:nvSpPr>
-        <p:spPr>
-          <a:xfrm>
-            <a:off x="2616513" y="5760259"/>
-            <a:ext cx="3479487" cy="369332"/>
-          </a:xfrm>
-          <a:prstGeom prst="rect">
-            <a:avLst/>
-          </a:prstGeom>
-          <a:noFill/>
-        </p:spPr>
-        <p:txBody>
-          <a:bodyPr wrap="square">
-            <a:spAutoFit/>
-          </a:bodyPr>
-          <a:lstStyle/>
-          <a:p>
-            <a:r>
-              <a:rPr lang="zh-TW" altLang="en-US" dirty="0">
-                <a:latin typeface="標楷體" panose="03000509000000000000" pitchFamily="65" charset="-120"/>
-                <a:ea typeface="標楷體" panose="03000509000000000000" pitchFamily="65" charset="-120"/>
-              </a:rPr>
-              <a:t>圖</a:t>
-            </a:r>
-            <a:r>
-              <a:rPr lang="en-US" altLang="zh-TW" dirty="0">
-                <a:latin typeface="標楷體" panose="03000509000000000000" pitchFamily="65" charset="-120"/>
-                <a:ea typeface="標楷體" panose="03000509000000000000" pitchFamily="65" charset="-120"/>
-              </a:rPr>
-              <a:t>3.</a:t>
-            </a:r>
-            <a:r>
-              <a:rPr lang="en-US" altLang="zh-TW" sz="1800" dirty="0"/>
-              <a:t> Sobel.png</a:t>
-            </a:r>
-          </a:p>
-        </p:txBody>
-      </p:sp>
-    </p:spTree>
-    <p:extLst>
-      <p:ext uri="{BB962C8B-B14F-4D97-AF65-F5344CB8AC3E}">
-        <p14:creationId xmlns:p14="http://schemas.microsoft.com/office/powerpoint/2010/main" val="2515802982"/>
-      </p:ext>
-    </p:extLst>
-  </p:cSld>
-  <p:clrMapOvr>
-    <a:masterClrMapping/>
-  </p:clrMapOvr>
-</p:sld>
-</file>
-
 <file path=ppt/slides/slide22.xml><?xml version="1.0" encoding="utf-8"?>
 <p:sld xmlns:a="http://schemas.openxmlformats.org/drawingml/2006/main" xmlns:r="http://schemas.openxmlformats.org/officeDocument/2006/relationships" xmlns:p="http://schemas.openxmlformats.org/presentationml/2006/main">
   <p:cSld>
@@ -10899,6 +11132,387 @@
       </p:grpSpPr>
       <p:sp>
         <p:nvSpPr>
+          <p:cNvPr id="2" name="內容版面配置區 1"/>
+          <p:cNvSpPr>
+            <a:spLocks noGrp="1"/>
+          </p:cNvSpPr>
+          <p:nvPr>
+            <p:ph idx="1"/>
+          </p:nvPr>
+        </p:nvSpPr>
+        <p:spPr>
+          <a:xfrm>
+            <a:off x="848710" y="1193967"/>
+            <a:ext cx="10515600" cy="5037776"/>
+          </a:xfrm>
+        </p:spPr>
+        <p:txBody>
+          <a:bodyPr>
+            <a:normAutofit/>
+          </a:bodyPr>
+          <a:lstStyle/>
+          <a:p>
+            <a:pPr marL="914400" lvl="3" indent="0">
+              <a:buNone/>
+            </a:pPr>
+            <a:endParaRPr lang="en-US" altLang="zh-TW" sz="1800" dirty="0"/>
+          </a:p>
+          <a:p>
+            <a:pPr marL="914400" lvl="3" indent="0">
+              <a:buNone/>
+            </a:pPr>
+            <a:endParaRPr lang="en-US" altLang="zh-TW" sz="1800" dirty="0"/>
+          </a:p>
+          <a:p>
+            <a:pPr marL="999000" lvl="2" indent="0">
+              <a:buNone/>
+            </a:pPr>
+            <a:r>
+              <a:rPr lang="zh-TW" altLang="en-US" sz="1800" b="1" dirty="0">
+                <a:latin typeface="標楷體" panose="03000509000000000000" pitchFamily="65" charset="-120"/>
+              </a:rPr>
+              <a:t>六月：</a:t>
+            </a:r>
+            <a:endParaRPr lang="en-US" altLang="zh-TW" sz="1800" b="1" dirty="0">
+              <a:solidFill>
+                <a:schemeClr val="accent6">
+                  <a:lumMod val="75000"/>
+                </a:schemeClr>
+              </a:solidFill>
+              <a:latin typeface="標楷體" panose="03000509000000000000" pitchFamily="65" charset="-120"/>
+            </a:endParaRPr>
+          </a:p>
+          <a:p>
+            <a:pPr lvl="2" fontAlgn="base"/>
+            <a:r>
+              <a:rPr lang="en-US" altLang="zh-TW" sz="1800" dirty="0">
+                <a:solidFill>
+                  <a:schemeClr val="accent6">
+                    <a:lumMod val="75000"/>
+                  </a:schemeClr>
+                </a:solidFill>
+                <a:latin typeface="Times New Roman" panose="02020603050405020304" pitchFamily="18" charset="0"/>
+                <a:ea typeface="標楷體" panose="03000509000000000000" pitchFamily="65" charset="-120"/>
+                <a:cs typeface="Times New Roman" panose="02020603050405020304" pitchFamily="18" charset="0"/>
+              </a:rPr>
+              <a:t>2023/6/28~2023/7/4:</a:t>
+            </a:r>
+          </a:p>
+          <a:p>
+            <a:pPr lvl="2" fontAlgn="base"/>
+            <a:r>
+              <a:rPr lang="en-US" altLang="zh-TW" sz="1800" dirty="0"/>
+              <a:t>Harris</a:t>
+            </a:r>
+          </a:p>
+          <a:p>
+            <a:pPr lvl="3" fontAlgn="base"/>
+            <a:r>
+              <a:rPr lang="en-US" altLang="zh-TW" sz="1800" dirty="0" err="1">
+                <a:latin typeface="Times New Roman" panose="02020603050405020304" pitchFamily="18" charset="0"/>
+                <a:ea typeface="標楷體" panose="03000509000000000000" pitchFamily="65" charset="-120"/>
+                <a:cs typeface="Times New Roman" panose="02020603050405020304" pitchFamily="18" charset="0"/>
+              </a:rPr>
+              <a:t>HDL_Corner_Algorithm</a:t>
+            </a:r>
+            <a:r>
+              <a:rPr lang="en-US" altLang="zh-TW" sz="1800" dirty="0">
+                <a:latin typeface="Times New Roman" panose="02020603050405020304" pitchFamily="18" charset="0"/>
+                <a:ea typeface="標楷體" panose="03000509000000000000" pitchFamily="65" charset="-120"/>
+                <a:cs typeface="Times New Roman" panose="02020603050405020304" pitchFamily="18" charset="0"/>
+              </a:rPr>
+              <a:t> </a:t>
+            </a:r>
+            <a:r>
+              <a:rPr lang="zh-TW" altLang="en-US" sz="1800" dirty="0">
+                <a:latin typeface="Times New Roman" panose="02020603050405020304" pitchFamily="18" charset="0"/>
+                <a:ea typeface="標楷體" panose="03000509000000000000" pitchFamily="65" charset="-120"/>
+                <a:cs typeface="Times New Roman" panose="02020603050405020304" pitchFamily="18" charset="0"/>
+              </a:rPr>
+              <a:t>波型模擬</a:t>
+            </a:r>
+            <a:endParaRPr lang="en-US" altLang="zh-TW" sz="1800" dirty="0">
+              <a:latin typeface="Times New Roman" panose="02020603050405020304" pitchFamily="18" charset="0"/>
+              <a:ea typeface="標楷體" panose="03000509000000000000" pitchFamily="65" charset="-120"/>
+              <a:cs typeface="Times New Roman" panose="02020603050405020304" pitchFamily="18" charset="0"/>
+            </a:endParaRPr>
+          </a:p>
+          <a:p>
+            <a:pPr lvl="3" fontAlgn="base"/>
+            <a:r>
+              <a:rPr lang="en-US" altLang="zh-TW" sz="1800" dirty="0">
+                <a:latin typeface="Times New Roman" panose="02020603050405020304" pitchFamily="18" charset="0"/>
+                <a:ea typeface="標楷體" panose="03000509000000000000" pitchFamily="65" charset="-120"/>
+                <a:cs typeface="Times New Roman" panose="02020603050405020304" pitchFamily="18" charset="0"/>
+              </a:rPr>
+              <a:t>BRAM(640x480) + </a:t>
+            </a:r>
+            <a:r>
+              <a:rPr lang="en-US" altLang="zh-TW" sz="1800" dirty="0" err="1">
+                <a:latin typeface="Times New Roman" panose="02020603050405020304" pitchFamily="18" charset="0"/>
+                <a:ea typeface="標楷體" panose="03000509000000000000" pitchFamily="65" charset="-120"/>
+                <a:cs typeface="Times New Roman" panose="02020603050405020304" pitchFamily="18" charset="0"/>
+              </a:rPr>
+              <a:t>HDL_Corner_Algorithm</a:t>
+            </a:r>
+            <a:r>
+              <a:rPr lang="zh-TW" altLang="en-US" sz="1800" dirty="0">
+                <a:latin typeface="Times New Roman" panose="02020603050405020304" pitchFamily="18" charset="0"/>
+                <a:ea typeface="標楷體" panose="03000509000000000000" pitchFamily="65" charset="-120"/>
+                <a:cs typeface="Times New Roman" panose="02020603050405020304" pitchFamily="18" charset="0"/>
+              </a:rPr>
+              <a:t> 波形</a:t>
+            </a:r>
+            <a:endParaRPr lang="en-US" altLang="zh-TW" sz="1800" dirty="0">
+              <a:latin typeface="Times New Roman" panose="02020603050405020304" pitchFamily="18" charset="0"/>
+              <a:ea typeface="標楷體" panose="03000509000000000000" pitchFamily="65" charset="-120"/>
+              <a:cs typeface="Times New Roman" panose="02020603050405020304" pitchFamily="18" charset="0"/>
+            </a:endParaRPr>
+          </a:p>
+          <a:p>
+            <a:pPr lvl="3" fontAlgn="base"/>
+            <a:r>
+              <a:rPr lang="en-US" altLang="zh-TW" sz="1800" dirty="0" err="1">
+                <a:cs typeface="Times New Roman" panose="02020603050405020304" pitchFamily="18" charset="0"/>
+              </a:rPr>
+              <a:t>Harris_warpper</a:t>
+            </a:r>
+            <a:r>
+              <a:rPr lang="en-US" altLang="zh-TW" sz="1800" dirty="0">
+                <a:cs typeface="Times New Roman" panose="02020603050405020304" pitchFamily="18" charset="0"/>
+              </a:rPr>
+              <a:t> + </a:t>
+            </a:r>
+            <a:r>
+              <a:rPr lang="en-US" altLang="zh-TW" sz="1800" dirty="0" err="1">
+                <a:cs typeface="Times New Roman" panose="02020603050405020304" pitchFamily="18" charset="0"/>
+              </a:rPr>
+              <a:t>VGA_out</a:t>
+            </a:r>
+            <a:r>
+              <a:rPr lang="en-US" altLang="zh-TW" sz="1800" dirty="0">
+                <a:cs typeface="Times New Roman" panose="02020603050405020304" pitchFamily="18" charset="0"/>
+              </a:rPr>
+              <a:t> </a:t>
+            </a:r>
+            <a:r>
+              <a:rPr lang="zh-TW" altLang="en-US" sz="1800" dirty="0">
+                <a:latin typeface="標楷體" panose="03000509000000000000" pitchFamily="65" charset="-120"/>
+                <a:ea typeface="標楷體" panose="03000509000000000000" pitchFamily="65" charset="-120"/>
+              </a:rPr>
+              <a:t>燒錄，以</a:t>
+            </a:r>
+            <a:r>
+              <a:rPr lang="en-US" altLang="zh-TW" sz="1800" dirty="0">
+                <a:cs typeface="Times New Roman" panose="02020603050405020304" pitchFamily="18" charset="0"/>
+              </a:rPr>
+              <a:t>VGA</a:t>
+            </a:r>
+            <a:r>
+              <a:rPr lang="zh-TW" altLang="en-US" sz="1800" dirty="0">
+                <a:latin typeface="標楷體" panose="03000509000000000000" pitchFamily="65" charset="-120"/>
+                <a:ea typeface="標楷體" panose="03000509000000000000" pitchFamily="65" charset="-120"/>
+              </a:rPr>
+              <a:t>畫面驗證</a:t>
+            </a:r>
+            <a:endParaRPr lang="en-US" altLang="zh-TW" sz="1800" dirty="0">
+              <a:ea typeface="標楷體" panose="03000509000000000000" pitchFamily="65" charset="-120"/>
+              <a:cs typeface="Times New Roman" panose="02020603050405020304" pitchFamily="18" charset="0"/>
+            </a:endParaRPr>
+          </a:p>
+          <a:p>
+            <a:pPr lvl="2" fontAlgn="base"/>
+            <a:endParaRPr lang="en-US" altLang="zh-TW" sz="1800" dirty="0">
+              <a:latin typeface="Times New Roman" panose="02020603050405020304" pitchFamily="18" charset="0"/>
+              <a:ea typeface="標楷體" panose="03000509000000000000" pitchFamily="65" charset="-120"/>
+              <a:cs typeface="Times New Roman" panose="02020603050405020304" pitchFamily="18" charset="0"/>
+            </a:endParaRPr>
+          </a:p>
+          <a:p>
+            <a:pPr marL="999000" lvl="2" indent="0">
+              <a:buNone/>
+            </a:pPr>
+            <a:r>
+              <a:rPr lang="zh-TW" altLang="en-US" sz="1800" b="1" dirty="0">
+                <a:latin typeface="標楷體" panose="03000509000000000000" pitchFamily="65" charset="-120"/>
+              </a:rPr>
+              <a:t>七月：</a:t>
+            </a:r>
+            <a:endParaRPr lang="en-US" altLang="zh-TW" sz="1800" b="1" dirty="0">
+              <a:solidFill>
+                <a:schemeClr val="accent6">
+                  <a:lumMod val="75000"/>
+                </a:schemeClr>
+              </a:solidFill>
+              <a:latin typeface="標楷體" panose="03000509000000000000" pitchFamily="65" charset="-120"/>
+            </a:endParaRPr>
+          </a:p>
+          <a:p>
+            <a:pPr lvl="2" fontAlgn="base"/>
+            <a:r>
+              <a:rPr lang="en-US" altLang="zh-TW" sz="1800" dirty="0">
+                <a:solidFill>
+                  <a:schemeClr val="accent6">
+                    <a:lumMod val="75000"/>
+                  </a:schemeClr>
+                </a:solidFill>
+                <a:cs typeface="Times New Roman" panose="02020603050405020304" pitchFamily="18" charset="0"/>
+              </a:rPr>
+              <a:t>2023/7/5~2023/7/11:</a:t>
+            </a:r>
+          </a:p>
+          <a:p>
+            <a:pPr lvl="2" fontAlgn="base"/>
+            <a:r>
+              <a:rPr lang="en-US" altLang="zh-TW" sz="1800" dirty="0"/>
+              <a:t>UART</a:t>
+            </a:r>
+          </a:p>
+          <a:p>
+            <a:pPr lvl="3" fontAlgn="base"/>
+            <a:r>
+              <a:rPr lang="en-US" altLang="zh-TW" sz="1800" dirty="0">
+                <a:latin typeface="Times New Roman" panose="02020603050405020304" pitchFamily="18" charset="0"/>
+                <a:ea typeface="標楷體" panose="03000509000000000000" pitchFamily="65" charset="-120"/>
+                <a:cs typeface="Times New Roman" panose="02020603050405020304" pitchFamily="18" charset="0"/>
+              </a:rPr>
+              <a:t>block design</a:t>
+            </a:r>
+          </a:p>
+          <a:p>
+            <a:pPr lvl="4" fontAlgn="base"/>
+            <a:r>
+              <a:rPr lang="zh-TW" altLang="en-US" sz="1800" dirty="0">
+                <a:latin typeface="Times New Roman" panose="02020603050405020304" pitchFamily="18" charset="0"/>
+                <a:ea typeface="標楷體" panose="03000509000000000000" pitchFamily="65" charset="-120"/>
+                <a:cs typeface="Times New Roman" panose="02020603050405020304" pitchFamily="18" charset="0"/>
+              </a:rPr>
+              <a:t>設定、產生</a:t>
+            </a:r>
+            <a:r>
+              <a:rPr lang="en-US" altLang="zh-TW" sz="1800" dirty="0">
+                <a:latin typeface="Times New Roman" panose="02020603050405020304" pitchFamily="18" charset="0"/>
+                <a:ea typeface="標楷體" panose="03000509000000000000" pitchFamily="65" charset="-120"/>
+                <a:cs typeface="Times New Roman" panose="02020603050405020304" pitchFamily="18" charset="0"/>
+              </a:rPr>
+              <a:t>HDL</a:t>
+            </a:r>
+            <a:r>
+              <a:rPr lang="zh-TW" altLang="en-US" sz="1800" dirty="0">
+                <a:latin typeface="Times New Roman" panose="02020603050405020304" pitchFamily="18" charset="0"/>
+                <a:ea typeface="標楷體" panose="03000509000000000000" pitchFamily="65" charset="-120"/>
+                <a:cs typeface="Times New Roman" panose="02020603050405020304" pitchFamily="18" charset="0"/>
+              </a:rPr>
+              <a:t> 檔</a:t>
+            </a:r>
+            <a:endParaRPr lang="en-US" altLang="zh-TW" sz="1800" dirty="0">
+              <a:latin typeface="Times New Roman" panose="02020603050405020304" pitchFamily="18" charset="0"/>
+              <a:ea typeface="標楷體" panose="03000509000000000000" pitchFamily="65" charset="-120"/>
+              <a:cs typeface="Times New Roman" panose="02020603050405020304" pitchFamily="18" charset="0"/>
+            </a:endParaRPr>
+          </a:p>
+          <a:p>
+            <a:pPr lvl="3" fontAlgn="base"/>
+            <a:r>
+              <a:rPr lang="en-US" altLang="zh-TW" sz="1800" dirty="0">
+                <a:cs typeface="Times New Roman" panose="02020603050405020304" pitchFamily="18" charset="0"/>
+              </a:rPr>
+              <a:t>Vitis</a:t>
+            </a:r>
+            <a:r>
+              <a:rPr lang="zh-TW" altLang="en-US" sz="1800" dirty="0">
+                <a:cs typeface="Times New Roman" panose="02020603050405020304" pitchFamily="18" charset="0"/>
+              </a:rPr>
+              <a:t> </a:t>
+            </a:r>
+            <a:endParaRPr lang="en-US" altLang="zh-TW" sz="1800" dirty="0">
+              <a:cs typeface="Times New Roman" panose="02020603050405020304" pitchFamily="18" charset="0"/>
+            </a:endParaRPr>
+          </a:p>
+          <a:p>
+            <a:pPr lvl="4" fontAlgn="base"/>
+            <a:r>
+              <a:rPr lang="zh-TW" altLang="en-US" sz="1800" dirty="0">
+                <a:cs typeface="Times New Roman" panose="02020603050405020304" pitchFamily="18" charset="0"/>
+              </a:rPr>
+              <a:t>以</a:t>
+            </a:r>
+            <a:r>
+              <a:rPr lang="en-US" altLang="zh-TW" sz="2000" dirty="0"/>
+              <a:t>Zynq</a:t>
+            </a:r>
+            <a:r>
+              <a:rPr lang="zh-TW" altLang="en-US" sz="1800" dirty="0">
+                <a:cs typeface="Times New Roman" panose="02020603050405020304" pitchFamily="18" charset="0"/>
+              </a:rPr>
+              <a:t>硬件上的</a:t>
+            </a:r>
+            <a:r>
+              <a:rPr lang="en-US" altLang="zh-TW" sz="1800" dirty="0">
+                <a:cs typeface="Times New Roman" panose="02020603050405020304" pitchFamily="18" charset="0"/>
+              </a:rPr>
+              <a:t>ARM</a:t>
+            </a:r>
+            <a:r>
+              <a:rPr lang="zh-TW" altLang="en-US" sz="1800" dirty="0">
+                <a:cs typeface="Times New Roman" panose="02020603050405020304" pitchFamily="18" charset="0"/>
+              </a:rPr>
+              <a:t> </a:t>
+            </a:r>
+            <a:r>
+              <a:rPr lang="en-US" altLang="zh-TW" sz="1800" dirty="0">
+                <a:cs typeface="Times New Roman" panose="02020603050405020304" pitchFamily="18" charset="0"/>
+              </a:rPr>
+              <a:t>CPU</a:t>
+            </a:r>
+            <a:r>
+              <a:rPr lang="zh-TW" altLang="en-US" sz="1800" dirty="0">
+                <a:cs typeface="Times New Roman" panose="02020603050405020304" pitchFamily="18" charset="0"/>
+              </a:rPr>
+              <a:t>跑 </a:t>
+            </a:r>
+            <a:r>
+              <a:rPr lang="en-US" altLang="zh-TW" sz="1800" dirty="0">
+                <a:cs typeface="Times New Roman" panose="02020603050405020304" pitchFamily="18" charset="0"/>
+              </a:rPr>
+              <a:t>Xilinx</a:t>
+            </a:r>
+            <a:r>
+              <a:rPr lang="zh-TW" altLang="en-US" sz="1800" dirty="0">
+                <a:cs typeface="Times New Roman" panose="02020603050405020304" pitchFamily="18" charset="0"/>
+              </a:rPr>
+              <a:t>提供的測試程式</a:t>
+            </a:r>
+            <a:endParaRPr lang="en-US" altLang="zh-TW" sz="1800" dirty="0">
+              <a:cs typeface="Times New Roman" panose="02020603050405020304" pitchFamily="18" charset="0"/>
+            </a:endParaRPr>
+          </a:p>
+          <a:p>
+            <a:pPr lvl="4" fontAlgn="base"/>
+            <a:r>
+              <a:rPr lang="zh-TW" altLang="en-US" sz="1800" dirty="0">
+                <a:latin typeface="Times New Roman" panose="02020603050405020304" pitchFamily="18" charset="0"/>
+                <a:ea typeface="標楷體" panose="03000509000000000000" pitchFamily="65" charset="-120"/>
+                <a:cs typeface="Times New Roman" panose="02020603050405020304" pitchFamily="18" charset="0"/>
+              </a:rPr>
+              <a:t>在</a:t>
+            </a:r>
+            <a:r>
+              <a:rPr lang="zh-TW" altLang="en-US" sz="1800" dirty="0">
+                <a:cs typeface="Times New Roman" panose="02020603050405020304" pitchFamily="18" charset="0"/>
+              </a:rPr>
+              <a:t>終端機確認回傳結果</a:t>
+            </a:r>
+            <a:endParaRPr lang="zh-TW" altLang="en-US" sz="1800" dirty="0">
+              <a:latin typeface="Times New Roman" panose="02020603050405020304" pitchFamily="18" charset="0"/>
+              <a:ea typeface="標楷體" panose="03000509000000000000" pitchFamily="65" charset="-120"/>
+              <a:cs typeface="Times New Roman" panose="02020603050405020304" pitchFamily="18" charset="0"/>
+            </a:endParaRPr>
+          </a:p>
+        </p:txBody>
+      </p:sp>
+      <p:sp>
+        <p:nvSpPr>
           <p:cNvPr id="3" name="標題 2"/>
           <p:cNvSpPr>
             <a:spLocks noGrp="1"/>
@@ -10909,202 +11523,17 @@
         </p:nvSpPr>
         <p:spPr>
           <a:xfrm>
-            <a:off x="838200" y="365125"/>
+            <a:off x="838200" y="329615"/>
             <a:ext cx="10515600" cy="720000"/>
           </a:xfrm>
         </p:spPr>
         <p:txBody>
-          <a:bodyPr>
-            <a:noAutofit/>
-          </a:bodyPr>
+          <a:bodyPr/>
           <a:lstStyle/>
           <a:p>
             <a:r>
-              <a:rPr lang="zh-TW" altLang="en-US" sz="3200" dirty="0"/>
-              <a:t>成果展示 </a:t>
-            </a:r>
-            <a:r>
-              <a:rPr lang="en-US" altLang="zh-TW" sz="3200" dirty="0"/>
-              <a:t>–</a:t>
-            </a:r>
-            <a:r>
-              <a:rPr lang="zh-TW" altLang="en-US" sz="3200" dirty="0"/>
-              <a:t> </a:t>
-            </a:r>
-            <a:r>
-              <a:rPr lang="en-US" altLang="zh-TW" sz="3200" dirty="0">
-                <a:ea typeface="Tahoma" panose="020B0604030504040204" pitchFamily="34" charset="0"/>
-              </a:rPr>
-              <a:t>Sobel(angle)</a:t>
-            </a:r>
-            <a:endParaRPr lang="zh-TW" altLang="en-US" sz="3200" dirty="0"/>
-          </a:p>
-        </p:txBody>
-      </p:sp>
-      <p:sp>
-        <p:nvSpPr>
-          <p:cNvPr id="14" name="文字方塊 13">
-            <a:extLst>
-              <a:ext uri="{FF2B5EF4-FFF2-40B4-BE49-F238E27FC236}">
-                <a16:creationId xmlns:a16="http://schemas.microsoft.com/office/drawing/2014/main" id="{E4E592F9-FC71-4DD1-9118-16844995CC7F}"/>
-              </a:ext>
-            </a:extLst>
-          </p:cNvPr>
-          <p:cNvSpPr txBox="1"/>
-          <p:nvPr/>
-        </p:nvSpPr>
-        <p:spPr>
-          <a:xfrm>
-            <a:off x="2022446" y="1365672"/>
-            <a:ext cx="5373306" cy="923330"/>
-          </a:xfrm>
-          <a:prstGeom prst="rect">
-            <a:avLst/>
-          </a:prstGeom>
-          <a:noFill/>
-        </p:spPr>
-        <p:txBody>
-          <a:bodyPr wrap="square">
-            <a:spAutoFit/>
-          </a:bodyPr>
-          <a:lstStyle/>
-          <a:p>
-            <a:pPr marL="285750" indent="-285750">
-              <a:buFont typeface="Arial" panose="020B0604020202020204" pitchFamily="34" charset="0"/>
-              <a:buChar char="•"/>
-            </a:pPr>
-            <a:r>
-              <a:rPr lang="en-US" altLang="zh-TW" dirty="0" err="1">
-                <a:latin typeface="Times New Roman" panose="02020603050405020304" pitchFamily="18" charset="0"/>
-                <a:ea typeface="標楷體" panose="03000509000000000000" pitchFamily="65" charset="-120"/>
-              </a:rPr>
-              <a:t>BRAM_Sobel</a:t>
-            </a:r>
-            <a:r>
-              <a:rPr lang="en-US" altLang="zh-TW" dirty="0">
-                <a:latin typeface="Times New Roman" panose="02020603050405020304" pitchFamily="18" charset="0"/>
-                <a:ea typeface="標楷體" panose="03000509000000000000" pitchFamily="65" charset="-120"/>
-              </a:rPr>
-              <a:t> </a:t>
-            </a:r>
-            <a:r>
-              <a:rPr lang="en-US" altLang="zh-TW" dirty="0">
-                <a:latin typeface="標楷體" panose="03000509000000000000" pitchFamily="65" charset="-120"/>
-                <a:ea typeface="標楷體" panose="03000509000000000000" pitchFamily="65" charset="-120"/>
-              </a:rPr>
-              <a:t>:</a:t>
-            </a:r>
-          </a:p>
-          <a:p>
-            <a:pPr marL="742950" lvl="1" indent="-285750">
-              <a:buFont typeface="Arial" panose="020B0604020202020204" pitchFamily="34" charset="0"/>
-              <a:buChar char="•"/>
-            </a:pPr>
-            <a:r>
-              <a:rPr lang="zh-TW" altLang="en-US" dirty="0">
-                <a:latin typeface="標楷體" panose="03000509000000000000" pitchFamily="65" charset="-120"/>
-                <a:ea typeface="標楷體" panose="03000509000000000000" pitchFamily="65" charset="-120"/>
-              </a:rPr>
-              <a:t>灰階圖片</a:t>
-            </a:r>
-            <a:r>
-              <a:rPr lang="en-US" altLang="zh-TW" dirty="0">
-                <a:latin typeface="標楷體" panose="03000509000000000000" pitchFamily="65" charset="-120"/>
-                <a:ea typeface="標楷體" panose="03000509000000000000" pitchFamily="65" charset="-120"/>
-              </a:rPr>
-              <a:t>: 640x480 (</a:t>
-            </a:r>
-            <a:r>
-              <a:rPr lang="en-US" altLang="zh-TW" dirty="0">
-                <a:latin typeface="Times New Roman" panose="02020603050405020304" pitchFamily="18" charset="0"/>
-                <a:ea typeface="標楷體" panose="03000509000000000000" pitchFamily="65" charset="-120"/>
-                <a:cs typeface="Times New Roman" panose="02020603050405020304" pitchFamily="18" charset="0"/>
-              </a:rPr>
-              <a:t>8bits</a:t>
-            </a:r>
-            <a:r>
-              <a:rPr lang="en-US" altLang="zh-TW" dirty="0">
-                <a:latin typeface="標楷體" panose="03000509000000000000" pitchFamily="65" charset="-120"/>
-                <a:ea typeface="標楷體" panose="03000509000000000000" pitchFamily="65" charset="-120"/>
-              </a:rPr>
-              <a:t>)</a:t>
-            </a:r>
-          </a:p>
-          <a:p>
-            <a:pPr marL="742950" lvl="1" indent="-285750">
-              <a:buFont typeface="Arial" panose="020B0604020202020204" pitchFamily="34" charset="0"/>
-              <a:buChar char="•"/>
-            </a:pPr>
-            <a:r>
-              <a:rPr lang="en-US" altLang="zh-TW" sz="1800" dirty="0" err="1"/>
-              <a:t>BRAM_Gaussian</a:t>
-            </a:r>
-            <a:r>
-              <a:rPr lang="en-US" altLang="zh-TW" sz="1800" dirty="0"/>
-              <a:t> filter</a:t>
-            </a:r>
-            <a:endParaRPr lang="zh-TW" altLang="en-US" dirty="0">
-              <a:latin typeface="標楷體" panose="03000509000000000000" pitchFamily="65" charset="-120"/>
-              <a:ea typeface="標楷體" panose="03000509000000000000" pitchFamily="65" charset="-120"/>
-            </a:endParaRPr>
-          </a:p>
-        </p:txBody>
-      </p:sp>
-      <p:sp>
-        <p:nvSpPr>
-          <p:cNvPr id="10" name="文字方塊 9">
-            <a:extLst>
-              <a:ext uri="{FF2B5EF4-FFF2-40B4-BE49-F238E27FC236}">
-                <a16:creationId xmlns:a16="http://schemas.microsoft.com/office/drawing/2014/main" id="{E24CD2C8-46A2-450C-9CA0-485274647932}"/>
-              </a:ext>
-            </a:extLst>
-          </p:cNvPr>
-          <p:cNvSpPr txBox="1"/>
-          <p:nvPr/>
-        </p:nvSpPr>
-        <p:spPr>
-          <a:xfrm>
-            <a:off x="4634705" y="5680911"/>
-            <a:ext cx="2922590" cy="369332"/>
-          </a:xfrm>
-          <a:prstGeom prst="rect">
-            <a:avLst/>
-          </a:prstGeom>
-          <a:noFill/>
-        </p:spPr>
-        <p:txBody>
-          <a:bodyPr wrap="square">
-            <a:spAutoFit/>
-          </a:bodyPr>
-          <a:lstStyle/>
-          <a:p>
-            <a:r>
-              <a:rPr lang="zh-TW" altLang="en-US" dirty="0">
-                <a:latin typeface="標楷體" panose="03000509000000000000" pitchFamily="65" charset="-120"/>
-                <a:ea typeface="標楷體" panose="03000509000000000000" pitchFamily="65" charset="-120"/>
-              </a:rPr>
-              <a:t>圖</a:t>
-            </a:r>
-            <a:r>
-              <a:rPr lang="en-US" altLang="zh-TW" dirty="0">
-                <a:latin typeface="標楷體" panose="03000509000000000000" pitchFamily="65" charset="-120"/>
-                <a:ea typeface="標楷體" panose="03000509000000000000" pitchFamily="65" charset="-120"/>
-              </a:rPr>
-              <a:t>2.</a:t>
-            </a:r>
-            <a:r>
-              <a:rPr lang="en-US" altLang="zh-TW" dirty="0">
-                <a:latin typeface="Times New Roman" panose="02020603050405020304" pitchFamily="18" charset="0"/>
-                <a:ea typeface="標楷體" panose="03000509000000000000" pitchFamily="65" charset="-120"/>
-              </a:rPr>
-              <a:t>Bram_Sobel</a:t>
-            </a:r>
-            <a:r>
-              <a:rPr lang="zh-TW" altLang="en-US" dirty="0">
-                <a:latin typeface="標楷體" panose="03000509000000000000" pitchFamily="65" charset="-120"/>
-                <a:ea typeface="標楷體" panose="03000509000000000000" pitchFamily="65" charset="-120"/>
-              </a:rPr>
-              <a:t>單幀全圖</a:t>
+              <a:rPr lang="zh-TW" altLang="en-US" dirty="0"/>
+              <a:t>預期進度</a:t>
             </a:r>
           </a:p>
         </p:txBody>
@@ -11112,7 +11541,7 @@
     </p:spTree>
     <p:extLst>
       <p:ext uri="{BB962C8B-B14F-4D97-AF65-F5344CB8AC3E}">
-        <p14:creationId xmlns:p14="http://schemas.microsoft.com/office/powerpoint/2010/main" val="2357435509"/>
+        <p14:creationId xmlns:p14="http://schemas.microsoft.com/office/powerpoint/2010/main" val="5341612"/>
       </p:ext>
     </p:extLst>
   </p:cSld>
@@ -11149,101 +11578,59 @@
             <p:ph idx="1"/>
           </p:nvPr>
         </p:nvSpPr>
-        <p:spPr/>
-        <p:txBody>
-          <a:bodyPr>
-            <a:normAutofit/>
-          </a:bodyPr>
+        <p:spPr>
+          <a:xfrm>
+            <a:off x="838199" y="1186406"/>
+            <a:ext cx="11082947" cy="5041866"/>
+          </a:xfrm>
+        </p:spPr>
+        <p:txBody>
+          <a:bodyPr/>
           <a:lstStyle/>
           <a:p>
-            <a:pPr marL="914400" lvl="3" indent="0">
-              <a:buNone/>
-            </a:pPr>
+            <a:endParaRPr lang="en-US" altLang="zh-TW" sz="1200" dirty="0"/>
+          </a:p>
+          <a:p>
+            <a:pPr lvl="1"/>
+            <a:r>
+              <a:rPr lang="en-US" altLang="zh-TW" sz="1800" dirty="0"/>
+              <a:t>Q1: </a:t>
+            </a:r>
+            <a:r>
+              <a:rPr lang="zh-TW" altLang="en-US" sz="1800" dirty="0"/>
+              <a:t>無法讀到</a:t>
+            </a:r>
+            <a:r>
+              <a:rPr lang="en-US" altLang="zh-TW" sz="1800" dirty="0"/>
+              <a:t>package?</a:t>
+            </a:r>
+          </a:p>
+          <a:p>
+            <a:pPr lvl="1"/>
+            <a:r>
+              <a:rPr lang="en-US" altLang="zh-TW" sz="1800" dirty="0"/>
+              <a:t>A1: </a:t>
+            </a:r>
+            <a:r>
+              <a:rPr lang="zh-TW" altLang="en-US" sz="1800" dirty="0"/>
+              <a:t>勾選</a:t>
+            </a:r>
+            <a:r>
+              <a:rPr lang="en-US" altLang="zh-TW" sz="2000" dirty="0"/>
+              <a:t>“IS_GLOBAL_INCLUDE”</a:t>
+            </a:r>
+            <a:r>
+              <a:rPr lang="zh-TW" altLang="en-US" sz="1800" dirty="0"/>
+              <a:t>，並在上方宣告加</a:t>
+            </a:r>
+            <a:r>
+              <a:rPr lang="en-US" altLang="zh-TW" sz="1800" dirty="0"/>
+              <a:t>library work;</a:t>
+            </a:r>
+          </a:p>
+          <a:p>
+            <a:pPr lvl="1"/>
             <a:endParaRPr lang="en-US" altLang="zh-TW" sz="1800" dirty="0"/>
-          </a:p>
-          <a:p>
-            <a:pPr marL="914400" lvl="3" indent="0">
-              <a:buNone/>
-            </a:pPr>
-            <a:endParaRPr lang="en-US" altLang="zh-TW" sz="1800" dirty="0"/>
-          </a:p>
-          <a:p>
-            <a:pPr marL="999000" lvl="2" indent="0">
-              <a:buNone/>
-            </a:pPr>
-            <a:r>
-              <a:rPr lang="zh-TW" altLang="en-US" sz="1800" b="1" dirty="0">
-                <a:latin typeface="標楷體" panose="03000509000000000000" pitchFamily="65" charset="-120"/>
-              </a:rPr>
-              <a:t>六月：</a:t>
-            </a:r>
-            <a:endParaRPr lang="en-US" altLang="zh-TW" sz="1800" b="1" dirty="0">
-              <a:solidFill>
-                <a:schemeClr val="accent6">
-                  <a:lumMod val="75000"/>
-                </a:schemeClr>
-              </a:solidFill>
-              <a:latin typeface="標楷體" panose="03000509000000000000" pitchFamily="65" charset="-120"/>
-            </a:endParaRPr>
-          </a:p>
-          <a:p>
-            <a:pPr lvl="2" fontAlgn="base"/>
-            <a:r>
-              <a:rPr lang="en-US" altLang="zh-TW" sz="1800" dirty="0">
-                <a:solidFill>
-                  <a:schemeClr val="accent6">
-                    <a:lumMod val="75000"/>
-                  </a:schemeClr>
-                </a:solidFill>
-                <a:latin typeface="Times New Roman" panose="02020603050405020304" pitchFamily="18" charset="0"/>
-                <a:ea typeface="標楷體" panose="03000509000000000000" pitchFamily="65" charset="-120"/>
-                <a:cs typeface="Times New Roman" panose="02020603050405020304" pitchFamily="18" charset="0"/>
-              </a:rPr>
-              <a:t>2023/6/28~2023/7/3:</a:t>
-            </a:r>
-          </a:p>
-          <a:p>
-            <a:pPr lvl="2" fontAlgn="base"/>
-            <a:r>
-              <a:rPr lang="en-US" altLang="zh-TW" sz="1800" dirty="0"/>
-              <a:t>Harris</a:t>
-            </a:r>
-          </a:p>
-          <a:p>
-            <a:pPr lvl="3" fontAlgn="base"/>
-            <a:r>
-              <a:rPr lang="zh-TW" altLang="en-US" sz="1800" dirty="0">
-                <a:latin typeface="標楷體" panose="03000509000000000000" pitchFamily="65" charset="-120"/>
-              </a:rPr>
-              <a:t>加上手繪矩形，以</a:t>
-            </a:r>
-            <a:r>
-              <a:rPr lang="en-US" altLang="zh-TW" sz="1800" dirty="0" err="1"/>
-              <a:t>SW_img</a:t>
-            </a:r>
-            <a:r>
-              <a:rPr lang="zh-TW" altLang="en-US" sz="1800" dirty="0">
-                <a:latin typeface="標楷體" panose="03000509000000000000" pitchFamily="65" charset="-120"/>
-              </a:rPr>
-              <a:t>切換圖案、矩形</a:t>
-            </a:r>
-            <a:endParaRPr lang="en-US" altLang="zh-TW" sz="1800" dirty="0">
-              <a:latin typeface="標楷體" panose="03000509000000000000" pitchFamily="65" charset="-120"/>
-            </a:endParaRPr>
-          </a:p>
-          <a:p>
-            <a:pPr lvl="3" fontAlgn="base"/>
-            <a:endParaRPr lang="en-US" altLang="zh-TW" sz="1800" dirty="0">
-              <a:latin typeface="標楷體" panose="03000509000000000000" pitchFamily="65" charset="-120"/>
-            </a:endParaRPr>
-          </a:p>
-          <a:p>
-            <a:pPr lvl="2" fontAlgn="base"/>
-            <a:endParaRPr lang="zh-TW" altLang="en-US" sz="1800" dirty="0">
-              <a:latin typeface="Times New Roman" panose="02020603050405020304" pitchFamily="18" charset="0"/>
-              <a:ea typeface="標楷體" panose="03000509000000000000" pitchFamily="65" charset="-120"/>
-              <a:cs typeface="Times New Roman" panose="02020603050405020304" pitchFamily="18" charset="0"/>
-            </a:endParaRPr>
           </a:p>
         </p:txBody>
       </p:sp>
@@ -11257,136 +11644,13 @@
             <p:ph type="title"/>
           </p:nvPr>
         </p:nvSpPr>
-        <p:spPr>
-          <a:xfrm>
-            <a:off x="838200" y="329615"/>
-            <a:ext cx="10515600" cy="720000"/>
-          </a:xfrm>
-        </p:spPr>
+        <p:spPr/>
         <p:txBody>
           <a:bodyPr/>
           <a:lstStyle/>
           <a:p>
             <a:r>
               <a:rPr lang="zh-TW" altLang="en-US" dirty="0"/>
-              <a:t>預期進度</a:t>
-            </a:r>
-          </a:p>
-        </p:txBody>
-      </p:sp>
-    </p:spTree>
-    <p:extLst>
-      <p:ext uri="{BB962C8B-B14F-4D97-AF65-F5344CB8AC3E}">
-        <p14:creationId xmlns:p14="http://schemas.microsoft.com/office/powerpoint/2010/main" val="5341612"/>
-      </p:ext>
-    </p:extLst>
-  </p:cSld>
-  <p:clrMapOvr>
-    <a:masterClrMapping/>
-  </p:clrMapOvr>
-</p:sld>
-</file>
-
-<file path=ppt/slides/slide25.xml><?xml version="1.0" encoding="utf-8"?>
-<p:sld xmlns:a="http://schemas.openxmlformats.org/drawingml/2006/main" xmlns:r="http://schemas.openxmlformats.org/officeDocument/2006/relationships" xmlns:p="http://schemas.openxmlformats.org/presentationml/2006/main">
-  <p:cSld>
-    <p:spTree>
-      <p:nvGrpSpPr>
-        <p:cNvPr id="1" name=""/>
-        <p:cNvGrpSpPr/>
-        <p:nvPr/>
-      </p:nvGrpSpPr>
-      <p:grpSpPr>
-        <a:xfrm>
-          <a:off x="0" y="0"/>
-          <a:ext cx="0" cy="0"/>
-          <a:chOff x="0" y="0"/>
-          <a:chExt cx="0" cy="0"/>
-        </a:xfrm>
-      </p:grpSpPr>
-      <p:sp>
-        <p:nvSpPr>
-          <p:cNvPr id="2" name="內容版面配置區 1"/>
-          <p:cNvSpPr>
-            <a:spLocks noGrp="1"/>
-          </p:cNvSpPr>
-          <p:nvPr>
-            <p:ph idx="1"/>
-          </p:nvPr>
-        </p:nvSpPr>
-        <p:spPr>
-          <a:xfrm>
-            <a:off x="838199" y="1186406"/>
-            <a:ext cx="11082947" cy="5041866"/>
-          </a:xfrm>
-        </p:spPr>
-        <p:txBody>
-          <a:bodyPr/>
-          <a:lstStyle/>
-          <a:p>
-            <a:endParaRPr lang="en-US" altLang="zh-TW" sz="1200" dirty="0"/>
-          </a:p>
-          <a:p>
-            <a:pPr lvl="1"/>
-            <a:r>
-              <a:rPr lang="en-US" altLang="zh-TW" sz="1800" dirty="0"/>
-              <a:t>Q1: </a:t>
-            </a:r>
-            <a:r>
-              <a:rPr lang="zh-TW" altLang="en-US" sz="1800" dirty="0"/>
-              <a:t>無法讀到</a:t>
-            </a:r>
-            <a:r>
-              <a:rPr lang="en-US" altLang="zh-TW" sz="1800" dirty="0"/>
-              <a:t>package?</a:t>
-            </a:r>
-          </a:p>
-          <a:p>
-            <a:pPr lvl="1"/>
-            <a:r>
-              <a:rPr lang="en-US" altLang="zh-TW" sz="1800" dirty="0"/>
-              <a:t>A1: </a:t>
-            </a:r>
-            <a:r>
-              <a:rPr lang="zh-TW" altLang="en-US" sz="1800" dirty="0"/>
-              <a:t>勾選</a:t>
-            </a:r>
-            <a:r>
-              <a:rPr lang="en-US" altLang="zh-TW" sz="2000" dirty="0"/>
-              <a:t>“IS_GLOBAL_INCLUDE”</a:t>
-            </a:r>
-            <a:r>
-              <a:rPr lang="zh-TW" altLang="en-US" sz="1800" dirty="0"/>
-              <a:t>，並在宣告上方加</a:t>
-            </a:r>
-            <a:r>
-              <a:rPr lang="en-US" altLang="zh-TW" sz="1800" dirty="0"/>
-              <a:t>library work;</a:t>
-            </a:r>
-          </a:p>
-          <a:p>
-            <a:pPr lvl="1"/>
-            <a:endParaRPr lang="en-US" altLang="zh-TW" sz="1800" dirty="0"/>
-          </a:p>
-        </p:txBody>
-      </p:sp>
-      <p:sp>
-        <p:nvSpPr>
-          <p:cNvPr id="3" name="標題 2"/>
-          <p:cNvSpPr>
-            <a:spLocks noGrp="1"/>
-          </p:cNvSpPr>
-          <p:nvPr>
-            <p:ph type="title"/>
-          </p:nvPr>
-        </p:nvSpPr>
-        <p:spPr/>
-        <p:txBody>
-          <a:bodyPr/>
-          <a:lstStyle/>
-          <a:p>
-            <a:r>
-              <a:rPr lang="zh-TW" altLang="en-US" dirty="0"/>
               <a:t>問題記錄 </a:t>
             </a:r>
             <a:r>
@@ -11395,7 +11659,7 @@
             </a:r>
             <a:r>
               <a:rPr lang="zh-TW" altLang="en-US" dirty="0"/>
-              <a:t>軟體問題</a:t>
+              <a:t>電路合成問題</a:t>
             </a:r>
             <a:r>
               <a:rPr lang="en-US" altLang="zh-TW" dirty="0"/>
@@ -11535,6 +11799,226 @@
 </p:sld>
 </file>
 
+<file path=ppt/slides/slide25.xml><?xml version="1.0" encoding="utf-8"?>
+<p:sld xmlns:a="http://schemas.openxmlformats.org/drawingml/2006/main" xmlns:r="http://schemas.openxmlformats.org/officeDocument/2006/relationships" xmlns:p="http://schemas.openxmlformats.org/presentationml/2006/main">
+  <p:cSld>
+    <p:spTree>
+      <p:nvGrpSpPr>
+        <p:cNvPr id="1" name=""/>
+        <p:cNvGrpSpPr/>
+        <p:nvPr/>
+      </p:nvGrpSpPr>
+      <p:grpSpPr>
+        <a:xfrm>
+          <a:off x="0" y="0"/>
+          <a:ext cx="0" cy="0"/>
+          <a:chOff x="0" y="0"/>
+          <a:chExt cx="0" cy="0"/>
+        </a:xfrm>
+      </p:grpSpPr>
+      <p:sp>
+        <p:nvSpPr>
+          <p:cNvPr id="2" name="內容版面配置區 1"/>
+          <p:cNvSpPr>
+            <a:spLocks noGrp="1"/>
+          </p:cNvSpPr>
+          <p:nvPr>
+            <p:ph idx="1"/>
+          </p:nvPr>
+        </p:nvSpPr>
+        <p:spPr>
+          <a:xfrm>
+            <a:off x="838199" y="1186406"/>
+            <a:ext cx="11082947" cy="5041866"/>
+          </a:xfrm>
+        </p:spPr>
+        <p:txBody>
+          <a:bodyPr/>
+          <a:lstStyle/>
+          <a:p>
+            <a:endParaRPr lang="en-US" altLang="zh-TW" sz="1200" dirty="0"/>
+          </a:p>
+          <a:p>
+            <a:pPr lvl="1"/>
+            <a:r>
+              <a:rPr lang="en-US" altLang="zh-TW" sz="1800" dirty="0"/>
+              <a:t>Q2: </a:t>
+            </a:r>
+            <a:r>
+              <a:rPr lang="zh-TW" altLang="en-US" sz="1800" dirty="0"/>
+              <a:t>波形模擬無內部訊號</a:t>
+            </a:r>
+            <a:endParaRPr lang="en-US" altLang="zh-TW" sz="1800" dirty="0"/>
+          </a:p>
+          <a:p>
+            <a:pPr lvl="1"/>
+            <a:r>
+              <a:rPr lang="en-US" altLang="zh-TW" sz="1800" dirty="0"/>
+              <a:t>A2:</a:t>
+            </a:r>
+            <a:r>
+              <a:rPr lang="zh-TW" altLang="en-US" sz="1800" dirty="0"/>
+              <a:t> 修正主模組</a:t>
+            </a:r>
+            <a:r>
+              <a:rPr lang="en-US" altLang="zh-TW" sz="1800" dirty="0"/>
+              <a:t>Library </a:t>
+            </a:r>
+            <a:r>
+              <a:rPr lang="zh-TW" altLang="en-US" sz="1800" dirty="0"/>
+              <a:t>設定，以供</a:t>
+            </a:r>
+            <a:r>
+              <a:rPr lang="en-US" altLang="zh-TW" sz="1800" dirty="0" err="1"/>
+              <a:t>Vivado</a:t>
+            </a:r>
+            <a:r>
+              <a:rPr lang="en-US" altLang="zh-TW" sz="1800" dirty="0"/>
+              <a:t> </a:t>
+            </a:r>
+            <a:r>
+              <a:rPr lang="zh-TW" altLang="en-US" sz="1800" dirty="0"/>
+              <a:t>確認其子模組</a:t>
+            </a:r>
+            <a:endParaRPr lang="en-US" altLang="zh-TW" sz="1800" dirty="0"/>
+          </a:p>
+        </p:txBody>
+      </p:sp>
+      <p:sp>
+        <p:nvSpPr>
+          <p:cNvPr id="3" name="標題 2"/>
+          <p:cNvSpPr>
+            <a:spLocks noGrp="1"/>
+          </p:cNvSpPr>
+          <p:nvPr>
+            <p:ph type="title"/>
+          </p:nvPr>
+        </p:nvSpPr>
+        <p:spPr/>
+        <p:txBody>
+          <a:bodyPr/>
+          <a:lstStyle/>
+          <a:p>
+            <a:r>
+              <a:rPr lang="zh-TW" altLang="en-US" dirty="0"/>
+              <a:t>問題記錄 </a:t>
+            </a:r>
+            <a:r>
+              <a:rPr lang="en-US" altLang="zh-TW" dirty="0"/>
+              <a:t>- (</a:t>
+            </a:r>
+            <a:r>
+              <a:rPr lang="zh-TW" altLang="en-US" dirty="0"/>
+              <a:t>波形模擬問題</a:t>
+            </a:r>
+            <a:r>
+              <a:rPr lang="en-US" altLang="zh-TW" dirty="0"/>
+              <a:t>)</a:t>
+            </a:r>
+            <a:endParaRPr lang="zh-TW" altLang="en-US" dirty="0"/>
+          </a:p>
+        </p:txBody>
+      </p:sp>
+      <p:sp>
+        <p:nvSpPr>
+          <p:cNvPr id="10" name="文字方塊 9">
+            <a:extLst>
+              <a:ext uri="{FF2B5EF4-FFF2-40B4-BE49-F238E27FC236}">
+                <a16:creationId xmlns:a16="http://schemas.microsoft.com/office/drawing/2014/main" id="{BB5CB510-3FAF-4E7E-8F5C-C436845458D1}"/>
+              </a:ext>
+            </a:extLst>
+          </p:cNvPr>
+          <p:cNvSpPr txBox="1"/>
+          <p:nvPr/>
+        </p:nvSpPr>
+        <p:spPr>
+          <a:xfrm>
+            <a:off x="9021259" y="5812004"/>
+            <a:ext cx="2652876" cy="369332"/>
+          </a:xfrm>
+          <a:prstGeom prst="rect">
+            <a:avLst/>
+          </a:prstGeom>
+          <a:noFill/>
+        </p:spPr>
+        <p:txBody>
+          <a:bodyPr wrap="square">
+            <a:spAutoFit/>
+          </a:bodyPr>
+          <a:lstStyle/>
+          <a:p>
+            <a:r>
+              <a:rPr lang="zh-TW" altLang="en-US" dirty="0">
+                <a:latin typeface="標楷體" panose="03000509000000000000" pitchFamily="65" charset="-120"/>
+                <a:ea typeface="標楷體" panose="03000509000000000000" pitchFamily="65" charset="-120"/>
+              </a:rPr>
+              <a:t>圖</a:t>
+            </a:r>
+            <a:r>
+              <a:rPr lang="en-US" altLang="zh-TW" dirty="0">
+                <a:latin typeface="標楷體" panose="03000509000000000000" pitchFamily="65" charset="-120"/>
+                <a:ea typeface="標楷體" panose="03000509000000000000" pitchFamily="65" charset="-120"/>
+              </a:rPr>
+              <a:t>2-1.</a:t>
+            </a:r>
+            <a:r>
+              <a:rPr lang="en-US" altLang="zh-TW" sz="1800" dirty="0"/>
+              <a:t> </a:t>
+            </a:r>
+            <a:r>
+              <a:rPr lang="en-US" altLang="zh-TW" dirty="0"/>
+              <a:t>Source file proper</a:t>
+            </a:r>
+            <a:endParaRPr lang="zh-TW" altLang="en-US" dirty="0">
+              <a:latin typeface="Times New Roman" panose="02020603050405020304" pitchFamily="18" charset="0"/>
+              <a:cs typeface="Times New Roman" panose="02020603050405020304" pitchFamily="18" charset="0"/>
+            </a:endParaRPr>
+          </a:p>
+        </p:txBody>
+      </p:sp>
+      <p:pic>
+        <p:nvPicPr>
+          <p:cNvPr id="5" name="圖片 4">
+            <a:extLst>
+              <a:ext uri="{FF2B5EF4-FFF2-40B4-BE49-F238E27FC236}">
+                <a16:creationId xmlns:a16="http://schemas.microsoft.com/office/drawing/2014/main" id="{5B8380AE-74B1-4C96-ABEF-5E2F7F8D94A1}"/>
+              </a:ext>
+            </a:extLst>
+          </p:cNvPr>
+          <p:cNvPicPr>
+            <a:picLocks noChangeAspect="1"/>
+          </p:cNvPicPr>
+          <p:nvPr/>
+        </p:nvPicPr>
+        <p:blipFill>
+          <a:blip r:embed="rId3"/>
+          <a:stretch>
+            <a:fillRect/>
+          </a:stretch>
+        </p:blipFill>
+        <p:spPr>
+          <a:xfrm>
+            <a:off x="4061803" y="1972894"/>
+            <a:ext cx="4635738" cy="4349974"/>
+          </a:xfrm>
+          <a:prstGeom prst="rect">
+            <a:avLst/>
+          </a:prstGeom>
+        </p:spPr>
+      </p:pic>
+    </p:spTree>
+    <p:extLst>
+      <p:ext uri="{BB962C8B-B14F-4D97-AF65-F5344CB8AC3E}">
+        <p14:creationId xmlns:p14="http://schemas.microsoft.com/office/powerpoint/2010/main" val="3897597359"/>
+      </p:ext>
+    </p:extLst>
+  </p:cSld>
+  <p:clrMapOvr>
+    <a:masterClrMapping/>
+  </p:clrMapOvr>
+</p:sld>
+</file>
+
 <file path=ppt/slides/slide26.xml><?xml version="1.0" encoding="utf-8"?>
 <p:sld xmlns:a="http://schemas.openxmlformats.org/drawingml/2006/main" xmlns:r="http://schemas.openxmlformats.org/officeDocument/2006/relationships" xmlns:p="http://schemas.openxmlformats.org/presentationml/2006/main">
   <p:cSld>
@@ -11564,7 +12048,7 @@
         </p:nvSpPr>
         <p:spPr>
           <a:xfrm>
-            <a:off x="838199" y="1186406"/>
+            <a:off x="972953" y="1058823"/>
             <a:ext cx="11082947" cy="5041866"/>
           </a:xfrm>
         </p:spPr>
@@ -11578,11 +12062,11 @@
             <a:pPr lvl="1"/>
             <a:r>
               <a:rPr lang="en-US" altLang="zh-TW" sz="1800" dirty="0"/>
-              <a:t>Q2: </a:t>
+              <a:t>Q3:</a:t>
             </a:r>
             <a:r>
               <a:rPr lang="zh-TW" altLang="en-US" sz="1800" dirty="0"/>
-              <a:t>輸出圖像會少頭兩行</a:t>
+              <a:t> 無法波形模擬</a:t>
             </a:r>
             <a:endParaRPr lang="en-US" altLang="zh-TW" sz="1800" dirty="0"/>
           </a:p>
@@ -11590,70 +12074,28 @@
             <a:pPr lvl="1"/>
             <a:r>
               <a:rPr lang="en-US" altLang="zh-TW" sz="1800" dirty="0"/>
-              <a:t>A2:</a:t>
+              <a:t>A3: </a:t>
             </a:r>
             <a:r>
               <a:rPr lang="zh-TW" altLang="en-US" sz="1800" dirty="0"/>
-              <a:t> 可加上</a:t>
-            </a:r>
-            <a:r>
-              <a:rPr lang="en-US" altLang="zh-TW" sz="1800" dirty="0" err="1"/>
-              <a:t>IP_enable</a:t>
-            </a:r>
-            <a:r>
-              <a:rPr lang="zh-TW" altLang="en-US" sz="1800" dirty="0"/>
-              <a:t> 模組，讓</a:t>
+              <a:t>將測試程式移至正確路徑，並執行</a:t>
             </a:r>
             <a:r>
               <a:rPr lang="en-US" altLang="zh-TW" sz="1800" dirty="0"/>
-              <a:t>”</a:t>
-            </a:r>
-            <a:r>
-              <a:rPr lang="zh-TW" altLang="en-US" sz="1800" dirty="0"/>
-              <a:t>影像前處理模組</a:t>
-            </a:r>
-            <a:r>
-              <a:rPr lang="en-US" altLang="zh-TW" sz="1800" dirty="0"/>
-              <a:t>”</a:t>
-            </a:r>
-            <a:r>
-              <a:rPr lang="zh-TW" altLang="en-US" sz="1800" dirty="0"/>
-              <a:t>等完</a:t>
-            </a:r>
-            <a:r>
-              <a:rPr lang="en-US" altLang="zh-TW" sz="1800" dirty="0"/>
-              <a:t>”FIFO</a:t>
-            </a:r>
-            <a:r>
-              <a:rPr lang="zh-TW" altLang="en-US" sz="1800" dirty="0"/>
-              <a:t> </a:t>
-            </a:r>
-            <a:r>
-              <a:rPr lang="en-US" altLang="zh-TW" sz="1800" dirty="0"/>
-              <a:t>RTL”</a:t>
-            </a:r>
-            <a:r>
-              <a:rPr lang="zh-TW" altLang="en-US" sz="1800" dirty="0"/>
-              <a:t>接資料的延遲時間才致能</a:t>
-            </a:r>
-            <a:r>
-              <a:rPr lang="en-US" altLang="zh-TW" sz="1800" dirty="0"/>
-              <a:t>”</a:t>
-            </a:r>
-            <a:r>
-              <a:rPr lang="zh-TW" altLang="en-US" sz="1800" dirty="0"/>
-              <a:t>影像前處理模組</a:t>
-            </a:r>
-            <a:r>
-              <a:rPr lang="en-US" altLang="zh-TW" sz="1800" dirty="0"/>
-              <a:t>”</a:t>
-            </a:r>
-          </a:p>
-        </p:txBody>
-      </p:sp>
-      <p:sp>
-        <p:nvSpPr>
-          <p:cNvPr id="3" name="標題 2"/>
+              <a:t>Run Synthesis		</a:t>
+            </a:r>
+          </a:p>
+        </p:txBody>
+      </p:sp>
+      <p:sp>
+        <p:nvSpPr>
+          <p:cNvPr id="20" name="標題 19">
+            <a:extLst>
+              <a:ext uri="{FF2B5EF4-FFF2-40B4-BE49-F238E27FC236}">
+                <a16:creationId xmlns:a16="http://schemas.microsoft.com/office/drawing/2014/main" id="{EC610540-0719-49CA-8FAE-D2D54F74B712}"/>
+              </a:ext>
+            </a:extLst>
+          </p:cNvPr>
           <p:cNvSpPr>
             <a:spLocks noGrp="1"/>
           </p:cNvSpPr>
@@ -11676,7 +12118,7 @@
             </a:r>
             <a:r>
               <a:rPr lang="zh-TW" altLang="en-US" dirty="0"/>
-              <a:t>軟體問題</a:t>
+              <a:t>波形模擬問題</a:t>
             </a:r>
             <a:r>
               <a:rPr lang="en-US" altLang="zh-TW" dirty="0"/>
@@ -11688,10 +12130,10 @@
       </p:sp>
       <p:sp>
         <p:nvSpPr>
-          <p:cNvPr id="10" name="文字方塊 9">
+          <p:cNvPr id="13" name="文字方塊 12">
             <a:extLst>
               <a:ext uri="{FF2B5EF4-FFF2-40B4-BE49-F238E27FC236}">
-                <a16:creationId xmlns:a16="http://schemas.microsoft.com/office/drawing/2014/main" id="{BB5CB510-3FAF-4E7E-8F5C-C436845458D1}"/>
+                <a16:creationId xmlns:a16="http://schemas.microsoft.com/office/drawing/2014/main" id="{BC0F91A2-0AB7-4CB2-97FC-D39CBD92F530}"/>
               </a:ext>
             </a:extLst>
           </p:cNvPr>
@@ -11700,8 +12142,8 @@
         </p:nvSpPr>
         <p:spPr>
           <a:xfrm>
-            <a:off x="9021259" y="5812004"/>
-            <a:ext cx="2652876" cy="369332"/>
+            <a:off x="2853309" y="4675940"/>
+            <a:ext cx="3837396" cy="369332"/>
           </a:xfrm>
           <a:prstGeom prst="rect">
             <a:avLst/>
@@ -11726,31 +12168,148 @@
                 <a:latin typeface="標楷體" panose="03000509000000000000" pitchFamily="65" charset="-120"/>
                 <a:ea typeface="標楷體" panose="03000509000000000000" pitchFamily="65" charset="-120"/>
               </a:rPr>
-              <a:t>2-1.</a:t>
-            </a:r>
-            <a:r>
-              <a:rPr lang="en-US" altLang="zh-TW" sz="1800" dirty="0"/>
+              <a:t>3-1.</a:t>
+            </a:r>
+            <a:r>
+              <a:rPr lang="en-US" altLang="zh-TW" sz="1800" dirty="0">
+                <a:ea typeface="標楷體" panose="03000509000000000000" pitchFamily="65" charset="-120"/>
+              </a:rPr>
               <a:t> </a:t>
             </a:r>
             <a:r>
-              <a:rPr lang="en-US" altLang="zh-TW" sz="1800" dirty="0" err="1"/>
-              <a:t>Cachesystem.vhd</a:t>
-            </a:r>
-            <a:r>
-              <a:rPr lang="en-US" altLang="zh-TW" sz="1800" dirty="0"/>
-              <a:t> </a:t>
+              <a:rPr lang="en-US" altLang="zh-TW" dirty="0">
+                <a:ea typeface="標楷體" panose="03000509000000000000" pitchFamily="65" charset="-120"/>
+              </a:rPr>
+              <a:t>Message</a:t>
             </a:r>
             <a:endParaRPr lang="zh-TW" altLang="en-US" dirty="0">
               <a:latin typeface="Times New Roman" panose="02020603050405020304" pitchFamily="18" charset="0"/>
+              <a:ea typeface="標楷體" panose="03000509000000000000" pitchFamily="65" charset="-120"/>
               <a:cs typeface="Times New Roman" panose="02020603050405020304" pitchFamily="18" charset="0"/>
             </a:endParaRPr>
           </a:p>
         </p:txBody>
       </p:sp>
+      <p:pic>
+        <p:nvPicPr>
+          <p:cNvPr id="4" name="圖片 3">
+            <a:extLst>
+              <a:ext uri="{FF2B5EF4-FFF2-40B4-BE49-F238E27FC236}">
+                <a16:creationId xmlns:a16="http://schemas.microsoft.com/office/drawing/2014/main" id="{C01148E6-C5A3-4125-89FC-4780F3C75C08}"/>
+              </a:ext>
+            </a:extLst>
+          </p:cNvPr>
+          <p:cNvPicPr>
+            <a:picLocks noChangeAspect="1"/>
+          </p:cNvPicPr>
+          <p:nvPr/>
+        </p:nvPicPr>
+        <p:blipFill>
+          <a:blip r:embed="rId3"/>
+          <a:stretch>
+            <a:fillRect/>
+          </a:stretch>
+        </p:blipFill>
+        <p:spPr>
+          <a:xfrm>
+            <a:off x="664245" y="2797564"/>
+            <a:ext cx="6026460" cy="1816193"/>
+          </a:xfrm>
+          <a:prstGeom prst="rect">
+            <a:avLst/>
+          </a:prstGeom>
+        </p:spPr>
+      </p:pic>
+      <p:sp>
+        <p:nvSpPr>
+          <p:cNvPr id="9" name="文字方塊 8">
+            <a:extLst>
+              <a:ext uri="{FF2B5EF4-FFF2-40B4-BE49-F238E27FC236}">
+                <a16:creationId xmlns:a16="http://schemas.microsoft.com/office/drawing/2014/main" id="{3C8D11C3-405D-4499-9B75-5556F89F05F7}"/>
+              </a:ext>
+            </a:extLst>
+          </p:cNvPr>
+          <p:cNvSpPr txBox="1"/>
+          <p:nvPr/>
+        </p:nvSpPr>
+        <p:spPr>
+          <a:xfrm>
+            <a:off x="8118974" y="5612284"/>
+            <a:ext cx="3837396" cy="369332"/>
+          </a:xfrm>
+          <a:prstGeom prst="rect">
+            <a:avLst/>
+          </a:prstGeom>
+          <a:noFill/>
+        </p:spPr>
+        <p:txBody>
+          <a:bodyPr wrap="square">
+            <a:spAutoFit/>
+          </a:bodyPr>
+          <a:lstStyle/>
+          <a:p>
+            <a:r>
+              <a:rPr lang="zh-TW" altLang="en-US" dirty="0">
+                <a:latin typeface="標楷體" panose="03000509000000000000" pitchFamily="65" charset="-120"/>
+                <a:ea typeface="標楷體" panose="03000509000000000000" pitchFamily="65" charset="-120"/>
+              </a:rPr>
+              <a:t>圖</a:t>
+            </a:r>
+            <a:r>
+              <a:rPr lang="en-US" altLang="zh-TW" dirty="0">
+                <a:latin typeface="標楷體" panose="03000509000000000000" pitchFamily="65" charset="-120"/>
+                <a:ea typeface="標楷體" panose="03000509000000000000" pitchFamily="65" charset="-120"/>
+              </a:rPr>
+              <a:t>3-2.</a:t>
+            </a:r>
+            <a:r>
+              <a:rPr lang="en-US" altLang="zh-TW" sz="1800" dirty="0">
+                <a:ea typeface="標楷體" panose="03000509000000000000" pitchFamily="65" charset="-120"/>
+              </a:rPr>
+              <a:t> xvhdl.log</a:t>
+            </a:r>
+            <a:endParaRPr lang="zh-TW" altLang="en-US" dirty="0">
+              <a:latin typeface="Times New Roman" panose="02020603050405020304" pitchFamily="18" charset="0"/>
+              <a:ea typeface="標楷體" panose="03000509000000000000" pitchFamily="65" charset="-120"/>
+              <a:cs typeface="Times New Roman" panose="02020603050405020304" pitchFamily="18" charset="0"/>
+            </a:endParaRPr>
+          </a:p>
+        </p:txBody>
+      </p:sp>
+      <p:pic>
+        <p:nvPicPr>
+          <p:cNvPr id="11" name="圖片 10">
+            <a:extLst>
+              <a:ext uri="{FF2B5EF4-FFF2-40B4-BE49-F238E27FC236}">
+                <a16:creationId xmlns:a16="http://schemas.microsoft.com/office/drawing/2014/main" id="{C5B0E049-AF16-4B62-B7DC-E1D45561D289}"/>
+              </a:ext>
+            </a:extLst>
+          </p:cNvPr>
+          <p:cNvPicPr>
+            <a:picLocks noChangeAspect="1"/>
+          </p:cNvPicPr>
+          <p:nvPr/>
+        </p:nvPicPr>
+        <p:blipFill>
+          <a:blip r:embed="rId4"/>
+          <a:stretch>
+            <a:fillRect/>
+          </a:stretch>
+        </p:blipFill>
+        <p:spPr>
+          <a:xfrm>
+            <a:off x="7402846" y="2398070"/>
+            <a:ext cx="3266596" cy="3122835"/>
+          </a:xfrm>
+          <a:prstGeom prst="rect">
+            <a:avLst/>
+          </a:prstGeom>
+        </p:spPr>
+      </p:pic>
     </p:spTree>
     <p:extLst>
       <p:ext uri="{BB962C8B-B14F-4D97-AF65-F5344CB8AC3E}">
-        <p14:creationId xmlns:p14="http://schemas.microsoft.com/office/powerpoint/2010/main" val="3897597359"/>
+        <p14:creationId xmlns:p14="http://schemas.microsoft.com/office/powerpoint/2010/main" val="3197806420"/>
       </p:ext>
     </p:extLst>
   </p:cSld>
@@ -11803,95 +12362,35 @@
             <a:pPr lvl="1"/>
             <a:r>
               <a:rPr lang="en-US" altLang="zh-TW" sz="1800" dirty="0"/>
-              <a:t>Q2:</a:t>
+              <a:t>Q3:</a:t>
             </a:r>
             <a:r>
               <a:rPr lang="zh-TW" altLang="en-US" sz="1800" dirty="0"/>
-              <a:t> </a:t>
-            </a:r>
+              <a:t> 無法波形模擬</a:t>
+            </a:r>
+            <a:endParaRPr lang="en-US" altLang="zh-TW" sz="1800" dirty="0"/>
+          </a:p>
+          <a:p>
+            <a:pPr lvl="1"/>
             <a:r>
               <a:rPr lang="en-US" altLang="zh-TW" sz="1800" dirty="0"/>
-              <a:t>hysteresis</a:t>
+              <a:t>A3:</a:t>
             </a:r>
             <a:r>
               <a:rPr lang="zh-TW" altLang="en-US" sz="1800" dirty="0"/>
-              <a:t>輸出畫面向右平移</a:t>
-            </a:r>
-            <a:endParaRPr lang="en-US" altLang="zh-TW" sz="1800" dirty="0"/>
-          </a:p>
-          <a:p>
-            <a:pPr lvl="1"/>
+              <a:t> 更改各程式中引用模組的</a:t>
+            </a:r>
             <a:r>
               <a:rPr lang="en-US" altLang="zh-TW" sz="1800" dirty="0"/>
-              <a:t>A2:</a:t>
+              <a:t>Library</a:t>
             </a:r>
             <a:r>
               <a:rPr lang="zh-TW" altLang="en-US" sz="1800" dirty="0"/>
-              <a:t> 修改</a:t>
+              <a:t>，並執行</a:t>
             </a:r>
             <a:r>
               <a:rPr lang="en-US" altLang="zh-TW" sz="1800" dirty="0"/>
-              <a:t>hysteresis</a:t>
-            </a:r>
-            <a:r>
-              <a:rPr lang="zh-TW" altLang="en-US" sz="1800" dirty="0"/>
-              <a:t>先前的</a:t>
-            </a:r>
-            <a:r>
-              <a:rPr lang="en-US" altLang="zh-TW" sz="1800" dirty="0" err="1"/>
-              <a:t>i_enable</a:t>
-            </a:r>
-            <a:r>
-              <a:rPr lang="en-US" altLang="zh-TW" sz="1800" dirty="0"/>
-              <a:t> &lt;=</a:t>
-            </a:r>
-            <a:r>
-              <a:rPr lang="zh-TW" altLang="en-US" sz="1800" dirty="0"/>
-              <a:t> </a:t>
-            </a:r>
-            <a:r>
-              <a:rPr lang="en-US" altLang="zh-TW" sz="1800" dirty="0"/>
-              <a:t>‘1’</a:t>
-            </a:r>
-            <a:r>
-              <a:rPr lang="zh-TW" altLang="en-US" sz="1800" dirty="0"/>
-              <a:t>改</a:t>
-            </a:r>
-            <a:r>
-              <a:rPr lang="en-US" altLang="zh-TW" sz="1800" dirty="0" err="1">
-                <a:solidFill>
-                  <a:srgbClr val="FF0000"/>
-                </a:solidFill>
-              </a:rPr>
-              <a:t>i_enable</a:t>
-            </a:r>
-            <a:r>
-              <a:rPr lang="en-US" altLang="zh-TW" sz="1800" dirty="0">
-                <a:solidFill>
-                  <a:srgbClr val="FF0000"/>
-                </a:solidFill>
-              </a:rPr>
-              <a:t> &lt;=</a:t>
-            </a:r>
-            <a:r>
-              <a:rPr lang="zh-TW" altLang="en-US" sz="1800" dirty="0">
-                <a:solidFill>
-                  <a:srgbClr val="FF0000"/>
-                </a:solidFill>
-              </a:rPr>
-              <a:t> </a:t>
-            </a:r>
-            <a:r>
-              <a:rPr lang="en-US" altLang="zh-TW" sz="1800" dirty="0" err="1">
-                <a:solidFill>
-                  <a:srgbClr val="FF0000"/>
-                </a:solidFill>
-              </a:rPr>
-              <a:t>i_enable</a:t>
-            </a:r>
-            <a:r>
-              <a:rPr lang="en-US" altLang="zh-TW" sz="1800" dirty="0"/>
-              <a:t>			</a:t>
+              <a:t>Run Synthesis	</a:t>
             </a:r>
           </a:p>
         </p:txBody>
@@ -11927,7 +12426,7 @@
             </a:r>
             <a:r>
               <a:rPr lang="zh-TW" altLang="en-US" dirty="0"/>
-              <a:t>軟體問題</a:t>
+              <a:t>波形模擬問題</a:t>
             </a:r>
             <a:r>
               <a:rPr lang="en-US" altLang="zh-TW" dirty="0"/>
@@ -11951,7 +12450,7 @@
         </p:nvSpPr>
         <p:spPr>
           <a:xfrm>
-            <a:off x="0" y="5775581"/>
+            <a:off x="2438109" y="5134456"/>
             <a:ext cx="3837396" cy="369332"/>
           </a:xfrm>
           <a:prstGeom prst="rect">
@@ -11983,13 +12482,7 @@
               <a:rPr lang="en-US" altLang="zh-TW" sz="1800" dirty="0">
                 <a:ea typeface="標楷體" panose="03000509000000000000" pitchFamily="65" charset="-120"/>
               </a:rPr>
-              <a:t> </a:t>
-            </a:r>
-            <a:r>
-              <a:rPr lang="zh-TW" altLang="en-US" dirty="0">
-                <a:ea typeface="標楷體" panose="03000509000000000000" pitchFamily="65" charset="-120"/>
-              </a:rPr>
-              <a:t>在多個檔案中尋找</a:t>
+              <a:t> xvhdl.log</a:t>
             </a:r>
             <a:endParaRPr lang="zh-TW" altLang="en-US" dirty="0">
               <a:latin typeface="Times New Roman" panose="02020603050405020304" pitchFamily="18" charset="0"/>
@@ -11999,10 +12492,132 @@
           </a:p>
         </p:txBody>
       </p:sp>
+      <p:sp>
+        <p:nvSpPr>
+          <p:cNvPr id="9" name="文字方塊 8">
+            <a:extLst>
+              <a:ext uri="{FF2B5EF4-FFF2-40B4-BE49-F238E27FC236}">
+                <a16:creationId xmlns:a16="http://schemas.microsoft.com/office/drawing/2014/main" id="{3C8D11C3-405D-4499-9B75-5556F89F05F7}"/>
+              </a:ext>
+            </a:extLst>
+          </p:cNvPr>
+          <p:cNvSpPr txBox="1"/>
+          <p:nvPr/>
+        </p:nvSpPr>
+        <p:spPr>
+          <a:xfrm>
+            <a:off x="8353257" y="5063511"/>
+            <a:ext cx="3837396" cy="369332"/>
+          </a:xfrm>
+          <a:prstGeom prst="rect">
+            <a:avLst/>
+          </a:prstGeom>
+          <a:noFill/>
+        </p:spPr>
+        <p:txBody>
+          <a:bodyPr wrap="square">
+            <a:spAutoFit/>
+          </a:bodyPr>
+          <a:lstStyle/>
+          <a:p>
+            <a:r>
+              <a:rPr lang="zh-TW" altLang="en-US" dirty="0">
+                <a:latin typeface="標楷體" panose="03000509000000000000" pitchFamily="65" charset="-120"/>
+                <a:ea typeface="標楷體" panose="03000509000000000000" pitchFamily="65" charset="-120"/>
+              </a:rPr>
+              <a:t>圖</a:t>
+            </a:r>
+            <a:r>
+              <a:rPr lang="en-US" altLang="zh-TW" dirty="0">
+                <a:latin typeface="標楷體" panose="03000509000000000000" pitchFamily="65" charset="-120"/>
+                <a:ea typeface="標楷體" panose="03000509000000000000" pitchFamily="65" charset="-120"/>
+              </a:rPr>
+              <a:t>3-2.</a:t>
+            </a:r>
+            <a:r>
+              <a:rPr lang="en-US" altLang="zh-TW" sz="1800" dirty="0">
+                <a:ea typeface="標楷體" panose="03000509000000000000" pitchFamily="65" charset="-120"/>
+              </a:rPr>
+              <a:t> </a:t>
+            </a:r>
+            <a:r>
+              <a:rPr lang="en-US" altLang="zh-TW" dirty="0" err="1">
+                <a:ea typeface="標楷體" panose="03000509000000000000" pitchFamily="65" charset="-120"/>
+              </a:rPr>
+              <a:t>Corner_Detector.vhd</a:t>
+            </a:r>
+            <a:endParaRPr lang="zh-TW" altLang="en-US" dirty="0">
+              <a:latin typeface="Times New Roman" panose="02020603050405020304" pitchFamily="18" charset="0"/>
+              <a:ea typeface="標楷體" panose="03000509000000000000" pitchFamily="65" charset="-120"/>
+              <a:cs typeface="Times New Roman" panose="02020603050405020304" pitchFamily="18" charset="0"/>
+            </a:endParaRPr>
+          </a:p>
+        </p:txBody>
+      </p:sp>
+      <p:pic>
+        <p:nvPicPr>
+          <p:cNvPr id="11" name="圖片 10">
+            <a:extLst>
+              <a:ext uri="{FF2B5EF4-FFF2-40B4-BE49-F238E27FC236}">
+                <a16:creationId xmlns:a16="http://schemas.microsoft.com/office/drawing/2014/main" id="{F8CB7718-8385-4ECF-8061-46DB6BDF99C8}"/>
+              </a:ext>
+            </a:extLst>
+          </p:cNvPr>
+          <p:cNvPicPr>
+            <a:picLocks noChangeAspect="1"/>
+          </p:cNvPicPr>
+          <p:nvPr/>
+        </p:nvPicPr>
+        <p:blipFill>
+          <a:blip r:embed="rId3"/>
+          <a:stretch>
+            <a:fillRect/>
+          </a:stretch>
+        </p:blipFill>
+        <p:spPr>
+          <a:xfrm>
+            <a:off x="7279772" y="2924545"/>
+            <a:ext cx="4065746" cy="1982342"/>
+          </a:xfrm>
+          <a:prstGeom prst="rect">
+            <a:avLst/>
+          </a:prstGeom>
+        </p:spPr>
+      </p:pic>
+      <p:pic>
+        <p:nvPicPr>
+          <p:cNvPr id="14" name="圖片 13">
+            <a:extLst>
+              <a:ext uri="{FF2B5EF4-FFF2-40B4-BE49-F238E27FC236}">
+                <a16:creationId xmlns:a16="http://schemas.microsoft.com/office/drawing/2014/main" id="{C5AF9B20-737C-4D40-A691-01A5514D3ABD}"/>
+              </a:ext>
+            </a:extLst>
+          </p:cNvPr>
+          <p:cNvPicPr>
+            <a:picLocks noChangeAspect="1"/>
+          </p:cNvPicPr>
+          <p:nvPr/>
+        </p:nvPicPr>
+        <p:blipFill>
+          <a:blip r:embed="rId4"/>
+          <a:stretch>
+            <a:fillRect/>
+          </a:stretch>
+        </p:blipFill>
+        <p:spPr>
+          <a:xfrm>
+            <a:off x="409904" y="2924545"/>
+            <a:ext cx="6569390" cy="1982342"/>
+          </a:xfrm>
+          <a:prstGeom prst="rect">
+            <a:avLst/>
+          </a:prstGeom>
+        </p:spPr>
+      </p:pic>
     </p:spTree>
     <p:extLst>
       <p:ext uri="{BB962C8B-B14F-4D97-AF65-F5344CB8AC3E}">
-        <p14:creationId xmlns:p14="http://schemas.microsoft.com/office/powerpoint/2010/main" val="3197806420"/>
+        <p14:creationId xmlns:p14="http://schemas.microsoft.com/office/powerpoint/2010/main" val="4212649646"/>
       </p:ext>
     </p:extLst>
   </p:cSld>
@@ -12233,92 +12848,6 @@
             <a:endParaRPr lang="en-US" altLang="zh-TW" dirty="0"/>
           </a:p>
           <a:p>
-            <a:pPr lvl="2"/>
-            <a:endParaRPr lang="en-US" altLang="zh-TW" dirty="0">
-              <a:solidFill>
-                <a:srgbClr val="0563C1"/>
-              </a:solidFill>
-              <a:cs typeface="Times New Roman" panose="02020603050405020304" pitchFamily="18" charset="0"/>
-            </a:endParaRPr>
-          </a:p>
-          <a:p>
-            <a:pPr lvl="1"/>
-            <a:r>
-              <a:rPr lang="zh-TW" altLang="en-US" dirty="0">
-                <a:solidFill>
-                  <a:srgbClr val="0563C1"/>
-                </a:solidFill>
-                <a:cs typeface="Times New Roman" panose="02020603050405020304" pitchFamily="18" charset="0"/>
-              </a:rPr>
-              <a:t>多輸入邏輯閘</a:t>
-            </a:r>
-            <a:r>
-              <a:rPr lang="en-US" altLang="zh-TW" dirty="0">
-                <a:solidFill>
-                  <a:srgbClr val="0563C1"/>
-                </a:solidFill>
-                <a:cs typeface="Times New Roman" panose="02020603050405020304" pitchFamily="18" charset="0"/>
-              </a:rPr>
-              <a:t>:</a:t>
-            </a:r>
-          </a:p>
-          <a:p>
-            <a:pPr lvl="2"/>
-            <a:r>
-              <a:rPr lang="en-US" altLang="zh-TW" b="1" dirty="0">
-                <a:hlinkClick r:id="rId4"/>
-              </a:rPr>
-              <a:t>and bitwise operation on </a:t>
-            </a:r>
-            <a:r>
-              <a:rPr lang="en-US" altLang="zh-TW" b="1" dirty="0" err="1">
-                <a:hlinkClick r:id="rId4"/>
-              </a:rPr>
-              <a:t>std_logic_vector</a:t>
-            </a:r>
-            <a:r>
-              <a:rPr lang="en-US" altLang="zh-TW" b="1" dirty="0">
-                <a:hlinkClick r:id="rId4"/>
-              </a:rPr>
-              <a:t> bits - Google Groups</a:t>
-            </a:r>
-          </a:p>
-          <a:p>
-            <a:pPr marL="914400" lvl="2" indent="0">
-              <a:buNone/>
-            </a:pPr>
-            <a:r>
-              <a:rPr lang="en-US" altLang="zh-TW" dirty="0" err="1">
-                <a:hlinkClick r:id="rId4"/>
-              </a:rPr>
-              <a:t>google.com</a:t>
-            </a:r>
-            <a:r>
-              <a:rPr lang="en-US" altLang="zh-TW" i="1" dirty="0" err="1">
-                <a:hlinkClick r:id="rId4"/>
-              </a:rPr>
-              <a:t>https</a:t>
-            </a:r>
-            <a:r>
-              <a:rPr lang="en-US" altLang="zh-TW" i="1" dirty="0">
-                <a:hlinkClick r:id="rId4"/>
-              </a:rPr>
-              <a:t>://groups.google.com › </a:t>
-            </a:r>
-            <a:r>
-              <a:rPr lang="en-US" altLang="zh-TW" i="1" dirty="0" err="1">
-                <a:hlinkClick r:id="rId4"/>
-              </a:rPr>
-              <a:t>comp.lang</a:t>
-            </a:r>
-            <a:r>
-              <a:rPr lang="en-US" altLang="zh-TW" i="1" dirty="0">
-                <a:hlinkClick r:id="rId4"/>
-              </a:rPr>
-              <a:t>....</a:t>
-            </a:r>
-          </a:p>
-          <a:p>
             <a:pPr marL="914400" lvl="2" indent="0">
               <a:buNone/>
             </a:pPr>
@@ -12403,7 +12932,7 @@
         </p:blipFill>
         <p:spPr>
           <a:xfrm>
-            <a:off x="1955890" y="4695134"/>
+            <a:off x="1774587" y="4056631"/>
             <a:ext cx="5016758" cy="1314518"/>
           </a:xfrm>
           <a:prstGeom prst="rect">
@@ -13061,8 +13590,8 @@
         </p:nvSpPr>
         <p:spPr>
           <a:xfrm>
-            <a:off x="2900509" y="1859581"/>
-            <a:ext cx="5799608" cy="1477328"/>
+            <a:off x="3196196" y="1922986"/>
+            <a:ext cx="5799608" cy="2900794"/>
           </a:xfrm>
           <a:prstGeom prst="rect">
             <a:avLst/>
@@ -13129,18 +13658,6 @@
               <a:buChar char="•"/>
             </a:pPr>
             <a:r>
-              <a:rPr lang="en-US" altLang="zh-TW" sz="1600" b="1">
-                <a:solidFill>
-                  <a:schemeClr val="accent6">
-                    <a:lumMod val="75000"/>
-                  </a:schemeClr>
-                </a:solidFill>
-                <a:latin typeface="標楷體" panose="03000509000000000000" pitchFamily="65" charset="-120"/>
-                <a:ea typeface="標楷體" panose="03000509000000000000" pitchFamily="65" charset="-120"/>
-              </a:rPr>
-              <a:t>2023/6/21~2023/6/27</a:t>
-            </a:r>
-            <a:r>
               <a:rPr lang="en-US" altLang="zh-TW" sz="1600" b="1" dirty="0">
                 <a:solidFill>
                   <a:schemeClr val="accent6">
@@ -13150,7 +13667,7 @@
                 <a:latin typeface="標楷體" panose="03000509000000000000" pitchFamily="65" charset="-120"/>
                 <a:ea typeface="標楷體" panose="03000509000000000000" pitchFamily="65" charset="-120"/>
               </a:rPr>
-              <a:t>:</a:t>
+              <a:t>2023/6/21~2023/6/27:</a:t>
             </a:r>
             <a:endParaRPr lang="en-US" altLang="zh-TW" sz="1600" dirty="0">
               <a:solidFill>
@@ -13172,12 +13689,20 @@
               <a:buChar char="•"/>
             </a:pPr>
             <a:r>
-              <a:rPr lang="en-US" altLang="zh-TW" sz="1600" dirty="0" err="1">
+              <a:rPr lang="en-US" altLang="zh-TW" sz="1600" dirty="0">
                 <a:latin typeface="Times New Roman" panose="02020603050405020304" pitchFamily="18" charset="0"/>
                 <a:ea typeface="標楷體" panose="03000509000000000000" pitchFamily="65" charset="-120"/>
                 <a:cs typeface="Times New Roman" panose="02020603050405020304" pitchFamily="18" charset="0"/>
               </a:rPr>
-              <a:t>HDL_Corner_Algorithm</a:t>
+              <a:t>MATLAB</a:t>
+            </a:r>
+            <a:r>
+              <a:rPr lang="zh-TW" altLang="en-US" sz="1600" dirty="0">
+                <a:latin typeface="Times New Roman" panose="02020603050405020304" pitchFamily="18" charset="0"/>
+                <a:ea typeface="標楷體" panose="03000509000000000000" pitchFamily="65" charset="-120"/>
+                <a:cs typeface="Times New Roman" panose="02020603050405020304" pitchFamily="18" charset="0"/>
+              </a:rPr>
+              <a:t>、</a:t>
             </a:r>
             <a:r>
               <a:rPr lang="en-US" altLang="zh-TW" sz="1600" dirty="0">
@@ -13185,7 +13710,7 @@
                 <a:ea typeface="標楷體" panose="03000509000000000000" pitchFamily="65" charset="-120"/>
                 <a:cs typeface="Times New Roman" panose="02020603050405020304" pitchFamily="18" charset="0"/>
               </a:rPr>
-              <a:t> </a:t>
+              <a:t>Simulink </a:t>
             </a:r>
             <a:r>
               <a:rPr lang="zh-TW" altLang="en-US" sz="1600" dirty="0">
@@ -13193,45 +13718,23 @@
                 <a:ea typeface="標楷體" panose="03000509000000000000" pitchFamily="65" charset="-120"/>
                 <a:cs typeface="Times New Roman" panose="02020603050405020304" pitchFamily="18" charset="0"/>
               </a:rPr>
-              <a:t>波型模擬</a:t>
-            </a:r>
-            <a:endParaRPr lang="en-US" altLang="zh-TW" sz="1600" dirty="0">
-              <a:latin typeface="Times New Roman" panose="02020603050405020304" pitchFamily="18" charset="0"/>
-              <a:ea typeface="標楷體" panose="03000509000000000000" pitchFamily="65" charset="-120"/>
-              <a:cs typeface="Times New Roman" panose="02020603050405020304" pitchFamily="18" charset="0"/>
-            </a:endParaRPr>
-          </a:p>
-          <a:p>
-            <a:pPr fontAlgn="base">
-              <a:spcBef>
-                <a:spcPts val="300"/>
-              </a:spcBef>
-              <a:buFont typeface="Arial" panose="020B0604020202020204" pitchFamily="34" charset="0"/>
-              <a:buChar char="•"/>
-            </a:pPr>
+              <a:t>產生 </a:t>
+            </a:r>
             <a:r>
               <a:rPr lang="en-US" altLang="zh-TW" sz="1600" dirty="0">
                 <a:latin typeface="Times New Roman" panose="02020603050405020304" pitchFamily="18" charset="0"/>
                 <a:ea typeface="標楷體" panose="03000509000000000000" pitchFamily="65" charset="-120"/>
                 <a:cs typeface="Times New Roman" panose="02020603050405020304" pitchFamily="18" charset="0"/>
               </a:rPr>
-              <a:t>BRAM(640x480) + </a:t>
-            </a:r>
-            <a:r>
-              <a:rPr lang="en-US" altLang="zh-TW" sz="1600" dirty="0" err="1">
+              <a:t>HDL </a:t>
+            </a:r>
+            <a:r>
+              <a:rPr lang="zh-TW" altLang="en-US" sz="1600" dirty="0">
                 <a:latin typeface="Times New Roman" panose="02020603050405020304" pitchFamily="18" charset="0"/>
                 <a:ea typeface="標楷體" panose="03000509000000000000" pitchFamily="65" charset="-120"/>
                 <a:cs typeface="Times New Roman" panose="02020603050405020304" pitchFamily="18" charset="0"/>
               </a:rPr>
-              <a:t>HDL_Corner_Algorithm</a:t>
-            </a:r>
-            <a:r>
-              <a:rPr lang="zh-TW" altLang="en-US" sz="1600" dirty="0">
-                <a:latin typeface="Times New Roman" panose="02020603050405020304" pitchFamily="18" charset="0"/>
-                <a:ea typeface="標楷體" panose="03000509000000000000" pitchFamily="65" charset="-120"/>
-                <a:cs typeface="Times New Roman" panose="02020603050405020304" pitchFamily="18" charset="0"/>
-              </a:rPr>
-              <a:t> 波型模擬</a:t>
+              <a:t>檔</a:t>
             </a:r>
             <a:endParaRPr lang="en-US" altLang="zh-TW" sz="1600" dirty="0">
               <a:latin typeface="Times New Roman" panose="02020603050405020304" pitchFamily="18" charset="0"/>
@@ -13249,6 +13752,218 @@
             </a:pPr>
             <a:endParaRPr lang="en-US" altLang="zh-TW" sz="1600" dirty="0">
               <a:latin typeface="Times New Roman" panose="02020603050405020304" pitchFamily="18" charset="0"/>
+              <a:ea typeface="標楷體" panose="03000509000000000000" pitchFamily="65" charset="-120"/>
+              <a:cs typeface="Times New Roman" panose="02020603050405020304" pitchFamily="18" charset="0"/>
+            </a:endParaRPr>
+          </a:p>
+          <a:p>
+            <a:pPr fontAlgn="base">
+              <a:spcBef>
+                <a:spcPts val="300"/>
+              </a:spcBef>
+              <a:buFont typeface="Arial" panose="020B0604020202020204" pitchFamily="34" charset="0"/>
+              <a:buChar char="•"/>
+            </a:pPr>
+            <a:r>
+              <a:rPr lang="en-US" altLang="zh-TW" sz="1600" b="1" dirty="0">
+                <a:solidFill>
+                  <a:schemeClr val="accent6">
+                    <a:lumMod val="75000"/>
+                  </a:schemeClr>
+                </a:solidFill>
+                <a:latin typeface="標楷體" panose="03000509000000000000" pitchFamily="65" charset="-120"/>
+                <a:ea typeface="標楷體" panose="03000509000000000000" pitchFamily="65" charset="-120"/>
+              </a:rPr>
+              <a:t>2023/6/28~2023/7/5:</a:t>
+            </a:r>
+          </a:p>
+          <a:p>
+            <a:pPr fontAlgn="base">
+              <a:spcBef>
+                <a:spcPts val="300"/>
+              </a:spcBef>
+              <a:buFont typeface="Arial" panose="020B0604020202020204" pitchFamily="34" charset="0"/>
+              <a:buChar char="•"/>
+            </a:pPr>
+            <a:r>
+              <a:rPr lang="zh-TW" altLang="en-US" sz="1600" dirty="0">
+                <a:latin typeface="Times New Roman" panose="02020603050405020304" pitchFamily="18" charset="0"/>
+                <a:ea typeface="標楷體" panose="03000509000000000000" pitchFamily="65" charset="-120"/>
+                <a:cs typeface="Times New Roman" panose="02020603050405020304" pitchFamily="18" charset="0"/>
+              </a:rPr>
+              <a:t>使用實驗室的</a:t>
+            </a:r>
+            <a:r>
+              <a:rPr lang="en-US" altLang="zh-TW" sz="1600" dirty="0">
+                <a:latin typeface="Times New Roman" panose="02020603050405020304" pitchFamily="18" charset="0"/>
+                <a:ea typeface="標楷體" panose="03000509000000000000" pitchFamily="65" charset="-120"/>
+                <a:cs typeface="Times New Roman" panose="02020603050405020304" pitchFamily="18" charset="0"/>
+              </a:rPr>
+              <a:t>Harris IP</a:t>
+            </a:r>
+          </a:p>
+          <a:p>
+            <a:pPr fontAlgn="base">
+              <a:spcBef>
+                <a:spcPts val="300"/>
+              </a:spcBef>
+              <a:buFont typeface="Arial" panose="020B0604020202020204" pitchFamily="34" charset="0"/>
+              <a:buChar char="•"/>
+            </a:pPr>
+            <a:r>
+              <a:rPr lang="en-US" altLang="zh-TW" sz="1600" dirty="0" err="1">
+                <a:latin typeface="Times New Roman" panose="02020603050405020304" pitchFamily="18" charset="0"/>
+                <a:ea typeface="標楷體" panose="03000509000000000000" pitchFamily="65" charset="-120"/>
+                <a:cs typeface="Times New Roman" panose="02020603050405020304" pitchFamily="18" charset="0"/>
+              </a:rPr>
+              <a:t>HDL_Corner_Algorithm</a:t>
+            </a:r>
+            <a:r>
+              <a:rPr lang="en-US" altLang="zh-TW" sz="1600" dirty="0">
+                <a:latin typeface="Times New Roman" panose="02020603050405020304" pitchFamily="18" charset="0"/>
+                <a:ea typeface="標楷體" panose="03000509000000000000" pitchFamily="65" charset="-120"/>
+                <a:cs typeface="Times New Roman" panose="02020603050405020304" pitchFamily="18" charset="0"/>
+              </a:rPr>
+              <a:t> </a:t>
+            </a:r>
+            <a:r>
+              <a:rPr lang="zh-TW" altLang="en-US" sz="1600" dirty="0">
+                <a:latin typeface="Times New Roman" panose="02020603050405020304" pitchFamily="18" charset="0"/>
+                <a:ea typeface="標楷體" panose="03000509000000000000" pitchFamily="65" charset="-120"/>
+                <a:cs typeface="Times New Roman" panose="02020603050405020304" pitchFamily="18" charset="0"/>
+              </a:rPr>
+              <a:t>波型模擬</a:t>
+            </a:r>
+            <a:endParaRPr lang="en-US" altLang="zh-TW" sz="1600" dirty="0">
+              <a:latin typeface="Times New Roman" panose="02020603050405020304" pitchFamily="18" charset="0"/>
+              <a:ea typeface="標楷體" panose="03000509000000000000" pitchFamily="65" charset="-120"/>
+              <a:cs typeface="Times New Roman" panose="02020603050405020304" pitchFamily="18" charset="0"/>
+            </a:endParaRPr>
+          </a:p>
+          <a:p>
+            <a:pPr fontAlgn="base">
+              <a:spcBef>
+                <a:spcPts val="300"/>
+              </a:spcBef>
+              <a:buFont typeface="Arial" panose="020B0604020202020204" pitchFamily="34" charset="0"/>
+              <a:buChar char="•"/>
+            </a:pPr>
+            <a:r>
+              <a:rPr lang="en-US" altLang="zh-TW" sz="1600" dirty="0">
+                <a:latin typeface="Times New Roman" panose="02020603050405020304" pitchFamily="18" charset="0"/>
+                <a:ea typeface="標楷體" panose="03000509000000000000" pitchFamily="65" charset="-120"/>
+                <a:cs typeface="Times New Roman" panose="02020603050405020304" pitchFamily="18" charset="0"/>
+              </a:rPr>
+              <a:t>BRAM(640x480) + </a:t>
+            </a:r>
+            <a:r>
+              <a:rPr lang="en-US" altLang="zh-TW" sz="1600" dirty="0" err="1">
+                <a:latin typeface="Times New Roman" panose="02020603050405020304" pitchFamily="18" charset="0"/>
+                <a:ea typeface="標楷體" panose="03000509000000000000" pitchFamily="65" charset="-120"/>
+                <a:cs typeface="Times New Roman" panose="02020603050405020304" pitchFamily="18" charset="0"/>
+              </a:rPr>
+              <a:t>HDL_Corner_Algorithm</a:t>
+            </a:r>
+            <a:r>
+              <a:rPr lang="zh-TW" altLang="en-US" sz="1600" dirty="0">
+                <a:latin typeface="Times New Roman" panose="02020603050405020304" pitchFamily="18" charset="0"/>
+                <a:ea typeface="標楷體" panose="03000509000000000000" pitchFamily="65" charset="-120"/>
+                <a:cs typeface="Times New Roman" panose="02020603050405020304" pitchFamily="18" charset="0"/>
+              </a:rPr>
+              <a:t> 波形</a:t>
+            </a:r>
+            <a:endParaRPr lang="en-US" altLang="zh-TW" sz="1600" dirty="0">
+              <a:latin typeface="Times New Roman" panose="02020603050405020304" pitchFamily="18" charset="0"/>
+              <a:ea typeface="標楷體" panose="03000509000000000000" pitchFamily="65" charset="-120"/>
+              <a:cs typeface="Times New Roman" panose="02020603050405020304" pitchFamily="18" charset="0"/>
+            </a:endParaRPr>
+          </a:p>
+          <a:p>
+            <a:pPr fontAlgn="base">
+              <a:spcBef>
+                <a:spcPts val="300"/>
+              </a:spcBef>
+              <a:buFont typeface="Arial" panose="020B0604020202020204" pitchFamily="34" charset="0"/>
+              <a:buChar char="•"/>
+            </a:pPr>
+            <a:r>
+              <a:rPr lang="zh-TW" altLang="en-US" sz="1600" dirty="0">
+                <a:latin typeface="Times New Roman" panose="02020603050405020304" pitchFamily="18" charset="0"/>
+                <a:ea typeface="標楷體" panose="03000509000000000000" pitchFamily="65" charset="-120"/>
+                <a:cs typeface="Times New Roman" panose="02020603050405020304" pitchFamily="18" charset="0"/>
+              </a:rPr>
+              <a:t>加上手繪矩形，以</a:t>
+            </a:r>
+            <a:r>
+              <a:rPr lang="en-US" altLang="zh-TW" sz="1600" dirty="0" err="1">
+                <a:latin typeface="Times New Roman" panose="02020603050405020304" pitchFamily="18" charset="0"/>
+                <a:ea typeface="標楷體" panose="03000509000000000000" pitchFamily="65" charset="-120"/>
+                <a:cs typeface="Times New Roman" panose="02020603050405020304" pitchFamily="18" charset="0"/>
+              </a:rPr>
+              <a:t>SW_img</a:t>
+            </a:r>
+            <a:r>
+              <a:rPr lang="zh-TW" altLang="en-US" sz="1600" dirty="0">
+                <a:latin typeface="Times New Roman" panose="02020603050405020304" pitchFamily="18" charset="0"/>
+                <a:ea typeface="標楷體" panose="03000509000000000000" pitchFamily="65" charset="-120"/>
+                <a:cs typeface="Times New Roman" panose="02020603050405020304" pitchFamily="18" charset="0"/>
+              </a:rPr>
+              <a:t>切換圖案、矩形</a:t>
+            </a:r>
+          </a:p>
+          <a:p>
+            <a:pPr fontAlgn="base">
+              <a:spcBef>
+                <a:spcPts val="300"/>
+              </a:spcBef>
+              <a:buFont typeface="Arial" panose="020B0604020202020204" pitchFamily="34" charset="0"/>
+              <a:buChar char="•"/>
+            </a:pPr>
+            <a:r>
+              <a:rPr lang="en-US" altLang="zh-TW" sz="1600" dirty="0" err="1">
+                <a:cs typeface="Times New Roman" panose="02020603050405020304" pitchFamily="18" charset="0"/>
+              </a:rPr>
+              <a:t>Harris_warpper</a:t>
+            </a:r>
+            <a:r>
+              <a:rPr lang="en-US" altLang="zh-TW" sz="1600" dirty="0">
+                <a:cs typeface="Times New Roman" panose="02020603050405020304" pitchFamily="18" charset="0"/>
+              </a:rPr>
+              <a:t> + </a:t>
+            </a:r>
+            <a:r>
+              <a:rPr lang="en-US" altLang="zh-TW" sz="1600" dirty="0" err="1">
+                <a:cs typeface="Times New Roman" panose="02020603050405020304" pitchFamily="18" charset="0"/>
+              </a:rPr>
+              <a:t>VGA_out</a:t>
+            </a:r>
+            <a:r>
+              <a:rPr lang="en-US" altLang="zh-TW" sz="1600" dirty="0">
+                <a:cs typeface="Times New Roman" panose="02020603050405020304" pitchFamily="18" charset="0"/>
+              </a:rPr>
+              <a:t> </a:t>
+            </a:r>
+            <a:r>
+              <a:rPr lang="zh-TW" altLang="en-US" sz="1600" dirty="0">
+                <a:latin typeface="標楷體" panose="03000509000000000000" pitchFamily="65" charset="-120"/>
+                <a:ea typeface="標楷體" panose="03000509000000000000" pitchFamily="65" charset="-120"/>
+              </a:rPr>
+              <a:t>燒錄，以</a:t>
+            </a:r>
+            <a:r>
+              <a:rPr lang="en-US" altLang="zh-TW" sz="1600" dirty="0">
+                <a:cs typeface="Times New Roman" panose="02020603050405020304" pitchFamily="18" charset="0"/>
+              </a:rPr>
+              <a:t>VGA</a:t>
+            </a:r>
+            <a:r>
+              <a:rPr lang="zh-TW" altLang="en-US" sz="1600" dirty="0">
+                <a:latin typeface="標楷體" panose="03000509000000000000" pitchFamily="65" charset="-120"/>
+                <a:ea typeface="標楷體" panose="03000509000000000000" pitchFamily="65" charset="-120"/>
+              </a:rPr>
+              <a:t>畫面驗證</a:t>
+            </a:r>
+            <a:endParaRPr lang="en-US" altLang="zh-TW" sz="1600" dirty="0">
               <a:ea typeface="標楷體" panose="03000509000000000000" pitchFamily="65" charset="-120"/>
               <a:cs typeface="Times New Roman" panose="02020603050405020304" pitchFamily="18" charset="0"/>
             </a:endParaRPr>
@@ -13346,8 +14061,8 @@
         </p:nvSpPr>
         <p:spPr>
           <a:xfrm>
-            <a:off x="3352022" y="1459737"/>
-            <a:ext cx="9811343" cy="4815544"/>
+            <a:off x="3352022" y="1519371"/>
+            <a:ext cx="10515600" cy="4815544"/>
           </a:xfrm>
           <a:prstGeom prst="rect">
             <a:avLst/>
@@ -13582,7 +14297,7 @@
             </a:r>
             <a:r>
               <a:rPr lang="en-US" altLang="zh-TW" dirty="0"/>
-              <a:t>(img2corner)</a:t>
+              <a:t>(image detect corner)</a:t>
             </a:r>
           </a:p>
           <a:p>
@@ -13631,7 +14346,7 @@
             </a:r>
             <a:r>
               <a:rPr lang="en-US" altLang="zh-TW" dirty="0"/>
-              <a:t>(800 x 600)</a:t>
+              <a:t>(800 x 600 pixels)</a:t>
             </a:r>
           </a:p>
           <a:p>
@@ -13660,7 +14375,7 @@
             <a:pPr marL="742950" lvl="2" indent="-285750"/>
             <a:r>
               <a:rPr lang="en-US" altLang="zh-TW" dirty="0"/>
-              <a:t>800x600 (FPS = 59.5248)</a:t>
+              <a:t>800x600 pixels (FPS = 59.5248)</a:t>
             </a:r>
           </a:p>
           <a:p>
@@ -14262,7 +14977,7 @@
             </a:r>
             <a:r>
               <a:rPr lang="en-US" altLang="zh-TW" dirty="0"/>
-              <a:t> 2018.3</a:t>
+              <a:t> 2022.1</a:t>
             </a:r>
             <a:endParaRPr lang="en-US" altLang="zh-TW" dirty="0">
               <a:solidFill>
@@ -14343,7 +15058,7 @@
             </a:r>
             <a:r>
               <a:rPr lang="en-US" altLang="zh-TW" dirty="0"/>
-              <a:t>MATLAB 2013.1</a:t>
+              <a:t>MATLAB 2023.1</a:t>
             </a:r>
             <a:endParaRPr lang="en-US" altLang="zh-TW" dirty="0">
               <a:solidFill>
@@ -14584,6 +15299,13 @@
             <a:pPr marL="285750" lvl="1" indent="-285750"/>
             <a:r>
               <a:rPr lang="en-US" altLang="zh-TW" dirty="0"/>
+              <a:t>--top module</a:t>
+            </a:r>
+          </a:p>
+          <a:p>
+            <a:pPr marL="285750" lvl="1" indent="-285750"/>
+            <a:r>
+              <a:rPr lang="en-US" altLang="zh-TW" dirty="0"/>
               <a:t>library IEEE;</a:t>
             </a:r>
           </a:p>
@@ -14701,7 +15423,7 @@
         <p:spPr>
           <a:xfrm>
             <a:off x="6487924" y="2484398"/>
-            <a:ext cx="3236784" cy="646331"/>
+            <a:ext cx="3236784" cy="923330"/>
           </a:xfrm>
           <a:prstGeom prst="rect">
             <a:avLst/>
@@ -14807,6 +15529,16 @@
             </a:lvl9pPr>
           </a:lstStyle>
           <a:p>
+            <a:pPr marL="0" lvl="1"/>
+            <a:r>
+              <a:rPr lang="en-US" altLang="zh-TW" dirty="0">
+                <a:latin typeface="Times New Roman" panose="02020603050405020304" pitchFamily="18" charset="0"/>
+                <a:cs typeface="Times New Roman" panose="02020603050405020304" pitchFamily="18" charset="0"/>
+              </a:rPr>
+              <a:t>--test bench</a:t>
+            </a:r>
+          </a:p>
+          <a:p>
             <a:pPr marL="285750" lvl="1" indent="-285750">
               <a:buFont typeface="Arial" panose="020B0604020202020204" pitchFamily="34" charset="0"/>
               <a:buChar char="•"/>
@@ -14865,7 +15597,7 @@
                 <a:ea typeface="標楷體" panose="03000509000000000000" pitchFamily="65" charset="-120"/>
                 <a:cs typeface="Times New Roman" panose="02020603050405020304" pitchFamily="18" charset="0"/>
               </a:rPr>
-              <a:t>打印波形</a:t>
+              <a:t>紀錄波形</a:t>
             </a:r>
             <a:endParaRPr lang="en-US" altLang="zh-TW" dirty="0">
               <a:latin typeface="Times New Roman" panose="02020603050405020304" pitchFamily="18" charset="0"/>
@@ -15191,7 +15923,7 @@
         <p:spPr>
           <a:xfrm>
             <a:off x="7387959" y="3702724"/>
-            <a:ext cx="4049924" cy="646331"/>
+            <a:ext cx="4049924" cy="923330"/>
           </a:xfrm>
           <a:prstGeom prst="rect">
             <a:avLst/>
@@ -15229,21 +15961,64 @@
                 <a:latin typeface="Times New Roman" panose="02020603050405020304" pitchFamily="18" charset="0"/>
                 <a:ea typeface="標楷體" panose="03000509000000000000" pitchFamily="65" charset="-120"/>
               </a:rPr>
-              <a:t> = 0.04 = 5/128 = *”101”, </a:t>
+              <a:t> = 0.04 = 5/125 </a:t>
+            </a:r>
+            <a:endParaRPr lang="en-US" altLang="zh-TW" b="0" i="0" dirty="0">
+              <a:solidFill>
+                <a:srgbClr val="4007A2"/>
+              </a:solidFill>
+              <a:effectLst/>
+              <a:latin typeface="-apple-system"/>
+            </a:endParaRPr>
+          </a:p>
+          <a:p>
+            <a:r>
+              <a:rPr lang="en-US" altLang="zh-TW" dirty="0">
+                <a:solidFill>
+                  <a:srgbClr val="4007A2"/>
+                </a:solidFill>
+                <a:latin typeface="-apple-system"/>
+                <a:ea typeface="標楷體" panose="03000509000000000000" pitchFamily="65" charset="-120"/>
+              </a:rPr>
+              <a:t>(</a:t>
             </a:r>
             <a:r>
               <a:rPr lang="zh-TW" altLang="en-US" dirty="0">
-                <a:latin typeface="Times New Roman" panose="02020603050405020304" pitchFamily="18" charset="0"/>
-                <a:ea typeface="標楷體" panose="03000509000000000000" pitchFamily="65" charset="-120"/>
-              </a:rPr>
-              <a:t>右移</a:t>
+                <a:solidFill>
+                  <a:srgbClr val="4007A2"/>
+                </a:solidFill>
+                <a:latin typeface="-apple-system"/>
+                <a:ea typeface="標楷體" panose="03000509000000000000" pitchFamily="65" charset="-120"/>
+              </a:rPr>
+              <a:t>約等於</a:t>
+            </a:r>
+            <a:r>
+              <a:rPr lang="zh-TW" altLang="en-US" dirty="0">
+                <a:latin typeface="Times New Roman" panose="02020603050405020304" pitchFamily="18" charset="0"/>
+                <a:ea typeface="標楷體" panose="03000509000000000000" pitchFamily="65" charset="-120"/>
+              </a:rPr>
+              <a:t>乘</a:t>
             </a:r>
             <a:r>
               <a:rPr lang="en-US" altLang="zh-TW" dirty="0">
                 <a:latin typeface="Times New Roman" panose="02020603050405020304" pitchFamily="18" charset="0"/>
                 <a:ea typeface="標楷體" panose="03000509000000000000" pitchFamily="65" charset="-120"/>
               </a:rPr>
-              <a:t>7 bits</a:t>
+              <a:t>“101”, </a:t>
+            </a:r>
+            <a:r>
+              <a:rPr lang="zh-TW" altLang="en-US" dirty="0">
+                <a:latin typeface="Times New Roman" panose="02020603050405020304" pitchFamily="18" charset="0"/>
+                <a:ea typeface="標楷體" panose="03000509000000000000" pitchFamily="65" charset="-120"/>
+              </a:rPr>
+              <a:t>再右移</a:t>
+            </a:r>
+            <a:r>
+              <a:rPr lang="en-US" altLang="zh-TW" dirty="0">
+                <a:latin typeface="Times New Roman" panose="02020603050405020304" pitchFamily="18" charset="0"/>
+                <a:ea typeface="標楷體" panose="03000509000000000000" pitchFamily="65" charset="-120"/>
+              </a:rPr>
+              <a:t>7 bits)</a:t>
             </a:r>
             <a:endParaRPr lang="zh-TW" altLang="en-US" dirty="0"/>
           </a:p>
